--- a/materi/Mobile Computing II-06.pptx
+++ b/materi/Mobile Computing II-06.pptx
@@ -5,12 +5,19 @@
     <p:sldMasterId id="2147483648" r:id="rId1"/>
   </p:sldMasterIdLst>
   <p:notesMasterIdLst>
-    <p:notesMasterId r:id="rId5"/>
+    <p:notesMasterId r:id="rId12"/>
   </p:notesMasterIdLst>
   <p:sldIdLst>
     <p:sldId id="270" r:id="rId2"/>
     <p:sldId id="273" r:id="rId3"/>
     <p:sldId id="292" r:id="rId4"/>
+    <p:sldId id="293" r:id="rId5"/>
+    <p:sldId id="296" r:id="rId6"/>
+    <p:sldId id="297" r:id="rId7"/>
+    <p:sldId id="298" r:id="rId8"/>
+    <p:sldId id="299" r:id="rId9"/>
+    <p:sldId id="294" r:id="rId10"/>
+    <p:sldId id="295" r:id="rId11"/>
   </p:sldIdLst>
   <p:sldSz cx="9144000" cy="6858000" type="screen4x3"/>
   <p:notesSz cx="6858000" cy="9144000"/>
@@ -195,7 +202,7 @@
             <a:fld id="{D4C55E52-1512-4397-87CC-2882E58DA483}" type="datetimeFigureOut">
               <a:rPr lang="en-US" smtClean="0"/>
               <a:pPr/>
-              <a:t>10/20/2015</a:t>
+              <a:t>11/13/2015</a:t>
             </a:fld>
             <a:endParaRPr lang="en-US"/>
           </a:p>
@@ -543,6 +550,88 @@
 </p:notes>
 </file>
 
+<file path=ppt/notesSlides/notesSlide10.xml><?xml version="1.0" encoding="utf-8"?>
+<p:notes xmlns:a="http://schemas.openxmlformats.org/drawingml/2006/main" xmlns:r="http://schemas.openxmlformats.org/officeDocument/2006/relationships" xmlns:p="http://schemas.openxmlformats.org/presentationml/2006/main">
+  <p:cSld>
+    <p:spTree>
+      <p:nvGrpSpPr>
+        <p:cNvPr id="1" name=""/>
+        <p:cNvGrpSpPr/>
+        <p:nvPr/>
+      </p:nvGrpSpPr>
+      <p:grpSpPr>
+        <a:xfrm>
+          <a:off x="0" y="0"/>
+          <a:ext cx="0" cy="0"/>
+          <a:chOff x="0" y="0"/>
+          <a:chExt cx="0" cy="0"/>
+        </a:xfrm>
+      </p:grpSpPr>
+      <p:sp>
+        <p:nvSpPr>
+          <p:cNvPr id="2" name="Slide Image Placeholder 1"/>
+          <p:cNvSpPr>
+            <a:spLocks noGrp="1" noRot="1" noChangeAspect="1"/>
+          </p:cNvSpPr>
+          <p:nvPr>
+            <p:ph type="sldImg"/>
+          </p:nvPr>
+        </p:nvSpPr>
+        <p:spPr/>
+      </p:sp>
+      <p:sp>
+        <p:nvSpPr>
+          <p:cNvPr id="3" name="Notes Placeholder 2"/>
+          <p:cNvSpPr>
+            <a:spLocks noGrp="1"/>
+          </p:cNvSpPr>
+          <p:nvPr>
+            <p:ph type="body" idx="1"/>
+          </p:nvPr>
+        </p:nvSpPr>
+        <p:spPr/>
+        <p:txBody>
+          <a:bodyPr>
+            <a:normAutofit/>
+          </a:bodyPr>
+          <a:lstStyle/>
+          <a:p>
+            <a:endParaRPr lang="en-US"/>
+          </a:p>
+        </p:txBody>
+      </p:sp>
+      <p:sp>
+        <p:nvSpPr>
+          <p:cNvPr id="4" name="Slide Number Placeholder 3"/>
+          <p:cNvSpPr>
+            <a:spLocks noGrp="1"/>
+          </p:cNvSpPr>
+          <p:nvPr>
+            <p:ph type="sldNum" sz="quarter" idx="10"/>
+          </p:nvPr>
+        </p:nvSpPr>
+        <p:spPr/>
+        <p:txBody>
+          <a:bodyPr/>
+          <a:lstStyle/>
+          <a:p>
+            <a:fld id="{079C42CE-4A4D-4966-8E3B-19252189C0B0}" type="slidenum">
+              <a:rPr lang="en-US" smtClean="0"/>
+              <a:pPr/>
+              <a:t>10</a:t>
+            </a:fld>
+            <a:endParaRPr lang="en-US"/>
+          </a:p>
+        </p:txBody>
+      </p:sp>
+    </p:spTree>
+  </p:cSld>
+  <p:clrMapOvr>
+    <a:masterClrMapping/>
+  </p:clrMapOvr>
+</p:notes>
+</file>
+
 <file path=ppt/notesSlides/notesSlide2.xml><?xml version="1.0" encoding="utf-8"?>
 <p:notes xmlns:a="http://schemas.openxmlformats.org/drawingml/2006/main" xmlns:r="http://schemas.openxmlformats.org/officeDocument/2006/relationships" xmlns:p="http://schemas.openxmlformats.org/presentationml/2006/main">
   <p:cSld>
@@ -694,6 +783,498 @@
               <a:rPr lang="en-US" smtClean="0"/>
               <a:pPr/>
               <a:t>3</a:t>
+            </a:fld>
+            <a:endParaRPr lang="en-US"/>
+          </a:p>
+        </p:txBody>
+      </p:sp>
+    </p:spTree>
+  </p:cSld>
+  <p:clrMapOvr>
+    <a:masterClrMapping/>
+  </p:clrMapOvr>
+</p:notes>
+</file>
+
+<file path=ppt/notesSlides/notesSlide4.xml><?xml version="1.0" encoding="utf-8"?>
+<p:notes xmlns:a="http://schemas.openxmlformats.org/drawingml/2006/main" xmlns:r="http://schemas.openxmlformats.org/officeDocument/2006/relationships" xmlns:p="http://schemas.openxmlformats.org/presentationml/2006/main">
+  <p:cSld>
+    <p:spTree>
+      <p:nvGrpSpPr>
+        <p:cNvPr id="1" name=""/>
+        <p:cNvGrpSpPr/>
+        <p:nvPr/>
+      </p:nvGrpSpPr>
+      <p:grpSpPr>
+        <a:xfrm>
+          <a:off x="0" y="0"/>
+          <a:ext cx="0" cy="0"/>
+          <a:chOff x="0" y="0"/>
+          <a:chExt cx="0" cy="0"/>
+        </a:xfrm>
+      </p:grpSpPr>
+      <p:sp>
+        <p:nvSpPr>
+          <p:cNvPr id="2" name="Slide Image Placeholder 1"/>
+          <p:cNvSpPr>
+            <a:spLocks noGrp="1" noRot="1" noChangeAspect="1"/>
+          </p:cNvSpPr>
+          <p:nvPr>
+            <p:ph type="sldImg"/>
+          </p:nvPr>
+        </p:nvSpPr>
+        <p:spPr/>
+      </p:sp>
+      <p:sp>
+        <p:nvSpPr>
+          <p:cNvPr id="3" name="Notes Placeholder 2"/>
+          <p:cNvSpPr>
+            <a:spLocks noGrp="1"/>
+          </p:cNvSpPr>
+          <p:nvPr>
+            <p:ph type="body" idx="1"/>
+          </p:nvPr>
+        </p:nvSpPr>
+        <p:spPr/>
+        <p:txBody>
+          <a:bodyPr>
+            <a:normAutofit/>
+          </a:bodyPr>
+          <a:lstStyle/>
+          <a:p>
+            <a:endParaRPr lang="en-US"/>
+          </a:p>
+        </p:txBody>
+      </p:sp>
+      <p:sp>
+        <p:nvSpPr>
+          <p:cNvPr id="4" name="Slide Number Placeholder 3"/>
+          <p:cNvSpPr>
+            <a:spLocks noGrp="1"/>
+          </p:cNvSpPr>
+          <p:nvPr>
+            <p:ph type="sldNum" sz="quarter" idx="10"/>
+          </p:nvPr>
+        </p:nvSpPr>
+        <p:spPr/>
+        <p:txBody>
+          <a:bodyPr/>
+          <a:lstStyle/>
+          <a:p>
+            <a:fld id="{079C42CE-4A4D-4966-8E3B-19252189C0B0}" type="slidenum">
+              <a:rPr lang="en-US" smtClean="0"/>
+              <a:pPr/>
+              <a:t>4</a:t>
+            </a:fld>
+            <a:endParaRPr lang="en-US"/>
+          </a:p>
+        </p:txBody>
+      </p:sp>
+    </p:spTree>
+  </p:cSld>
+  <p:clrMapOvr>
+    <a:masterClrMapping/>
+  </p:clrMapOvr>
+</p:notes>
+</file>
+
+<file path=ppt/notesSlides/notesSlide5.xml><?xml version="1.0" encoding="utf-8"?>
+<p:notes xmlns:a="http://schemas.openxmlformats.org/drawingml/2006/main" xmlns:r="http://schemas.openxmlformats.org/officeDocument/2006/relationships" xmlns:p="http://schemas.openxmlformats.org/presentationml/2006/main">
+  <p:cSld>
+    <p:spTree>
+      <p:nvGrpSpPr>
+        <p:cNvPr id="1" name=""/>
+        <p:cNvGrpSpPr/>
+        <p:nvPr/>
+      </p:nvGrpSpPr>
+      <p:grpSpPr>
+        <a:xfrm>
+          <a:off x="0" y="0"/>
+          <a:ext cx="0" cy="0"/>
+          <a:chOff x="0" y="0"/>
+          <a:chExt cx="0" cy="0"/>
+        </a:xfrm>
+      </p:grpSpPr>
+      <p:sp>
+        <p:nvSpPr>
+          <p:cNvPr id="2" name="Slide Image Placeholder 1"/>
+          <p:cNvSpPr>
+            <a:spLocks noGrp="1" noRot="1" noChangeAspect="1"/>
+          </p:cNvSpPr>
+          <p:nvPr>
+            <p:ph type="sldImg"/>
+          </p:nvPr>
+        </p:nvSpPr>
+        <p:spPr/>
+      </p:sp>
+      <p:sp>
+        <p:nvSpPr>
+          <p:cNvPr id="3" name="Notes Placeholder 2"/>
+          <p:cNvSpPr>
+            <a:spLocks noGrp="1"/>
+          </p:cNvSpPr>
+          <p:nvPr>
+            <p:ph type="body" idx="1"/>
+          </p:nvPr>
+        </p:nvSpPr>
+        <p:spPr/>
+        <p:txBody>
+          <a:bodyPr>
+            <a:normAutofit/>
+          </a:bodyPr>
+          <a:lstStyle/>
+          <a:p>
+            <a:endParaRPr lang="en-US"/>
+          </a:p>
+        </p:txBody>
+      </p:sp>
+      <p:sp>
+        <p:nvSpPr>
+          <p:cNvPr id="4" name="Slide Number Placeholder 3"/>
+          <p:cNvSpPr>
+            <a:spLocks noGrp="1"/>
+          </p:cNvSpPr>
+          <p:nvPr>
+            <p:ph type="sldNum" sz="quarter" idx="10"/>
+          </p:nvPr>
+        </p:nvSpPr>
+        <p:spPr/>
+        <p:txBody>
+          <a:bodyPr/>
+          <a:lstStyle/>
+          <a:p>
+            <a:fld id="{079C42CE-4A4D-4966-8E3B-19252189C0B0}" type="slidenum">
+              <a:rPr lang="en-US" smtClean="0"/>
+              <a:pPr/>
+              <a:t>5</a:t>
+            </a:fld>
+            <a:endParaRPr lang="en-US"/>
+          </a:p>
+        </p:txBody>
+      </p:sp>
+    </p:spTree>
+  </p:cSld>
+  <p:clrMapOvr>
+    <a:masterClrMapping/>
+  </p:clrMapOvr>
+</p:notes>
+</file>
+
+<file path=ppt/notesSlides/notesSlide6.xml><?xml version="1.0" encoding="utf-8"?>
+<p:notes xmlns:a="http://schemas.openxmlformats.org/drawingml/2006/main" xmlns:r="http://schemas.openxmlformats.org/officeDocument/2006/relationships" xmlns:p="http://schemas.openxmlformats.org/presentationml/2006/main">
+  <p:cSld>
+    <p:spTree>
+      <p:nvGrpSpPr>
+        <p:cNvPr id="1" name=""/>
+        <p:cNvGrpSpPr/>
+        <p:nvPr/>
+      </p:nvGrpSpPr>
+      <p:grpSpPr>
+        <a:xfrm>
+          <a:off x="0" y="0"/>
+          <a:ext cx="0" cy="0"/>
+          <a:chOff x="0" y="0"/>
+          <a:chExt cx="0" cy="0"/>
+        </a:xfrm>
+      </p:grpSpPr>
+      <p:sp>
+        <p:nvSpPr>
+          <p:cNvPr id="2" name="Slide Image Placeholder 1"/>
+          <p:cNvSpPr>
+            <a:spLocks noGrp="1" noRot="1" noChangeAspect="1"/>
+          </p:cNvSpPr>
+          <p:nvPr>
+            <p:ph type="sldImg"/>
+          </p:nvPr>
+        </p:nvSpPr>
+        <p:spPr/>
+      </p:sp>
+      <p:sp>
+        <p:nvSpPr>
+          <p:cNvPr id="3" name="Notes Placeholder 2"/>
+          <p:cNvSpPr>
+            <a:spLocks noGrp="1"/>
+          </p:cNvSpPr>
+          <p:nvPr>
+            <p:ph type="body" idx="1"/>
+          </p:nvPr>
+        </p:nvSpPr>
+        <p:spPr/>
+        <p:txBody>
+          <a:bodyPr>
+            <a:normAutofit/>
+          </a:bodyPr>
+          <a:lstStyle/>
+          <a:p>
+            <a:endParaRPr lang="en-US"/>
+          </a:p>
+        </p:txBody>
+      </p:sp>
+      <p:sp>
+        <p:nvSpPr>
+          <p:cNvPr id="4" name="Slide Number Placeholder 3"/>
+          <p:cNvSpPr>
+            <a:spLocks noGrp="1"/>
+          </p:cNvSpPr>
+          <p:nvPr>
+            <p:ph type="sldNum" sz="quarter" idx="10"/>
+          </p:nvPr>
+        </p:nvSpPr>
+        <p:spPr/>
+        <p:txBody>
+          <a:bodyPr/>
+          <a:lstStyle/>
+          <a:p>
+            <a:fld id="{079C42CE-4A4D-4966-8E3B-19252189C0B0}" type="slidenum">
+              <a:rPr lang="en-US" smtClean="0"/>
+              <a:pPr/>
+              <a:t>6</a:t>
+            </a:fld>
+            <a:endParaRPr lang="en-US"/>
+          </a:p>
+        </p:txBody>
+      </p:sp>
+    </p:spTree>
+  </p:cSld>
+  <p:clrMapOvr>
+    <a:masterClrMapping/>
+  </p:clrMapOvr>
+</p:notes>
+</file>
+
+<file path=ppt/notesSlides/notesSlide7.xml><?xml version="1.0" encoding="utf-8"?>
+<p:notes xmlns:a="http://schemas.openxmlformats.org/drawingml/2006/main" xmlns:r="http://schemas.openxmlformats.org/officeDocument/2006/relationships" xmlns:p="http://schemas.openxmlformats.org/presentationml/2006/main">
+  <p:cSld>
+    <p:spTree>
+      <p:nvGrpSpPr>
+        <p:cNvPr id="1" name=""/>
+        <p:cNvGrpSpPr/>
+        <p:nvPr/>
+      </p:nvGrpSpPr>
+      <p:grpSpPr>
+        <a:xfrm>
+          <a:off x="0" y="0"/>
+          <a:ext cx="0" cy="0"/>
+          <a:chOff x="0" y="0"/>
+          <a:chExt cx="0" cy="0"/>
+        </a:xfrm>
+      </p:grpSpPr>
+      <p:sp>
+        <p:nvSpPr>
+          <p:cNvPr id="2" name="Slide Image Placeholder 1"/>
+          <p:cNvSpPr>
+            <a:spLocks noGrp="1" noRot="1" noChangeAspect="1"/>
+          </p:cNvSpPr>
+          <p:nvPr>
+            <p:ph type="sldImg"/>
+          </p:nvPr>
+        </p:nvSpPr>
+        <p:spPr/>
+      </p:sp>
+      <p:sp>
+        <p:nvSpPr>
+          <p:cNvPr id="3" name="Notes Placeholder 2"/>
+          <p:cNvSpPr>
+            <a:spLocks noGrp="1"/>
+          </p:cNvSpPr>
+          <p:nvPr>
+            <p:ph type="body" idx="1"/>
+          </p:nvPr>
+        </p:nvSpPr>
+        <p:spPr/>
+        <p:txBody>
+          <a:bodyPr>
+            <a:normAutofit/>
+          </a:bodyPr>
+          <a:lstStyle/>
+          <a:p>
+            <a:endParaRPr lang="en-US"/>
+          </a:p>
+        </p:txBody>
+      </p:sp>
+      <p:sp>
+        <p:nvSpPr>
+          <p:cNvPr id="4" name="Slide Number Placeholder 3"/>
+          <p:cNvSpPr>
+            <a:spLocks noGrp="1"/>
+          </p:cNvSpPr>
+          <p:nvPr>
+            <p:ph type="sldNum" sz="quarter" idx="10"/>
+          </p:nvPr>
+        </p:nvSpPr>
+        <p:spPr/>
+        <p:txBody>
+          <a:bodyPr/>
+          <a:lstStyle/>
+          <a:p>
+            <a:fld id="{079C42CE-4A4D-4966-8E3B-19252189C0B0}" type="slidenum">
+              <a:rPr lang="en-US" smtClean="0"/>
+              <a:pPr/>
+              <a:t>7</a:t>
+            </a:fld>
+            <a:endParaRPr lang="en-US"/>
+          </a:p>
+        </p:txBody>
+      </p:sp>
+    </p:spTree>
+  </p:cSld>
+  <p:clrMapOvr>
+    <a:masterClrMapping/>
+  </p:clrMapOvr>
+</p:notes>
+</file>
+
+<file path=ppt/notesSlides/notesSlide8.xml><?xml version="1.0" encoding="utf-8"?>
+<p:notes xmlns:a="http://schemas.openxmlformats.org/drawingml/2006/main" xmlns:r="http://schemas.openxmlformats.org/officeDocument/2006/relationships" xmlns:p="http://schemas.openxmlformats.org/presentationml/2006/main">
+  <p:cSld>
+    <p:spTree>
+      <p:nvGrpSpPr>
+        <p:cNvPr id="1" name=""/>
+        <p:cNvGrpSpPr/>
+        <p:nvPr/>
+      </p:nvGrpSpPr>
+      <p:grpSpPr>
+        <a:xfrm>
+          <a:off x="0" y="0"/>
+          <a:ext cx="0" cy="0"/>
+          <a:chOff x="0" y="0"/>
+          <a:chExt cx="0" cy="0"/>
+        </a:xfrm>
+      </p:grpSpPr>
+      <p:sp>
+        <p:nvSpPr>
+          <p:cNvPr id="2" name="Slide Image Placeholder 1"/>
+          <p:cNvSpPr>
+            <a:spLocks noGrp="1" noRot="1" noChangeAspect="1"/>
+          </p:cNvSpPr>
+          <p:nvPr>
+            <p:ph type="sldImg"/>
+          </p:nvPr>
+        </p:nvSpPr>
+        <p:spPr/>
+      </p:sp>
+      <p:sp>
+        <p:nvSpPr>
+          <p:cNvPr id="3" name="Notes Placeholder 2"/>
+          <p:cNvSpPr>
+            <a:spLocks noGrp="1"/>
+          </p:cNvSpPr>
+          <p:nvPr>
+            <p:ph type="body" idx="1"/>
+          </p:nvPr>
+        </p:nvSpPr>
+        <p:spPr/>
+        <p:txBody>
+          <a:bodyPr>
+            <a:normAutofit/>
+          </a:bodyPr>
+          <a:lstStyle/>
+          <a:p>
+            <a:endParaRPr lang="en-US"/>
+          </a:p>
+        </p:txBody>
+      </p:sp>
+      <p:sp>
+        <p:nvSpPr>
+          <p:cNvPr id="4" name="Slide Number Placeholder 3"/>
+          <p:cNvSpPr>
+            <a:spLocks noGrp="1"/>
+          </p:cNvSpPr>
+          <p:nvPr>
+            <p:ph type="sldNum" sz="quarter" idx="10"/>
+          </p:nvPr>
+        </p:nvSpPr>
+        <p:spPr/>
+        <p:txBody>
+          <a:bodyPr/>
+          <a:lstStyle/>
+          <a:p>
+            <a:fld id="{079C42CE-4A4D-4966-8E3B-19252189C0B0}" type="slidenum">
+              <a:rPr lang="en-US" smtClean="0"/>
+              <a:pPr/>
+              <a:t>8</a:t>
+            </a:fld>
+            <a:endParaRPr lang="en-US"/>
+          </a:p>
+        </p:txBody>
+      </p:sp>
+    </p:spTree>
+  </p:cSld>
+  <p:clrMapOvr>
+    <a:masterClrMapping/>
+  </p:clrMapOvr>
+</p:notes>
+</file>
+
+<file path=ppt/notesSlides/notesSlide9.xml><?xml version="1.0" encoding="utf-8"?>
+<p:notes xmlns:a="http://schemas.openxmlformats.org/drawingml/2006/main" xmlns:r="http://schemas.openxmlformats.org/officeDocument/2006/relationships" xmlns:p="http://schemas.openxmlformats.org/presentationml/2006/main">
+  <p:cSld>
+    <p:spTree>
+      <p:nvGrpSpPr>
+        <p:cNvPr id="1" name=""/>
+        <p:cNvGrpSpPr/>
+        <p:nvPr/>
+      </p:nvGrpSpPr>
+      <p:grpSpPr>
+        <a:xfrm>
+          <a:off x="0" y="0"/>
+          <a:ext cx="0" cy="0"/>
+          <a:chOff x="0" y="0"/>
+          <a:chExt cx="0" cy="0"/>
+        </a:xfrm>
+      </p:grpSpPr>
+      <p:sp>
+        <p:nvSpPr>
+          <p:cNvPr id="2" name="Slide Image Placeholder 1"/>
+          <p:cNvSpPr>
+            <a:spLocks noGrp="1" noRot="1" noChangeAspect="1"/>
+          </p:cNvSpPr>
+          <p:nvPr>
+            <p:ph type="sldImg"/>
+          </p:nvPr>
+        </p:nvSpPr>
+        <p:spPr/>
+      </p:sp>
+      <p:sp>
+        <p:nvSpPr>
+          <p:cNvPr id="3" name="Notes Placeholder 2"/>
+          <p:cNvSpPr>
+            <a:spLocks noGrp="1"/>
+          </p:cNvSpPr>
+          <p:nvPr>
+            <p:ph type="body" idx="1"/>
+          </p:nvPr>
+        </p:nvSpPr>
+        <p:spPr/>
+        <p:txBody>
+          <a:bodyPr>
+            <a:normAutofit/>
+          </a:bodyPr>
+          <a:lstStyle/>
+          <a:p>
+            <a:endParaRPr lang="en-US"/>
+          </a:p>
+        </p:txBody>
+      </p:sp>
+      <p:sp>
+        <p:nvSpPr>
+          <p:cNvPr id="4" name="Slide Number Placeholder 3"/>
+          <p:cNvSpPr>
+            <a:spLocks noGrp="1"/>
+          </p:cNvSpPr>
+          <p:nvPr>
+            <p:ph type="sldNum" sz="quarter" idx="10"/>
+          </p:nvPr>
+        </p:nvSpPr>
+        <p:spPr/>
+        <p:txBody>
+          <a:bodyPr/>
+          <a:lstStyle/>
+          <a:p>
+            <a:fld id="{079C42CE-4A4D-4966-8E3B-19252189C0B0}" type="slidenum">
+              <a:rPr lang="en-US" smtClean="0"/>
+              <a:pPr/>
+              <a:t>9</a:t>
             </a:fld>
             <a:endParaRPr lang="en-US"/>
           </a:p>
@@ -889,7 +1470,7 @@
             <a:fld id="{1D8BD707-D9CF-40AE-B4C6-C98DA3205C09}" type="datetimeFigureOut">
               <a:rPr lang="en-US" smtClean="0"/>
               <a:pPr/>
-              <a:t>10/20/2015</a:t>
+              <a:t>11/13/2015</a:t>
             </a:fld>
             <a:endParaRPr lang="en-US"/>
           </a:p>
@@ -1056,7 +1637,7 @@
             <a:fld id="{1D8BD707-D9CF-40AE-B4C6-C98DA3205C09}" type="datetimeFigureOut">
               <a:rPr lang="en-US" smtClean="0"/>
               <a:pPr/>
-              <a:t>10/20/2015</a:t>
+              <a:t>11/13/2015</a:t>
             </a:fld>
             <a:endParaRPr lang="en-US"/>
           </a:p>
@@ -1233,7 +1814,7 @@
             <a:fld id="{1D8BD707-D9CF-40AE-B4C6-C98DA3205C09}" type="datetimeFigureOut">
               <a:rPr lang="en-US" smtClean="0"/>
               <a:pPr/>
-              <a:t>10/20/2015</a:t>
+              <a:t>11/13/2015</a:t>
             </a:fld>
             <a:endParaRPr lang="en-US"/>
           </a:p>
@@ -1400,7 +1981,7 @@
             <a:fld id="{1D8BD707-D9CF-40AE-B4C6-C98DA3205C09}" type="datetimeFigureOut">
               <a:rPr lang="en-US" smtClean="0"/>
               <a:pPr/>
-              <a:t>10/20/2015</a:t>
+              <a:t>11/13/2015</a:t>
             </a:fld>
             <a:endParaRPr lang="en-US"/>
           </a:p>
@@ -1643,7 +2224,7 @@
             <a:fld id="{1D8BD707-D9CF-40AE-B4C6-C98DA3205C09}" type="datetimeFigureOut">
               <a:rPr lang="en-US" smtClean="0"/>
               <a:pPr/>
-              <a:t>10/20/2015</a:t>
+              <a:t>11/13/2015</a:t>
             </a:fld>
             <a:endParaRPr lang="en-US"/>
           </a:p>
@@ -1928,7 +2509,7 @@
             <a:fld id="{1D8BD707-D9CF-40AE-B4C6-C98DA3205C09}" type="datetimeFigureOut">
               <a:rPr lang="en-US" smtClean="0"/>
               <a:pPr/>
-              <a:t>10/20/2015</a:t>
+              <a:t>11/13/2015</a:t>
             </a:fld>
             <a:endParaRPr lang="en-US"/>
           </a:p>
@@ -2347,7 +2928,7 @@
             <a:fld id="{1D8BD707-D9CF-40AE-B4C6-C98DA3205C09}" type="datetimeFigureOut">
               <a:rPr lang="en-US" smtClean="0"/>
               <a:pPr/>
-              <a:t>10/20/2015</a:t>
+              <a:t>11/13/2015</a:t>
             </a:fld>
             <a:endParaRPr lang="en-US"/>
           </a:p>
@@ -2462,7 +3043,7 @@
             <a:fld id="{1D8BD707-D9CF-40AE-B4C6-C98DA3205C09}" type="datetimeFigureOut">
               <a:rPr lang="en-US" smtClean="0"/>
               <a:pPr/>
-              <a:t>10/20/2015</a:t>
+              <a:t>11/13/2015</a:t>
             </a:fld>
             <a:endParaRPr lang="en-US"/>
           </a:p>
@@ -2554,7 +3135,7 @@
             <a:fld id="{1D8BD707-D9CF-40AE-B4C6-C98DA3205C09}" type="datetimeFigureOut">
               <a:rPr lang="en-US" smtClean="0"/>
               <a:pPr/>
-              <a:t>10/20/2015</a:t>
+              <a:t>11/13/2015</a:t>
             </a:fld>
             <a:endParaRPr lang="en-US"/>
           </a:p>
@@ -2828,7 +3409,7 @@
             <a:fld id="{1D8BD707-D9CF-40AE-B4C6-C98DA3205C09}" type="datetimeFigureOut">
               <a:rPr lang="en-US" smtClean="0"/>
               <a:pPr/>
-              <a:t>10/20/2015</a:t>
+              <a:t>11/13/2015</a:t>
             </a:fld>
             <a:endParaRPr lang="en-US"/>
           </a:p>
@@ -3078,7 +3659,7 @@
             <a:fld id="{1D8BD707-D9CF-40AE-B4C6-C98DA3205C09}" type="datetimeFigureOut">
               <a:rPr lang="en-US" smtClean="0"/>
               <a:pPr/>
-              <a:t>10/20/2015</a:t>
+              <a:t>11/13/2015</a:t>
             </a:fld>
             <a:endParaRPr lang="en-US"/>
           </a:p>
@@ -3288,7 +3869,7 @@
             <a:fld id="{1D8BD707-D9CF-40AE-B4C6-C98DA3205C09}" type="datetimeFigureOut">
               <a:rPr lang="en-US" smtClean="0"/>
               <a:pPr/>
-              <a:t>10/20/2015</a:t>
+              <a:t>11/13/2015</a:t>
             </a:fld>
             <a:endParaRPr lang="en-US"/>
           </a:p>
@@ -3864,15 +4445,7 @@
                   <a:srgbClr val="FFFF00"/>
                 </a:solidFill>
               </a:rPr>
-              <a:t>konek</a:t>
-            </a:r>
-            <a:r>
-              <a:rPr lang="en-US" sz="3200" b="1" dirty="0" err="1" smtClean="0">
-                <a:solidFill>
-                  <a:srgbClr val="FFFF00"/>
-                </a:solidFill>
-              </a:rPr>
-              <a:t>si</a:t>
+              <a:t>koneksi</a:t>
             </a:r>
             <a:r>
               <a:rPr lang="en-US" sz="3200" b="1" dirty="0" smtClean="0">
@@ -3880,21 +4453,8 @@
                   <a:srgbClr val="FFFF00"/>
                 </a:solidFill>
               </a:rPr>
-              <a:t> </a:t>
-            </a:r>
-            <a:r>
-              <a:rPr lang="en-US" sz="3200" b="1" dirty="0" smtClean="0">
-                <a:solidFill>
-                  <a:srgbClr val="FFFF00"/>
-                </a:solidFill>
-              </a:rPr>
-              <a:t>Database Server &amp; JSON</a:t>
-            </a:r>
-            <a:endParaRPr lang="en-US" sz="3200" b="1" dirty="0" smtClean="0">
-              <a:solidFill>
-                <a:srgbClr val="FFFF00"/>
-              </a:solidFill>
-            </a:endParaRPr>
+              <a:t> Database Server &amp; JSON</a:t>
+            </a:r>
           </a:p>
         </p:txBody>
       </p:sp>
@@ -3999,7 +4559,7 @@
 </p:sld>
 </file>
 
-<file path=ppt/slides/slide2.xml><?xml version="1.0" encoding="utf-8"?>
+<file path=ppt/slides/slide10.xml><?xml version="1.0" encoding="utf-8"?>
 <p:sld xmlns:a="http://schemas.openxmlformats.org/drawingml/2006/main" xmlns:r="http://schemas.openxmlformats.org/officeDocument/2006/relationships" xmlns:p="http://schemas.openxmlformats.org/presentationml/2006/main">
   <p:cSld>
     <p:spTree>
@@ -4074,7 +4634,7 @@
         <p:spPr>
           <a:xfrm>
             <a:off x="76200" y="55602"/>
-            <a:ext cx="3677225" cy="553998"/>
+            <a:ext cx="3445687" cy="553998"/>
           </a:xfrm>
           <a:prstGeom prst="rect">
             <a:avLst/>
@@ -4089,7 +4649,7 @@
           <a:p>
             <a:r>
               <a:rPr lang="en-US" sz="3000" b="1" dirty="0" err="1" smtClean="0"/>
-              <a:t>Pokok</a:t>
+              <a:t>Padanan</a:t>
             </a:r>
             <a:r>
               <a:rPr lang="en-US" sz="3000" b="1" dirty="0" smtClean="0"/>
@@ -4097,15 +4657,11 @@
             </a:r>
             <a:r>
               <a:rPr lang="en-US" sz="3000" b="1" dirty="0" err="1" smtClean="0"/>
-              <a:t>Bahasan</a:t>
+              <a:t>dalam</a:t>
             </a:r>
             <a:r>
               <a:rPr lang="en-US" sz="3000" b="1" dirty="0" smtClean="0"/>
-              <a:t> </a:t>
-            </a:r>
-            <a:r>
-              <a:rPr lang="en-US" sz="3000" b="1" dirty="0" err="1" smtClean="0"/>
-              <a:t>Kuliah</a:t>
+              <a:t> XML</a:t>
             </a:r>
             <a:endParaRPr lang="en-US" sz="3000" b="1" dirty="0"/>
           </a:p>
@@ -4228,494 +4784,2243 @@
             <a:fld id="{71D00F36-FA00-435A-BA0E-2F982C1F1AA6}" type="slidenum">
               <a:rPr lang="en-US" smtClean="0"/>
               <a:pPr algn="r"/>
-              <a:t>2</a:t>
+              <a:t>10</a:t>
             </a:fld>
             <a:endParaRPr lang="en-US" dirty="0"/>
           </a:p>
         </p:txBody>
       </p:sp>
-      <p:sp>
-        <p:nvSpPr>
-          <p:cNvPr id="31" name="Rectangle 30"/>
-          <p:cNvSpPr/>
+      <p:graphicFrame>
+        <p:nvGraphicFramePr>
+          <p:cNvPr id="7" name="Table 6"/>
+          <p:cNvGraphicFramePr>
+            <a:graphicFrameLocks noGrp="1"/>
+          </p:cNvGraphicFramePr>
           <p:nvPr/>
-        </p:nvSpPr>
-        <p:spPr>
-          <a:xfrm>
-            <a:off x="457200" y="685800"/>
-            <a:ext cx="8229600" cy="5632311"/>
-          </a:xfrm>
-          <a:prstGeom prst="rect">
-            <a:avLst/>
-          </a:prstGeom>
-        </p:spPr>
-        <p:txBody>
-          <a:bodyPr wrap="square">
-            <a:spAutoFit/>
-          </a:bodyPr>
-          <a:lstStyle/>
-          <a:p>
-            <a:pPr marL="457200" indent="-457200">
-              <a:buFontTx/>
-              <a:buAutoNum type="arabicPeriod"/>
-            </a:pPr>
-            <a:r>
-              <a:rPr lang="en-US" sz="2000" dirty="0" smtClean="0">
-                <a:solidFill>
-                  <a:schemeClr val="bg1">
-                    <a:lumMod val="85000"/>
-                  </a:schemeClr>
-                </a:solidFill>
-              </a:rPr>
-              <a:t>Layout </a:t>
-            </a:r>
-            <a:r>
-              <a:rPr lang="en-US" sz="2000" dirty="0" err="1" smtClean="0">
-                <a:solidFill>
-                  <a:schemeClr val="bg1">
-                    <a:lumMod val="85000"/>
-                  </a:schemeClr>
-                </a:solidFill>
-              </a:rPr>
-              <a:t>Lanjut</a:t>
-            </a:r>
-            <a:endParaRPr lang="en-US" sz="2000" dirty="0" smtClean="0">
-              <a:solidFill>
-                <a:schemeClr val="bg1">
-                  <a:lumMod val="85000"/>
-                </a:schemeClr>
-              </a:solidFill>
-            </a:endParaRPr>
-          </a:p>
-          <a:p>
-            <a:pPr marL="914400" lvl="1" indent="-457200">
-              <a:buFontTx/>
-              <a:buAutoNum type="arabicPeriod"/>
-            </a:pPr>
-            <a:r>
-              <a:rPr lang="en-US" sz="2000" dirty="0" err="1" smtClean="0">
-                <a:solidFill>
-                  <a:schemeClr val="bg1">
-                    <a:lumMod val="85000"/>
-                  </a:schemeClr>
-                </a:solidFill>
-              </a:rPr>
-              <a:t>Pemrograman</a:t>
-            </a:r>
-            <a:r>
-              <a:rPr lang="en-US" sz="2000" dirty="0" smtClean="0">
-                <a:solidFill>
-                  <a:schemeClr val="bg1">
-                    <a:lumMod val="85000"/>
-                  </a:schemeClr>
-                </a:solidFill>
-              </a:rPr>
-              <a:t> Layout </a:t>
-            </a:r>
-            <a:r>
-              <a:rPr lang="en-US" sz="2000" dirty="0" err="1" smtClean="0">
-                <a:solidFill>
-                  <a:schemeClr val="bg1">
-                    <a:lumMod val="85000"/>
-                  </a:schemeClr>
-                </a:solidFill>
-              </a:rPr>
-              <a:t>Dinamis</a:t>
-            </a:r>
-            <a:endParaRPr lang="en-US" sz="2000" dirty="0" smtClean="0">
-              <a:solidFill>
-                <a:schemeClr val="bg1">
-                  <a:lumMod val="85000"/>
-                </a:schemeClr>
-              </a:solidFill>
-            </a:endParaRPr>
-          </a:p>
-          <a:p>
-            <a:pPr marL="914400" lvl="1" indent="-457200">
-              <a:buFontTx/>
-              <a:buAutoNum type="arabicPeriod"/>
-            </a:pPr>
-            <a:r>
-              <a:rPr lang="en-US" sz="2000" dirty="0" err="1" smtClean="0">
-                <a:solidFill>
-                  <a:schemeClr val="bg1">
-                    <a:lumMod val="85000"/>
-                  </a:schemeClr>
-                </a:solidFill>
-              </a:rPr>
-              <a:t>Aturan</a:t>
-            </a:r>
-            <a:r>
-              <a:rPr lang="en-US" sz="2000" dirty="0" smtClean="0">
-                <a:solidFill>
-                  <a:schemeClr val="bg1">
-                    <a:lumMod val="85000"/>
-                  </a:schemeClr>
-                </a:solidFill>
-              </a:rPr>
-              <a:t> layout UI Android</a:t>
-            </a:r>
-          </a:p>
-          <a:p>
-            <a:pPr marL="914400" lvl="1" indent="-457200">
-              <a:buFontTx/>
-              <a:buAutoNum type="arabicPeriod"/>
-            </a:pPr>
-            <a:r>
-              <a:rPr lang="en-US" sz="2000" dirty="0" smtClean="0">
-                <a:solidFill>
-                  <a:schemeClr val="bg1">
-                    <a:lumMod val="85000"/>
-                  </a:schemeClr>
-                </a:solidFill>
-              </a:rPr>
-              <a:t>Material Design</a:t>
-            </a:r>
-          </a:p>
-          <a:p>
-            <a:pPr marL="457200" indent="-457200">
-              <a:buFontTx/>
-              <a:buAutoNum type="arabicPeriod"/>
-            </a:pPr>
-            <a:r>
-              <a:rPr lang="id-ID" sz="2000" dirty="0" smtClean="0"/>
-              <a:t>Aplikasi Database </a:t>
-            </a:r>
-            <a:r>
-              <a:rPr lang="en-US" sz="2000" dirty="0" err="1" smtClean="0"/>
-              <a:t>Lanjut</a:t>
-            </a:r>
-            <a:r>
-              <a:rPr lang="id-ID" sz="2000" dirty="0" smtClean="0"/>
-              <a:t> </a:t>
-            </a:r>
-            <a:endParaRPr lang="en-US" sz="2000" dirty="0" smtClean="0"/>
-          </a:p>
-          <a:p>
-            <a:pPr marL="914400" lvl="1" indent="-457200">
-              <a:buFontTx/>
-              <a:buAutoNum type="arabicPeriod"/>
-            </a:pPr>
-            <a:r>
-              <a:rPr lang="en-US" sz="2000" dirty="0" err="1" smtClean="0"/>
-              <a:t>Akses</a:t>
-            </a:r>
-            <a:r>
-              <a:rPr lang="en-US" sz="2000" dirty="0" smtClean="0"/>
-              <a:t> </a:t>
-            </a:r>
-            <a:r>
-              <a:rPr lang="en-US" sz="2000" dirty="0" err="1" smtClean="0"/>
-              <a:t>ke</a:t>
-            </a:r>
-            <a:r>
-              <a:rPr lang="en-US" sz="2000" dirty="0" smtClean="0"/>
-              <a:t> Database Server</a:t>
-            </a:r>
-          </a:p>
-          <a:p>
-            <a:pPr marL="914400" lvl="1" indent="-457200">
-              <a:buFontTx/>
-              <a:buAutoNum type="arabicPeriod"/>
-            </a:pPr>
-            <a:r>
-              <a:rPr lang="en-US" sz="2000" dirty="0" smtClean="0"/>
-              <a:t>Web-service </a:t>
-            </a:r>
-            <a:r>
-              <a:rPr lang="en-US" sz="2000" dirty="0" err="1" smtClean="0"/>
-              <a:t>dengan</a:t>
-            </a:r>
-            <a:r>
-              <a:rPr lang="en-US" sz="2000" dirty="0" smtClean="0"/>
-              <a:t> JSON</a:t>
-            </a:r>
-          </a:p>
-          <a:p>
-            <a:pPr marL="457200" indent="-457200">
-              <a:buAutoNum type="arabicPeriod"/>
-            </a:pPr>
-            <a:r>
-              <a:rPr lang="id-ID" sz="2000" dirty="0" smtClean="0">
-                <a:solidFill>
-                  <a:schemeClr val="bg1">
-                    <a:lumMod val="75000"/>
-                  </a:schemeClr>
-                </a:solidFill>
-              </a:rPr>
-              <a:t>Aplikasi Game </a:t>
-            </a:r>
-            <a:endParaRPr lang="en-US" sz="2000" dirty="0" smtClean="0">
-              <a:solidFill>
-                <a:schemeClr val="bg1">
-                  <a:lumMod val="75000"/>
-                </a:schemeClr>
-              </a:solidFill>
-            </a:endParaRPr>
-          </a:p>
-          <a:p>
-            <a:pPr marL="914400" lvl="1" indent="-457200">
-              <a:buAutoNum type="arabicPeriod"/>
-            </a:pPr>
-            <a:r>
-              <a:rPr lang="en-US" sz="2000" dirty="0" smtClean="0">
-                <a:solidFill>
-                  <a:schemeClr val="bg1">
-                    <a:lumMod val="75000"/>
-                  </a:schemeClr>
-                </a:solidFill>
-              </a:rPr>
-              <a:t>Import Game Engine Library</a:t>
-            </a:r>
-          </a:p>
-          <a:p>
-            <a:pPr marL="914400" lvl="1" indent="-457200">
-              <a:buAutoNum type="arabicPeriod"/>
-            </a:pPr>
-            <a:r>
-              <a:rPr lang="en-US" sz="2000" dirty="0" err="1" smtClean="0">
-                <a:solidFill>
-                  <a:schemeClr val="bg1">
-                    <a:lumMod val="75000"/>
-                  </a:schemeClr>
-                </a:solidFill>
-              </a:rPr>
-              <a:t>Pemrograman</a:t>
-            </a:r>
-            <a:r>
-              <a:rPr lang="en-US" sz="2000" dirty="0" smtClean="0">
-                <a:solidFill>
-                  <a:schemeClr val="bg1">
-                    <a:lumMod val="75000"/>
-                  </a:schemeClr>
-                </a:solidFill>
-              </a:rPr>
-              <a:t> </a:t>
-            </a:r>
-            <a:r>
-              <a:rPr lang="en-US" sz="2000" dirty="0" err="1" smtClean="0">
-                <a:solidFill>
-                  <a:schemeClr val="bg1">
-                    <a:lumMod val="75000"/>
-                  </a:schemeClr>
-                </a:solidFill>
-              </a:rPr>
-              <a:t>dengan</a:t>
-            </a:r>
-            <a:r>
-              <a:rPr lang="en-US" sz="2000" dirty="0" smtClean="0">
-                <a:solidFill>
-                  <a:schemeClr val="bg1">
-                    <a:lumMod val="75000"/>
-                  </a:schemeClr>
-                </a:solidFill>
-              </a:rPr>
-              <a:t> game engine</a:t>
-            </a:r>
-          </a:p>
-          <a:p>
-            <a:pPr marL="457200" indent="-457200">
-              <a:buAutoNum type="arabicPeriod"/>
-            </a:pPr>
-            <a:r>
-              <a:rPr lang="id-ID" sz="2000" dirty="0" smtClean="0">
-                <a:solidFill>
-                  <a:schemeClr val="bg1">
-                    <a:lumMod val="75000"/>
-                  </a:schemeClr>
-                </a:solidFill>
-              </a:rPr>
-              <a:t>Pemrograman  untuk  akses hardware</a:t>
-            </a:r>
-            <a:endParaRPr lang="en-US" sz="2000" dirty="0" smtClean="0">
-              <a:solidFill>
-                <a:schemeClr val="bg1">
-                  <a:lumMod val="75000"/>
-                </a:schemeClr>
-              </a:solidFill>
-            </a:endParaRPr>
-          </a:p>
-          <a:p>
-            <a:pPr marL="914400" lvl="1" indent="-457200">
-              <a:buAutoNum type="arabicPeriod"/>
-            </a:pPr>
-            <a:r>
-              <a:rPr lang="en-US" sz="2000" dirty="0" err="1" smtClean="0">
-                <a:solidFill>
-                  <a:schemeClr val="bg1">
-                    <a:lumMod val="75000"/>
-                  </a:schemeClr>
-                </a:solidFill>
-              </a:rPr>
-              <a:t>Akselerometer</a:t>
-            </a:r>
-            <a:r>
-              <a:rPr lang="en-US" sz="2000" dirty="0" smtClean="0">
-                <a:solidFill>
-                  <a:schemeClr val="bg1">
-                    <a:lumMod val="75000"/>
-                  </a:schemeClr>
-                </a:solidFill>
-              </a:rPr>
-              <a:t>, </a:t>
-            </a:r>
-            <a:r>
-              <a:rPr lang="en-US" sz="2000" dirty="0" err="1" smtClean="0">
-                <a:solidFill>
-                  <a:schemeClr val="bg1">
-                    <a:lumMod val="75000"/>
-                  </a:schemeClr>
-                </a:solidFill>
-              </a:rPr>
-              <a:t>Kompas</a:t>
-            </a:r>
-            <a:r>
-              <a:rPr lang="en-US" sz="2000" dirty="0" smtClean="0">
-                <a:solidFill>
-                  <a:schemeClr val="bg1">
-                    <a:lumMod val="75000"/>
-                  </a:schemeClr>
-                </a:solidFill>
-              </a:rPr>
-              <a:t>, GPS</a:t>
-            </a:r>
-          </a:p>
-          <a:p>
-            <a:pPr marL="914400" lvl="1" indent="-457200">
-              <a:buAutoNum type="arabicPeriod"/>
-            </a:pPr>
-            <a:r>
-              <a:rPr lang="en-US" sz="2000" dirty="0" err="1" smtClean="0">
-                <a:solidFill>
-                  <a:schemeClr val="bg1">
-                    <a:lumMod val="75000"/>
-                  </a:schemeClr>
-                </a:solidFill>
-              </a:rPr>
-              <a:t>Telepon</a:t>
-            </a:r>
-            <a:endParaRPr lang="en-US" sz="2000" dirty="0" smtClean="0">
-              <a:solidFill>
-                <a:schemeClr val="bg1">
-                  <a:lumMod val="75000"/>
-                </a:schemeClr>
-              </a:solidFill>
-            </a:endParaRPr>
-          </a:p>
-          <a:p>
-            <a:pPr marL="914400" lvl="1" indent="-457200">
-              <a:buAutoNum type="arabicPeriod"/>
-            </a:pPr>
-            <a:r>
-              <a:rPr lang="en-US" sz="2000" dirty="0" smtClean="0">
-                <a:solidFill>
-                  <a:schemeClr val="bg1">
-                    <a:lumMod val="75000"/>
-                  </a:schemeClr>
-                </a:solidFill>
-              </a:rPr>
-              <a:t>Bluetooth</a:t>
-            </a:r>
-          </a:p>
-          <a:p>
-            <a:pPr marL="914400" lvl="1" indent="-457200">
-              <a:buAutoNum type="arabicPeriod"/>
-            </a:pPr>
-            <a:r>
-              <a:rPr lang="en-US" sz="2000" dirty="0" err="1" smtClean="0">
-                <a:solidFill>
-                  <a:schemeClr val="bg1">
-                    <a:lumMod val="75000"/>
-                  </a:schemeClr>
-                </a:solidFill>
-              </a:rPr>
-              <a:t>Wifi</a:t>
-            </a:r>
-            <a:endParaRPr lang="en-US" sz="2000" dirty="0" smtClean="0">
-              <a:solidFill>
-                <a:schemeClr val="bg1">
-                  <a:lumMod val="75000"/>
-                </a:schemeClr>
-              </a:solidFill>
-            </a:endParaRPr>
-          </a:p>
-          <a:p>
-            <a:pPr marL="914400" lvl="1" indent="-457200">
-              <a:buAutoNum type="arabicPeriod"/>
-            </a:pPr>
-            <a:r>
-              <a:rPr lang="en-US" sz="2000" dirty="0" err="1" smtClean="0">
-                <a:solidFill>
-                  <a:schemeClr val="bg1">
-                    <a:lumMod val="75000"/>
-                  </a:schemeClr>
-                </a:solidFill>
-              </a:rPr>
-              <a:t>Kamera</a:t>
-            </a:r>
-            <a:r>
-              <a:rPr lang="en-US" sz="2000" dirty="0" smtClean="0">
-                <a:solidFill>
-                  <a:schemeClr val="bg1">
-                    <a:lumMod val="75000"/>
-                  </a:schemeClr>
-                </a:solidFill>
-              </a:rPr>
-              <a:t> </a:t>
-            </a:r>
-          </a:p>
-          <a:p>
-            <a:pPr marL="457200" indent="-457200">
-              <a:buAutoNum type="arabicPeriod"/>
-            </a:pPr>
-            <a:r>
-              <a:rPr lang="id-ID" sz="2000" dirty="0" smtClean="0">
-                <a:solidFill>
-                  <a:schemeClr val="bg1">
-                    <a:lumMod val="75000"/>
-                  </a:schemeClr>
-                </a:solidFill>
-              </a:rPr>
-              <a:t>Pemrograman SMS</a:t>
-            </a:r>
-            <a:endParaRPr lang="en-US" sz="2000" dirty="0" smtClean="0">
-              <a:solidFill>
-                <a:schemeClr val="bg1">
-                  <a:lumMod val="75000"/>
-                </a:schemeClr>
-              </a:solidFill>
-            </a:endParaRPr>
-          </a:p>
-          <a:p>
-            <a:pPr marL="457200" indent="-457200">
-              <a:buFontTx/>
-              <a:buAutoNum type="arabicPeriod"/>
-            </a:pPr>
-            <a:r>
-              <a:rPr lang="id-ID" sz="2000" dirty="0" smtClean="0">
-                <a:solidFill>
-                  <a:schemeClr val="bg1">
-                    <a:lumMod val="75000"/>
-                  </a:schemeClr>
-                </a:solidFill>
-              </a:rPr>
-              <a:t>Aplikasi mobile tingkat lanjut </a:t>
-            </a:r>
-            <a:endParaRPr lang="en-US" sz="2000" dirty="0" smtClean="0">
-              <a:solidFill>
-                <a:schemeClr val="bg1">
-                  <a:lumMod val="75000"/>
-                </a:schemeClr>
-              </a:solidFill>
-            </a:endParaRPr>
-          </a:p>
-        </p:txBody>
-      </p:sp>
+        </p:nvGraphicFramePr>
+        <p:xfrm>
+          <a:off x="609600" y="1066800"/>
+          <a:ext cx="8229600" cy="4632960"/>
+        </p:xfrm>
+        <a:graphic>
+          <a:graphicData uri="http://schemas.openxmlformats.org/drawingml/2006/table">
+            <a:tbl>
+              <a:tblPr/>
+              <a:tblGrid>
+                <a:gridCol w="463008"/>
+                <a:gridCol w="7766592"/>
+              </a:tblGrid>
+              <a:tr h="169692">
+                <a:tc>
+                  <a:txBody>
+                    <a:bodyPr/>
+                    <a:lstStyle/>
+                    <a:p>
+                      <a:pPr algn="l">
+                        <a:lnSpc>
+                          <a:spcPct val="115000"/>
+                        </a:lnSpc>
+                        <a:spcAft>
+                          <a:spcPts val="0"/>
+                        </a:spcAft>
+                      </a:pPr>
+                      <a:r>
+                        <a:rPr lang="en-US" sz="1200">
+                          <a:solidFill>
+                            <a:srgbClr val="365F91"/>
+                          </a:solidFill>
+                          <a:latin typeface="Calibri"/>
+                          <a:ea typeface="Times New Roman"/>
+                          <a:cs typeface="Times New Roman"/>
+                        </a:rPr>
+                        <a:t>01</a:t>
+                      </a:r>
+                      <a:endParaRPr lang="id-ID" sz="1600">
+                        <a:solidFill>
+                          <a:srgbClr val="365F91"/>
+                        </a:solidFill>
+                        <a:latin typeface="Calibri"/>
+                        <a:ea typeface="Calibri"/>
+                        <a:cs typeface="Times New Roman"/>
+                      </a:endParaRPr>
+                    </a:p>
+                  </a:txBody>
+                  <a:tcPr marL="66401" marR="66401" marT="0" marB="0">
+                    <a:lnL>
+                      <a:noFill/>
+                    </a:lnL>
+                    <a:lnR>
+                      <a:noFill/>
+                    </a:lnR>
+                    <a:lnT w="12700" cap="flat" cmpd="sng" algn="ctr">
+                      <a:solidFill>
+                        <a:srgbClr val="4F81BD"/>
+                      </a:solidFill>
+                      <a:prstDash val="solid"/>
+                      <a:round/>
+                      <a:headEnd type="none" w="med" len="med"/>
+                      <a:tailEnd type="none" w="med" len="med"/>
+                    </a:lnT>
+                    <a:lnB w="12700" cap="flat" cmpd="sng" algn="ctr">
+                      <a:solidFill>
+                        <a:srgbClr val="4F81BD"/>
+                      </a:solidFill>
+                      <a:prstDash val="solid"/>
+                      <a:round/>
+                      <a:headEnd type="none" w="med" len="med"/>
+                      <a:tailEnd type="none" w="med" len="med"/>
+                    </a:lnB>
+                  </a:tcPr>
+                </a:tc>
+                <a:tc>
+                  <a:txBody>
+                    <a:bodyPr/>
+                    <a:lstStyle/>
+                    <a:p>
+                      <a:pPr algn="l"/>
+                      <a:r>
+                        <a:rPr lang="id-ID" sz="1600" b="1">
+                          <a:solidFill>
+                            <a:srgbClr val="000000"/>
+                          </a:solidFill>
+                          <a:latin typeface="Calibri"/>
+                        </a:rPr>
+                        <a:t>&lt;!DOCTYPE glossary PUBLIC "-//OASIS//DTD DocBook V3.1//EN"&gt;</a:t>
+                      </a:r>
+                      <a:endParaRPr lang="id-ID" sz="1600">
+                        <a:solidFill>
+                          <a:srgbClr val="365F91"/>
+                        </a:solidFill>
+                        <a:latin typeface="Calibri"/>
+                      </a:endParaRPr>
+                    </a:p>
+                  </a:txBody>
+                  <a:tcPr marL="66401" marR="66401" marT="0" marB="0">
+                    <a:lnL>
+                      <a:noFill/>
+                    </a:lnL>
+                    <a:lnR>
+                      <a:noFill/>
+                    </a:lnR>
+                    <a:lnT w="12700" cap="flat" cmpd="sng" algn="ctr">
+                      <a:solidFill>
+                        <a:srgbClr val="4F81BD"/>
+                      </a:solidFill>
+                      <a:prstDash val="solid"/>
+                      <a:round/>
+                      <a:headEnd type="none" w="med" len="med"/>
+                      <a:tailEnd type="none" w="med" len="med"/>
+                    </a:lnT>
+                    <a:lnB w="12700" cap="flat" cmpd="sng" algn="ctr">
+                      <a:solidFill>
+                        <a:srgbClr val="4F81BD"/>
+                      </a:solidFill>
+                      <a:prstDash val="solid"/>
+                      <a:round/>
+                      <a:headEnd type="none" w="med" len="med"/>
+                      <a:tailEnd type="none" w="med" len="med"/>
+                    </a:lnB>
+                  </a:tcPr>
+                </a:tc>
+              </a:tr>
+              <a:tr h="169692">
+                <a:tc>
+                  <a:txBody>
+                    <a:bodyPr/>
+                    <a:lstStyle/>
+                    <a:p>
+                      <a:pPr algn="l">
+                        <a:lnSpc>
+                          <a:spcPct val="115000"/>
+                        </a:lnSpc>
+                        <a:spcAft>
+                          <a:spcPts val="0"/>
+                        </a:spcAft>
+                      </a:pPr>
+                      <a:r>
+                        <a:rPr lang="en-US" sz="1200">
+                          <a:solidFill>
+                            <a:srgbClr val="365F91"/>
+                          </a:solidFill>
+                          <a:latin typeface="Calibri"/>
+                          <a:ea typeface="Times New Roman"/>
+                          <a:cs typeface="Times New Roman"/>
+                        </a:rPr>
+                        <a:t>02</a:t>
+                      </a:r>
+                      <a:endParaRPr lang="id-ID" sz="1600">
+                        <a:solidFill>
+                          <a:srgbClr val="365F91"/>
+                        </a:solidFill>
+                        <a:latin typeface="Calibri"/>
+                        <a:ea typeface="Calibri"/>
+                        <a:cs typeface="Times New Roman"/>
+                      </a:endParaRPr>
+                    </a:p>
+                  </a:txBody>
+                  <a:tcPr marL="66401" marR="66401" marT="0" marB="0">
+                    <a:lnL>
+                      <a:noFill/>
+                    </a:lnL>
+                    <a:lnR>
+                      <a:noFill/>
+                    </a:lnR>
+                    <a:lnT w="12700" cap="flat" cmpd="sng" algn="ctr">
+                      <a:solidFill>
+                        <a:srgbClr val="4F81BD"/>
+                      </a:solidFill>
+                      <a:prstDash val="solid"/>
+                      <a:round/>
+                      <a:headEnd type="none" w="med" len="med"/>
+                      <a:tailEnd type="none" w="med" len="med"/>
+                    </a:lnT>
+                    <a:lnB w="12700" cap="flat" cmpd="sng" algn="ctr">
+                      <a:solidFill>
+                        <a:srgbClr val="000000"/>
+                      </a:solidFill>
+                      <a:prstDash val="dash"/>
+                      <a:round/>
+                      <a:headEnd type="none" w="med" len="med"/>
+                      <a:tailEnd type="none" w="med" len="med"/>
+                    </a:lnB>
+                    <a:solidFill>
+                      <a:srgbClr val="D3DFEE"/>
+                    </a:solidFill>
+                  </a:tcPr>
+                </a:tc>
+                <a:tc>
+                  <a:txBody>
+                    <a:bodyPr/>
+                    <a:lstStyle/>
+                    <a:p>
+                      <a:pPr algn="l"/>
+                      <a:r>
+                        <a:rPr lang="id-ID" sz="1600">
+                          <a:solidFill>
+                            <a:srgbClr val="000000"/>
+                          </a:solidFill>
+                          <a:latin typeface="Calibri"/>
+                        </a:rPr>
+                        <a:t> &lt;glossary&gt;&lt;title&gt;example glossary&lt;/title&gt;</a:t>
+                      </a:r>
+                      <a:endParaRPr lang="id-ID" sz="1600">
+                        <a:solidFill>
+                          <a:srgbClr val="365F91"/>
+                        </a:solidFill>
+                        <a:latin typeface="Calibri"/>
+                      </a:endParaRPr>
+                    </a:p>
+                  </a:txBody>
+                  <a:tcPr marL="66401" marR="66401" marT="0" marB="0">
+                    <a:lnL>
+                      <a:noFill/>
+                    </a:lnL>
+                    <a:lnR>
+                      <a:noFill/>
+                    </a:lnR>
+                    <a:lnT w="12700" cap="flat" cmpd="sng" algn="ctr">
+                      <a:solidFill>
+                        <a:srgbClr val="4F81BD"/>
+                      </a:solidFill>
+                      <a:prstDash val="solid"/>
+                      <a:round/>
+                      <a:headEnd type="none" w="med" len="med"/>
+                      <a:tailEnd type="none" w="med" len="med"/>
+                    </a:lnT>
+                    <a:lnB w="12700" cap="flat" cmpd="sng" algn="ctr">
+                      <a:solidFill>
+                        <a:srgbClr val="000000"/>
+                      </a:solidFill>
+                      <a:prstDash val="dash"/>
+                      <a:round/>
+                      <a:headEnd type="none" w="med" len="med"/>
+                      <a:tailEnd type="none" w="med" len="med"/>
+                    </a:lnB>
+                    <a:solidFill>
+                      <a:srgbClr val="D3DFEE"/>
+                    </a:solidFill>
+                  </a:tcPr>
+                </a:tc>
+              </a:tr>
+              <a:tr h="169692">
+                <a:tc>
+                  <a:txBody>
+                    <a:bodyPr/>
+                    <a:lstStyle/>
+                    <a:p>
+                      <a:pPr algn="l">
+                        <a:lnSpc>
+                          <a:spcPct val="115000"/>
+                        </a:lnSpc>
+                        <a:spcAft>
+                          <a:spcPts val="0"/>
+                        </a:spcAft>
+                      </a:pPr>
+                      <a:r>
+                        <a:rPr lang="en-US" sz="1200">
+                          <a:solidFill>
+                            <a:srgbClr val="365F91"/>
+                          </a:solidFill>
+                          <a:latin typeface="Calibri"/>
+                          <a:ea typeface="Times New Roman"/>
+                          <a:cs typeface="Times New Roman"/>
+                        </a:rPr>
+                        <a:t>03</a:t>
+                      </a:r>
+                      <a:endParaRPr lang="id-ID" sz="1600">
+                        <a:solidFill>
+                          <a:srgbClr val="365F91"/>
+                        </a:solidFill>
+                        <a:latin typeface="Calibri"/>
+                        <a:ea typeface="Calibri"/>
+                        <a:cs typeface="Times New Roman"/>
+                      </a:endParaRPr>
+                    </a:p>
+                  </a:txBody>
+                  <a:tcPr marL="66401" marR="66401" marT="0" marB="0">
+                    <a:lnL>
+                      <a:noFill/>
+                    </a:lnL>
+                    <a:lnR>
+                      <a:noFill/>
+                    </a:lnR>
+                    <a:lnT w="12700" cap="flat" cmpd="sng" algn="ctr">
+                      <a:solidFill>
+                        <a:srgbClr val="000000"/>
+                      </a:solidFill>
+                      <a:prstDash val="dash"/>
+                      <a:round/>
+                      <a:headEnd type="none" w="med" len="med"/>
+                      <a:tailEnd type="none" w="med" len="med"/>
+                    </a:lnT>
+                    <a:lnB w="12700" cap="flat" cmpd="sng" algn="ctr">
+                      <a:solidFill>
+                        <a:srgbClr val="000000"/>
+                      </a:solidFill>
+                      <a:prstDash val="dash"/>
+                      <a:round/>
+                      <a:headEnd type="none" w="med" len="med"/>
+                      <a:tailEnd type="none" w="med" len="med"/>
+                    </a:lnB>
+                  </a:tcPr>
+                </a:tc>
+                <a:tc>
+                  <a:txBody>
+                    <a:bodyPr/>
+                    <a:lstStyle/>
+                    <a:p>
+                      <a:pPr algn="l"/>
+                      <a:r>
+                        <a:rPr lang="id-ID" sz="1600">
+                          <a:solidFill>
+                            <a:srgbClr val="000000"/>
+                          </a:solidFill>
+                          <a:latin typeface="Calibri"/>
+                        </a:rPr>
+                        <a:t>  &lt;GlossDiv&gt;&lt;title&gt;S&lt;/title&gt;</a:t>
+                      </a:r>
+                      <a:endParaRPr lang="id-ID" sz="1600">
+                        <a:solidFill>
+                          <a:srgbClr val="365F91"/>
+                        </a:solidFill>
+                        <a:latin typeface="Calibri"/>
+                      </a:endParaRPr>
+                    </a:p>
+                  </a:txBody>
+                  <a:tcPr marL="66401" marR="66401" marT="0" marB="0">
+                    <a:lnL>
+                      <a:noFill/>
+                    </a:lnL>
+                    <a:lnR>
+                      <a:noFill/>
+                    </a:lnR>
+                    <a:lnT w="12700" cap="flat" cmpd="sng" algn="ctr">
+                      <a:solidFill>
+                        <a:srgbClr val="000000"/>
+                      </a:solidFill>
+                      <a:prstDash val="dash"/>
+                      <a:round/>
+                      <a:headEnd type="none" w="med" len="med"/>
+                      <a:tailEnd type="none" w="med" len="med"/>
+                    </a:lnT>
+                    <a:lnB w="12700" cap="flat" cmpd="sng" algn="ctr">
+                      <a:solidFill>
+                        <a:srgbClr val="000000"/>
+                      </a:solidFill>
+                      <a:prstDash val="dash"/>
+                      <a:round/>
+                      <a:headEnd type="none" w="med" len="med"/>
+                      <a:tailEnd type="none" w="med" len="med"/>
+                    </a:lnB>
+                  </a:tcPr>
+                </a:tc>
+              </a:tr>
+              <a:tr h="169692">
+                <a:tc>
+                  <a:txBody>
+                    <a:bodyPr/>
+                    <a:lstStyle/>
+                    <a:p>
+                      <a:pPr algn="l">
+                        <a:lnSpc>
+                          <a:spcPct val="115000"/>
+                        </a:lnSpc>
+                        <a:spcAft>
+                          <a:spcPts val="0"/>
+                        </a:spcAft>
+                      </a:pPr>
+                      <a:r>
+                        <a:rPr lang="en-US" sz="1200">
+                          <a:solidFill>
+                            <a:srgbClr val="365F91"/>
+                          </a:solidFill>
+                          <a:latin typeface="Calibri"/>
+                          <a:ea typeface="Times New Roman"/>
+                          <a:cs typeface="Times New Roman"/>
+                        </a:rPr>
+                        <a:t>04</a:t>
+                      </a:r>
+                      <a:endParaRPr lang="id-ID" sz="1600">
+                        <a:solidFill>
+                          <a:srgbClr val="365F91"/>
+                        </a:solidFill>
+                        <a:latin typeface="Calibri"/>
+                        <a:ea typeface="Calibri"/>
+                        <a:cs typeface="Times New Roman"/>
+                      </a:endParaRPr>
+                    </a:p>
+                  </a:txBody>
+                  <a:tcPr marL="66401" marR="66401" marT="0" marB="0">
+                    <a:lnL>
+                      <a:noFill/>
+                    </a:lnL>
+                    <a:lnR>
+                      <a:noFill/>
+                    </a:lnR>
+                    <a:lnT w="12700" cap="flat" cmpd="sng" algn="ctr">
+                      <a:solidFill>
+                        <a:srgbClr val="000000"/>
+                      </a:solidFill>
+                      <a:prstDash val="dash"/>
+                      <a:round/>
+                      <a:headEnd type="none" w="med" len="med"/>
+                      <a:tailEnd type="none" w="med" len="med"/>
+                    </a:lnT>
+                    <a:lnB w="12700" cap="flat" cmpd="sng" algn="ctr">
+                      <a:solidFill>
+                        <a:srgbClr val="000000"/>
+                      </a:solidFill>
+                      <a:prstDash val="dash"/>
+                      <a:round/>
+                      <a:headEnd type="none" w="med" len="med"/>
+                      <a:tailEnd type="none" w="med" len="med"/>
+                    </a:lnB>
+                    <a:solidFill>
+                      <a:srgbClr val="D3DFEE"/>
+                    </a:solidFill>
+                  </a:tcPr>
+                </a:tc>
+                <a:tc>
+                  <a:txBody>
+                    <a:bodyPr/>
+                    <a:lstStyle/>
+                    <a:p>
+                      <a:pPr algn="l"/>
+                      <a:r>
+                        <a:rPr lang="id-ID" sz="1600">
+                          <a:solidFill>
+                            <a:srgbClr val="000000"/>
+                          </a:solidFill>
+                          <a:latin typeface="Calibri"/>
+                        </a:rPr>
+                        <a:t>   &lt;GlossList&gt;</a:t>
+                      </a:r>
+                      <a:endParaRPr lang="id-ID" sz="1600">
+                        <a:solidFill>
+                          <a:srgbClr val="365F91"/>
+                        </a:solidFill>
+                        <a:latin typeface="Calibri"/>
+                      </a:endParaRPr>
+                    </a:p>
+                  </a:txBody>
+                  <a:tcPr marL="66401" marR="66401" marT="0" marB="0">
+                    <a:lnL>
+                      <a:noFill/>
+                    </a:lnL>
+                    <a:lnR>
+                      <a:noFill/>
+                    </a:lnR>
+                    <a:lnT w="12700" cap="flat" cmpd="sng" algn="ctr">
+                      <a:solidFill>
+                        <a:srgbClr val="000000"/>
+                      </a:solidFill>
+                      <a:prstDash val="dash"/>
+                      <a:round/>
+                      <a:headEnd type="none" w="med" len="med"/>
+                      <a:tailEnd type="none" w="med" len="med"/>
+                    </a:lnT>
+                    <a:lnB w="12700" cap="flat" cmpd="sng" algn="ctr">
+                      <a:solidFill>
+                        <a:srgbClr val="000000"/>
+                      </a:solidFill>
+                      <a:prstDash val="dash"/>
+                      <a:round/>
+                      <a:headEnd type="none" w="med" len="med"/>
+                      <a:tailEnd type="none" w="med" len="med"/>
+                    </a:lnB>
+                    <a:solidFill>
+                      <a:srgbClr val="D3DFEE"/>
+                    </a:solidFill>
+                  </a:tcPr>
+                </a:tc>
+              </a:tr>
+              <a:tr h="169692">
+                <a:tc>
+                  <a:txBody>
+                    <a:bodyPr/>
+                    <a:lstStyle/>
+                    <a:p>
+                      <a:pPr algn="l">
+                        <a:lnSpc>
+                          <a:spcPct val="115000"/>
+                        </a:lnSpc>
+                        <a:spcAft>
+                          <a:spcPts val="0"/>
+                        </a:spcAft>
+                      </a:pPr>
+                      <a:r>
+                        <a:rPr lang="en-US" sz="1200">
+                          <a:solidFill>
+                            <a:srgbClr val="365F91"/>
+                          </a:solidFill>
+                          <a:latin typeface="Calibri"/>
+                          <a:ea typeface="Times New Roman"/>
+                          <a:cs typeface="Times New Roman"/>
+                        </a:rPr>
+                        <a:t>05</a:t>
+                      </a:r>
+                      <a:endParaRPr lang="id-ID" sz="1600">
+                        <a:solidFill>
+                          <a:srgbClr val="365F91"/>
+                        </a:solidFill>
+                        <a:latin typeface="Calibri"/>
+                        <a:ea typeface="Calibri"/>
+                        <a:cs typeface="Times New Roman"/>
+                      </a:endParaRPr>
+                    </a:p>
+                  </a:txBody>
+                  <a:tcPr marL="66401" marR="66401" marT="0" marB="0">
+                    <a:lnL>
+                      <a:noFill/>
+                    </a:lnL>
+                    <a:lnR>
+                      <a:noFill/>
+                    </a:lnR>
+                    <a:lnT w="12700" cap="flat" cmpd="sng" algn="ctr">
+                      <a:solidFill>
+                        <a:srgbClr val="000000"/>
+                      </a:solidFill>
+                      <a:prstDash val="dash"/>
+                      <a:round/>
+                      <a:headEnd type="none" w="med" len="med"/>
+                      <a:tailEnd type="none" w="med" len="med"/>
+                    </a:lnT>
+                    <a:lnB w="12700" cap="flat" cmpd="sng" algn="ctr">
+                      <a:solidFill>
+                        <a:srgbClr val="000000"/>
+                      </a:solidFill>
+                      <a:prstDash val="dash"/>
+                      <a:round/>
+                      <a:headEnd type="none" w="med" len="med"/>
+                      <a:tailEnd type="none" w="med" len="med"/>
+                    </a:lnB>
+                  </a:tcPr>
+                </a:tc>
+                <a:tc>
+                  <a:txBody>
+                    <a:bodyPr/>
+                    <a:lstStyle/>
+                    <a:p>
+                      <a:pPr algn="l"/>
+                      <a:r>
+                        <a:rPr lang="id-ID" sz="1600">
+                          <a:solidFill>
+                            <a:srgbClr val="000000"/>
+                          </a:solidFill>
+                          <a:latin typeface="Calibri"/>
+                        </a:rPr>
+                        <a:t>    &lt;GlossEntry ID="SGML" SortAs="SGML"&gt;</a:t>
+                      </a:r>
+                      <a:endParaRPr lang="id-ID" sz="1600">
+                        <a:solidFill>
+                          <a:srgbClr val="365F91"/>
+                        </a:solidFill>
+                        <a:latin typeface="Calibri"/>
+                      </a:endParaRPr>
+                    </a:p>
+                  </a:txBody>
+                  <a:tcPr marL="66401" marR="66401" marT="0" marB="0">
+                    <a:lnL>
+                      <a:noFill/>
+                    </a:lnL>
+                    <a:lnR>
+                      <a:noFill/>
+                    </a:lnR>
+                    <a:lnT w="12700" cap="flat" cmpd="sng" algn="ctr">
+                      <a:solidFill>
+                        <a:srgbClr val="000000"/>
+                      </a:solidFill>
+                      <a:prstDash val="dash"/>
+                      <a:round/>
+                      <a:headEnd type="none" w="med" len="med"/>
+                      <a:tailEnd type="none" w="med" len="med"/>
+                    </a:lnT>
+                    <a:lnB w="12700" cap="flat" cmpd="sng" algn="ctr">
+                      <a:solidFill>
+                        <a:srgbClr val="000000"/>
+                      </a:solidFill>
+                      <a:prstDash val="dash"/>
+                      <a:round/>
+                      <a:headEnd type="none" w="med" len="med"/>
+                      <a:tailEnd type="none" w="med" len="med"/>
+                    </a:lnB>
+                  </a:tcPr>
+                </a:tc>
+              </a:tr>
+              <a:tr h="169692">
+                <a:tc>
+                  <a:txBody>
+                    <a:bodyPr/>
+                    <a:lstStyle/>
+                    <a:p>
+                      <a:pPr algn="l">
+                        <a:lnSpc>
+                          <a:spcPct val="115000"/>
+                        </a:lnSpc>
+                        <a:spcAft>
+                          <a:spcPts val="0"/>
+                        </a:spcAft>
+                      </a:pPr>
+                      <a:r>
+                        <a:rPr lang="en-US" sz="1200">
+                          <a:solidFill>
+                            <a:srgbClr val="365F91"/>
+                          </a:solidFill>
+                          <a:latin typeface="Calibri"/>
+                          <a:ea typeface="Times New Roman"/>
+                          <a:cs typeface="Times New Roman"/>
+                        </a:rPr>
+                        <a:t>06</a:t>
+                      </a:r>
+                      <a:endParaRPr lang="id-ID" sz="1600">
+                        <a:solidFill>
+                          <a:srgbClr val="365F91"/>
+                        </a:solidFill>
+                        <a:latin typeface="Calibri"/>
+                        <a:ea typeface="Calibri"/>
+                        <a:cs typeface="Times New Roman"/>
+                      </a:endParaRPr>
+                    </a:p>
+                  </a:txBody>
+                  <a:tcPr marL="66401" marR="66401" marT="0" marB="0">
+                    <a:lnL>
+                      <a:noFill/>
+                    </a:lnL>
+                    <a:lnR>
+                      <a:noFill/>
+                    </a:lnR>
+                    <a:lnT w="12700" cap="flat" cmpd="sng" algn="ctr">
+                      <a:solidFill>
+                        <a:srgbClr val="000000"/>
+                      </a:solidFill>
+                      <a:prstDash val="dash"/>
+                      <a:round/>
+                      <a:headEnd type="none" w="med" len="med"/>
+                      <a:tailEnd type="none" w="med" len="med"/>
+                    </a:lnT>
+                    <a:lnB w="12700" cap="flat" cmpd="sng" algn="ctr">
+                      <a:solidFill>
+                        <a:srgbClr val="000000"/>
+                      </a:solidFill>
+                      <a:prstDash val="dash"/>
+                      <a:round/>
+                      <a:headEnd type="none" w="med" len="med"/>
+                      <a:tailEnd type="none" w="med" len="med"/>
+                    </a:lnB>
+                    <a:solidFill>
+                      <a:srgbClr val="D3DFEE"/>
+                    </a:solidFill>
+                  </a:tcPr>
+                </a:tc>
+                <a:tc>
+                  <a:txBody>
+                    <a:bodyPr/>
+                    <a:lstStyle/>
+                    <a:p>
+                      <a:pPr algn="l"/>
+                      <a:r>
+                        <a:rPr lang="id-ID" sz="1600">
+                          <a:solidFill>
+                            <a:srgbClr val="000000"/>
+                          </a:solidFill>
+                          <a:latin typeface="Calibri"/>
+                        </a:rPr>
+                        <a:t>     &lt;GlossTerm&gt;Standard Generalized Markup Language&lt;/GlossTerm&gt;</a:t>
+                      </a:r>
+                      <a:endParaRPr lang="id-ID" sz="1600">
+                        <a:solidFill>
+                          <a:srgbClr val="365F91"/>
+                        </a:solidFill>
+                        <a:latin typeface="Calibri"/>
+                      </a:endParaRPr>
+                    </a:p>
+                  </a:txBody>
+                  <a:tcPr marL="66401" marR="66401" marT="0" marB="0">
+                    <a:lnL>
+                      <a:noFill/>
+                    </a:lnL>
+                    <a:lnR>
+                      <a:noFill/>
+                    </a:lnR>
+                    <a:lnT w="12700" cap="flat" cmpd="sng" algn="ctr">
+                      <a:solidFill>
+                        <a:srgbClr val="000000"/>
+                      </a:solidFill>
+                      <a:prstDash val="dash"/>
+                      <a:round/>
+                      <a:headEnd type="none" w="med" len="med"/>
+                      <a:tailEnd type="none" w="med" len="med"/>
+                    </a:lnT>
+                    <a:lnB w="12700" cap="flat" cmpd="sng" algn="ctr">
+                      <a:solidFill>
+                        <a:srgbClr val="000000"/>
+                      </a:solidFill>
+                      <a:prstDash val="dash"/>
+                      <a:round/>
+                      <a:headEnd type="none" w="med" len="med"/>
+                      <a:tailEnd type="none" w="med" len="med"/>
+                    </a:lnB>
+                    <a:solidFill>
+                      <a:srgbClr val="D3DFEE"/>
+                    </a:solidFill>
+                  </a:tcPr>
+                </a:tc>
+              </a:tr>
+              <a:tr h="169692">
+                <a:tc>
+                  <a:txBody>
+                    <a:bodyPr/>
+                    <a:lstStyle/>
+                    <a:p>
+                      <a:pPr algn="l">
+                        <a:lnSpc>
+                          <a:spcPct val="115000"/>
+                        </a:lnSpc>
+                        <a:spcAft>
+                          <a:spcPts val="0"/>
+                        </a:spcAft>
+                      </a:pPr>
+                      <a:r>
+                        <a:rPr lang="en-US" sz="1200">
+                          <a:solidFill>
+                            <a:srgbClr val="365F91"/>
+                          </a:solidFill>
+                          <a:latin typeface="Calibri"/>
+                          <a:ea typeface="Times New Roman"/>
+                          <a:cs typeface="Times New Roman"/>
+                        </a:rPr>
+                        <a:t>07</a:t>
+                      </a:r>
+                      <a:endParaRPr lang="id-ID" sz="1600">
+                        <a:solidFill>
+                          <a:srgbClr val="365F91"/>
+                        </a:solidFill>
+                        <a:latin typeface="Calibri"/>
+                        <a:ea typeface="Calibri"/>
+                        <a:cs typeface="Times New Roman"/>
+                      </a:endParaRPr>
+                    </a:p>
+                  </a:txBody>
+                  <a:tcPr marL="66401" marR="66401" marT="0" marB="0">
+                    <a:lnL>
+                      <a:noFill/>
+                    </a:lnL>
+                    <a:lnR>
+                      <a:noFill/>
+                    </a:lnR>
+                    <a:lnT w="12700" cap="flat" cmpd="sng" algn="ctr">
+                      <a:solidFill>
+                        <a:srgbClr val="000000"/>
+                      </a:solidFill>
+                      <a:prstDash val="dash"/>
+                      <a:round/>
+                      <a:headEnd type="none" w="med" len="med"/>
+                      <a:tailEnd type="none" w="med" len="med"/>
+                    </a:lnT>
+                    <a:lnB w="12700" cap="flat" cmpd="sng" algn="ctr">
+                      <a:solidFill>
+                        <a:srgbClr val="000000"/>
+                      </a:solidFill>
+                      <a:prstDash val="dash"/>
+                      <a:round/>
+                      <a:headEnd type="none" w="med" len="med"/>
+                      <a:tailEnd type="none" w="med" len="med"/>
+                    </a:lnB>
+                  </a:tcPr>
+                </a:tc>
+                <a:tc>
+                  <a:txBody>
+                    <a:bodyPr/>
+                    <a:lstStyle/>
+                    <a:p>
+                      <a:pPr algn="l"/>
+                      <a:r>
+                        <a:rPr lang="id-ID" sz="1600">
+                          <a:solidFill>
+                            <a:srgbClr val="000000"/>
+                          </a:solidFill>
+                          <a:latin typeface="Calibri"/>
+                        </a:rPr>
+                        <a:t>     &lt;Acronym&gt;SGML&lt;/Acronym&gt;</a:t>
+                      </a:r>
+                      <a:endParaRPr lang="id-ID" sz="1600">
+                        <a:solidFill>
+                          <a:srgbClr val="365F91"/>
+                        </a:solidFill>
+                        <a:latin typeface="Calibri"/>
+                      </a:endParaRPr>
+                    </a:p>
+                  </a:txBody>
+                  <a:tcPr marL="66401" marR="66401" marT="0" marB="0">
+                    <a:lnL>
+                      <a:noFill/>
+                    </a:lnL>
+                    <a:lnR>
+                      <a:noFill/>
+                    </a:lnR>
+                    <a:lnT w="12700" cap="flat" cmpd="sng" algn="ctr">
+                      <a:solidFill>
+                        <a:srgbClr val="000000"/>
+                      </a:solidFill>
+                      <a:prstDash val="dash"/>
+                      <a:round/>
+                      <a:headEnd type="none" w="med" len="med"/>
+                      <a:tailEnd type="none" w="med" len="med"/>
+                    </a:lnT>
+                    <a:lnB w="12700" cap="flat" cmpd="sng" algn="ctr">
+                      <a:solidFill>
+                        <a:srgbClr val="000000"/>
+                      </a:solidFill>
+                      <a:prstDash val="dash"/>
+                      <a:round/>
+                      <a:headEnd type="none" w="med" len="med"/>
+                      <a:tailEnd type="none" w="med" len="med"/>
+                    </a:lnB>
+                  </a:tcPr>
+                </a:tc>
+              </a:tr>
+              <a:tr h="169692">
+                <a:tc>
+                  <a:txBody>
+                    <a:bodyPr/>
+                    <a:lstStyle/>
+                    <a:p>
+                      <a:pPr algn="l">
+                        <a:lnSpc>
+                          <a:spcPct val="115000"/>
+                        </a:lnSpc>
+                        <a:spcAft>
+                          <a:spcPts val="0"/>
+                        </a:spcAft>
+                      </a:pPr>
+                      <a:r>
+                        <a:rPr lang="en-US" sz="1200">
+                          <a:solidFill>
+                            <a:srgbClr val="365F91"/>
+                          </a:solidFill>
+                          <a:latin typeface="Calibri"/>
+                          <a:ea typeface="Times New Roman"/>
+                          <a:cs typeface="Times New Roman"/>
+                        </a:rPr>
+                        <a:t>08</a:t>
+                      </a:r>
+                      <a:endParaRPr lang="id-ID" sz="1600">
+                        <a:solidFill>
+                          <a:srgbClr val="365F91"/>
+                        </a:solidFill>
+                        <a:latin typeface="Calibri"/>
+                        <a:ea typeface="Calibri"/>
+                        <a:cs typeface="Times New Roman"/>
+                      </a:endParaRPr>
+                    </a:p>
+                  </a:txBody>
+                  <a:tcPr marL="66401" marR="66401" marT="0" marB="0">
+                    <a:lnL>
+                      <a:noFill/>
+                    </a:lnL>
+                    <a:lnR>
+                      <a:noFill/>
+                    </a:lnR>
+                    <a:lnT w="12700" cap="flat" cmpd="sng" algn="ctr">
+                      <a:solidFill>
+                        <a:srgbClr val="000000"/>
+                      </a:solidFill>
+                      <a:prstDash val="dash"/>
+                      <a:round/>
+                      <a:headEnd type="none" w="med" len="med"/>
+                      <a:tailEnd type="none" w="med" len="med"/>
+                    </a:lnT>
+                    <a:lnB w="12700" cap="flat" cmpd="sng" algn="ctr">
+                      <a:solidFill>
+                        <a:srgbClr val="000000"/>
+                      </a:solidFill>
+                      <a:prstDash val="dash"/>
+                      <a:round/>
+                      <a:headEnd type="none" w="med" len="med"/>
+                      <a:tailEnd type="none" w="med" len="med"/>
+                    </a:lnB>
+                    <a:solidFill>
+                      <a:srgbClr val="D3DFEE"/>
+                    </a:solidFill>
+                  </a:tcPr>
+                </a:tc>
+                <a:tc>
+                  <a:txBody>
+                    <a:bodyPr/>
+                    <a:lstStyle/>
+                    <a:p>
+                      <a:pPr algn="l"/>
+                      <a:r>
+                        <a:rPr lang="id-ID" sz="1600">
+                          <a:solidFill>
+                            <a:srgbClr val="000000"/>
+                          </a:solidFill>
+                          <a:latin typeface="Calibri"/>
+                        </a:rPr>
+                        <a:t>     &lt;Abbrev&gt;ISO 8879:1986&lt;/Abbrev&gt;</a:t>
+                      </a:r>
+                      <a:endParaRPr lang="id-ID" sz="1600">
+                        <a:solidFill>
+                          <a:srgbClr val="365F91"/>
+                        </a:solidFill>
+                        <a:latin typeface="Calibri"/>
+                      </a:endParaRPr>
+                    </a:p>
+                  </a:txBody>
+                  <a:tcPr marL="66401" marR="66401" marT="0" marB="0">
+                    <a:lnL>
+                      <a:noFill/>
+                    </a:lnL>
+                    <a:lnR>
+                      <a:noFill/>
+                    </a:lnR>
+                    <a:lnT w="12700" cap="flat" cmpd="sng" algn="ctr">
+                      <a:solidFill>
+                        <a:srgbClr val="000000"/>
+                      </a:solidFill>
+                      <a:prstDash val="dash"/>
+                      <a:round/>
+                      <a:headEnd type="none" w="med" len="med"/>
+                      <a:tailEnd type="none" w="med" len="med"/>
+                    </a:lnT>
+                    <a:lnB w="12700" cap="flat" cmpd="sng" algn="ctr">
+                      <a:solidFill>
+                        <a:srgbClr val="000000"/>
+                      </a:solidFill>
+                      <a:prstDash val="dash"/>
+                      <a:round/>
+                      <a:headEnd type="none" w="med" len="med"/>
+                      <a:tailEnd type="none" w="med" len="med"/>
+                    </a:lnB>
+                    <a:solidFill>
+                      <a:srgbClr val="D3DFEE"/>
+                    </a:solidFill>
+                  </a:tcPr>
+                </a:tc>
+              </a:tr>
+              <a:tr h="169692">
+                <a:tc>
+                  <a:txBody>
+                    <a:bodyPr/>
+                    <a:lstStyle/>
+                    <a:p>
+                      <a:pPr algn="l">
+                        <a:lnSpc>
+                          <a:spcPct val="115000"/>
+                        </a:lnSpc>
+                        <a:spcAft>
+                          <a:spcPts val="0"/>
+                        </a:spcAft>
+                      </a:pPr>
+                      <a:r>
+                        <a:rPr lang="en-US" sz="1200">
+                          <a:solidFill>
+                            <a:srgbClr val="365F91"/>
+                          </a:solidFill>
+                          <a:latin typeface="Calibri"/>
+                          <a:ea typeface="Times New Roman"/>
+                          <a:cs typeface="Times New Roman"/>
+                        </a:rPr>
+                        <a:t>09</a:t>
+                      </a:r>
+                      <a:endParaRPr lang="id-ID" sz="1600">
+                        <a:solidFill>
+                          <a:srgbClr val="365F91"/>
+                        </a:solidFill>
+                        <a:latin typeface="Calibri"/>
+                        <a:ea typeface="Calibri"/>
+                        <a:cs typeface="Times New Roman"/>
+                      </a:endParaRPr>
+                    </a:p>
+                  </a:txBody>
+                  <a:tcPr marL="66401" marR="66401" marT="0" marB="0">
+                    <a:lnL>
+                      <a:noFill/>
+                    </a:lnL>
+                    <a:lnR>
+                      <a:noFill/>
+                    </a:lnR>
+                    <a:lnT w="12700" cap="flat" cmpd="sng" algn="ctr">
+                      <a:solidFill>
+                        <a:srgbClr val="000000"/>
+                      </a:solidFill>
+                      <a:prstDash val="dash"/>
+                      <a:round/>
+                      <a:headEnd type="none" w="med" len="med"/>
+                      <a:tailEnd type="none" w="med" len="med"/>
+                    </a:lnT>
+                    <a:lnB w="12700" cap="flat" cmpd="sng" algn="ctr">
+                      <a:solidFill>
+                        <a:srgbClr val="000000"/>
+                      </a:solidFill>
+                      <a:prstDash val="dash"/>
+                      <a:round/>
+                      <a:headEnd type="none" w="med" len="med"/>
+                      <a:tailEnd type="none" w="med" len="med"/>
+                    </a:lnB>
+                  </a:tcPr>
+                </a:tc>
+                <a:tc>
+                  <a:txBody>
+                    <a:bodyPr/>
+                    <a:lstStyle/>
+                    <a:p>
+                      <a:pPr algn="l"/>
+                      <a:r>
+                        <a:rPr lang="id-ID" sz="1600">
+                          <a:solidFill>
+                            <a:srgbClr val="000000"/>
+                          </a:solidFill>
+                          <a:latin typeface="Calibri"/>
+                        </a:rPr>
+                        <a:t>     &lt;GlossDef&gt;</a:t>
+                      </a:r>
+                      <a:endParaRPr lang="id-ID" sz="1600">
+                        <a:solidFill>
+                          <a:srgbClr val="365F91"/>
+                        </a:solidFill>
+                        <a:latin typeface="Calibri"/>
+                      </a:endParaRPr>
+                    </a:p>
+                  </a:txBody>
+                  <a:tcPr marL="66401" marR="66401" marT="0" marB="0">
+                    <a:lnL>
+                      <a:noFill/>
+                    </a:lnL>
+                    <a:lnR>
+                      <a:noFill/>
+                    </a:lnR>
+                    <a:lnT w="12700" cap="flat" cmpd="sng" algn="ctr">
+                      <a:solidFill>
+                        <a:srgbClr val="000000"/>
+                      </a:solidFill>
+                      <a:prstDash val="dash"/>
+                      <a:round/>
+                      <a:headEnd type="none" w="med" len="med"/>
+                      <a:tailEnd type="none" w="med" len="med"/>
+                    </a:lnT>
+                    <a:lnB w="12700" cap="flat" cmpd="sng" algn="ctr">
+                      <a:solidFill>
+                        <a:srgbClr val="000000"/>
+                      </a:solidFill>
+                      <a:prstDash val="dash"/>
+                      <a:round/>
+                      <a:headEnd type="none" w="med" len="med"/>
+                      <a:tailEnd type="none" w="med" len="med"/>
+                    </a:lnB>
+                  </a:tcPr>
+                </a:tc>
+              </a:tr>
+              <a:tr h="169692">
+                <a:tc>
+                  <a:txBody>
+                    <a:bodyPr/>
+                    <a:lstStyle/>
+                    <a:p>
+                      <a:pPr algn="l">
+                        <a:lnSpc>
+                          <a:spcPct val="115000"/>
+                        </a:lnSpc>
+                        <a:spcAft>
+                          <a:spcPts val="0"/>
+                        </a:spcAft>
+                      </a:pPr>
+                      <a:r>
+                        <a:rPr lang="en-US" sz="1200">
+                          <a:solidFill>
+                            <a:srgbClr val="365F91"/>
+                          </a:solidFill>
+                          <a:latin typeface="Calibri"/>
+                          <a:ea typeface="Times New Roman"/>
+                          <a:cs typeface="Times New Roman"/>
+                        </a:rPr>
+                        <a:t>10</a:t>
+                      </a:r>
+                      <a:endParaRPr lang="id-ID" sz="1600">
+                        <a:solidFill>
+                          <a:srgbClr val="365F91"/>
+                        </a:solidFill>
+                        <a:latin typeface="Calibri"/>
+                        <a:ea typeface="Calibri"/>
+                        <a:cs typeface="Times New Roman"/>
+                      </a:endParaRPr>
+                    </a:p>
+                  </a:txBody>
+                  <a:tcPr marL="66401" marR="66401" marT="0" marB="0">
+                    <a:lnL>
+                      <a:noFill/>
+                    </a:lnL>
+                    <a:lnR>
+                      <a:noFill/>
+                    </a:lnR>
+                    <a:lnT w="12700" cap="flat" cmpd="sng" algn="ctr">
+                      <a:solidFill>
+                        <a:srgbClr val="000000"/>
+                      </a:solidFill>
+                      <a:prstDash val="dash"/>
+                      <a:round/>
+                      <a:headEnd type="none" w="med" len="med"/>
+                      <a:tailEnd type="none" w="med" len="med"/>
+                    </a:lnT>
+                    <a:lnB w="12700" cap="flat" cmpd="sng" algn="ctr">
+                      <a:solidFill>
+                        <a:srgbClr val="000000"/>
+                      </a:solidFill>
+                      <a:prstDash val="dash"/>
+                      <a:round/>
+                      <a:headEnd type="none" w="med" len="med"/>
+                      <a:tailEnd type="none" w="med" len="med"/>
+                    </a:lnB>
+                    <a:solidFill>
+                      <a:srgbClr val="D3DFEE"/>
+                    </a:solidFill>
+                  </a:tcPr>
+                </a:tc>
+                <a:tc>
+                  <a:txBody>
+                    <a:bodyPr/>
+                    <a:lstStyle/>
+                    <a:p>
+                      <a:pPr algn="l"/>
+                      <a:r>
+                        <a:rPr lang="id-ID" sz="1600">
+                          <a:solidFill>
+                            <a:srgbClr val="000000"/>
+                          </a:solidFill>
+                          <a:latin typeface="Calibri"/>
+                        </a:rPr>
+                        <a:t>      &lt;para&gt;A meta-markup language, used to create markup</a:t>
+                      </a:r>
+                      <a:endParaRPr lang="id-ID" sz="1600">
+                        <a:solidFill>
+                          <a:srgbClr val="365F91"/>
+                        </a:solidFill>
+                        <a:latin typeface="Calibri"/>
+                      </a:endParaRPr>
+                    </a:p>
+                  </a:txBody>
+                  <a:tcPr marL="66401" marR="66401" marT="0" marB="0">
+                    <a:lnL>
+                      <a:noFill/>
+                    </a:lnL>
+                    <a:lnR>
+                      <a:noFill/>
+                    </a:lnR>
+                    <a:lnT w="12700" cap="flat" cmpd="sng" algn="ctr">
+                      <a:solidFill>
+                        <a:srgbClr val="000000"/>
+                      </a:solidFill>
+                      <a:prstDash val="dash"/>
+                      <a:round/>
+                      <a:headEnd type="none" w="med" len="med"/>
+                      <a:tailEnd type="none" w="med" len="med"/>
+                    </a:lnT>
+                    <a:lnB w="12700" cap="flat" cmpd="sng" algn="ctr">
+                      <a:solidFill>
+                        <a:srgbClr val="000000"/>
+                      </a:solidFill>
+                      <a:prstDash val="dash"/>
+                      <a:round/>
+                      <a:headEnd type="none" w="med" len="med"/>
+                      <a:tailEnd type="none" w="med" len="med"/>
+                    </a:lnB>
+                    <a:solidFill>
+                      <a:srgbClr val="D3DFEE"/>
+                    </a:solidFill>
+                  </a:tcPr>
+                </a:tc>
+              </a:tr>
+              <a:tr h="169692">
+                <a:tc>
+                  <a:txBody>
+                    <a:bodyPr/>
+                    <a:lstStyle/>
+                    <a:p>
+                      <a:pPr algn="l">
+                        <a:lnSpc>
+                          <a:spcPct val="115000"/>
+                        </a:lnSpc>
+                        <a:spcAft>
+                          <a:spcPts val="0"/>
+                        </a:spcAft>
+                      </a:pPr>
+                      <a:r>
+                        <a:rPr lang="en-US" sz="1200">
+                          <a:solidFill>
+                            <a:srgbClr val="365F91"/>
+                          </a:solidFill>
+                          <a:latin typeface="Calibri"/>
+                          <a:ea typeface="Times New Roman"/>
+                          <a:cs typeface="Times New Roman"/>
+                        </a:rPr>
+                        <a:t>11</a:t>
+                      </a:r>
+                      <a:endParaRPr lang="id-ID" sz="1600">
+                        <a:solidFill>
+                          <a:srgbClr val="365F91"/>
+                        </a:solidFill>
+                        <a:latin typeface="Calibri"/>
+                        <a:ea typeface="Calibri"/>
+                        <a:cs typeface="Times New Roman"/>
+                      </a:endParaRPr>
+                    </a:p>
+                  </a:txBody>
+                  <a:tcPr marL="66401" marR="66401" marT="0" marB="0">
+                    <a:lnL>
+                      <a:noFill/>
+                    </a:lnL>
+                    <a:lnR>
+                      <a:noFill/>
+                    </a:lnR>
+                    <a:lnT w="12700" cap="flat" cmpd="sng" algn="ctr">
+                      <a:solidFill>
+                        <a:srgbClr val="000000"/>
+                      </a:solidFill>
+                      <a:prstDash val="dash"/>
+                      <a:round/>
+                      <a:headEnd type="none" w="med" len="med"/>
+                      <a:tailEnd type="none" w="med" len="med"/>
+                    </a:lnT>
+                    <a:lnB w="12700" cap="flat" cmpd="sng" algn="ctr">
+                      <a:solidFill>
+                        <a:srgbClr val="000000"/>
+                      </a:solidFill>
+                      <a:prstDash val="dash"/>
+                      <a:round/>
+                      <a:headEnd type="none" w="med" len="med"/>
+                      <a:tailEnd type="none" w="med" len="med"/>
+                    </a:lnB>
+                  </a:tcPr>
+                </a:tc>
+                <a:tc>
+                  <a:txBody>
+                    <a:bodyPr/>
+                    <a:lstStyle/>
+                    <a:p>
+                      <a:pPr algn="l"/>
+                      <a:r>
+                        <a:rPr lang="id-ID" sz="1600">
+                          <a:solidFill>
+                            <a:srgbClr val="000000"/>
+                          </a:solidFill>
+                          <a:latin typeface="Calibri"/>
+                        </a:rPr>
+                        <a:t>languages such as DocBook.&lt;/para&gt;</a:t>
+                      </a:r>
+                      <a:endParaRPr lang="id-ID" sz="1600">
+                        <a:solidFill>
+                          <a:srgbClr val="365F91"/>
+                        </a:solidFill>
+                        <a:latin typeface="Calibri"/>
+                      </a:endParaRPr>
+                    </a:p>
+                  </a:txBody>
+                  <a:tcPr marL="66401" marR="66401" marT="0" marB="0">
+                    <a:lnL>
+                      <a:noFill/>
+                    </a:lnL>
+                    <a:lnR>
+                      <a:noFill/>
+                    </a:lnR>
+                    <a:lnT w="12700" cap="flat" cmpd="sng" algn="ctr">
+                      <a:solidFill>
+                        <a:srgbClr val="000000"/>
+                      </a:solidFill>
+                      <a:prstDash val="dash"/>
+                      <a:round/>
+                      <a:headEnd type="none" w="med" len="med"/>
+                      <a:tailEnd type="none" w="med" len="med"/>
+                    </a:lnT>
+                    <a:lnB w="12700" cap="flat" cmpd="sng" algn="ctr">
+                      <a:solidFill>
+                        <a:srgbClr val="000000"/>
+                      </a:solidFill>
+                      <a:prstDash val="dash"/>
+                      <a:round/>
+                      <a:headEnd type="none" w="med" len="med"/>
+                      <a:tailEnd type="none" w="med" len="med"/>
+                    </a:lnB>
+                  </a:tcPr>
+                </a:tc>
+              </a:tr>
+              <a:tr h="169692">
+                <a:tc>
+                  <a:txBody>
+                    <a:bodyPr/>
+                    <a:lstStyle/>
+                    <a:p>
+                      <a:pPr algn="l">
+                        <a:lnSpc>
+                          <a:spcPct val="115000"/>
+                        </a:lnSpc>
+                        <a:spcAft>
+                          <a:spcPts val="0"/>
+                        </a:spcAft>
+                      </a:pPr>
+                      <a:r>
+                        <a:rPr lang="en-US" sz="1200">
+                          <a:solidFill>
+                            <a:srgbClr val="365F91"/>
+                          </a:solidFill>
+                          <a:latin typeface="Calibri"/>
+                          <a:ea typeface="Times New Roman"/>
+                          <a:cs typeface="Times New Roman"/>
+                        </a:rPr>
+                        <a:t>12</a:t>
+                      </a:r>
+                      <a:endParaRPr lang="id-ID" sz="1600">
+                        <a:solidFill>
+                          <a:srgbClr val="365F91"/>
+                        </a:solidFill>
+                        <a:latin typeface="Calibri"/>
+                        <a:ea typeface="Calibri"/>
+                        <a:cs typeface="Times New Roman"/>
+                      </a:endParaRPr>
+                    </a:p>
+                  </a:txBody>
+                  <a:tcPr marL="66401" marR="66401" marT="0" marB="0">
+                    <a:lnL>
+                      <a:noFill/>
+                    </a:lnL>
+                    <a:lnR>
+                      <a:noFill/>
+                    </a:lnR>
+                    <a:lnT w="12700" cap="flat" cmpd="sng" algn="ctr">
+                      <a:solidFill>
+                        <a:srgbClr val="000000"/>
+                      </a:solidFill>
+                      <a:prstDash val="dash"/>
+                      <a:round/>
+                      <a:headEnd type="none" w="med" len="med"/>
+                      <a:tailEnd type="none" w="med" len="med"/>
+                    </a:lnT>
+                    <a:lnB w="12700" cap="flat" cmpd="sng" algn="ctr">
+                      <a:solidFill>
+                        <a:srgbClr val="000000"/>
+                      </a:solidFill>
+                      <a:prstDash val="dash"/>
+                      <a:round/>
+                      <a:headEnd type="none" w="med" len="med"/>
+                      <a:tailEnd type="none" w="med" len="med"/>
+                    </a:lnB>
+                    <a:solidFill>
+                      <a:srgbClr val="D3DFEE"/>
+                    </a:solidFill>
+                  </a:tcPr>
+                </a:tc>
+                <a:tc>
+                  <a:txBody>
+                    <a:bodyPr/>
+                    <a:lstStyle/>
+                    <a:p>
+                      <a:pPr algn="l"/>
+                      <a:r>
+                        <a:rPr lang="id-ID" sz="1600">
+                          <a:solidFill>
+                            <a:srgbClr val="000000"/>
+                          </a:solidFill>
+                          <a:latin typeface="Calibri"/>
+                        </a:rPr>
+                        <a:t>      &lt;GlossSeeAlso OtherTerm="GML"&gt;</a:t>
+                      </a:r>
+                      <a:endParaRPr lang="id-ID" sz="1600">
+                        <a:solidFill>
+                          <a:srgbClr val="365F91"/>
+                        </a:solidFill>
+                        <a:latin typeface="Calibri"/>
+                      </a:endParaRPr>
+                    </a:p>
+                  </a:txBody>
+                  <a:tcPr marL="66401" marR="66401" marT="0" marB="0">
+                    <a:lnL>
+                      <a:noFill/>
+                    </a:lnL>
+                    <a:lnR>
+                      <a:noFill/>
+                    </a:lnR>
+                    <a:lnT w="12700" cap="flat" cmpd="sng" algn="ctr">
+                      <a:solidFill>
+                        <a:srgbClr val="000000"/>
+                      </a:solidFill>
+                      <a:prstDash val="dash"/>
+                      <a:round/>
+                      <a:headEnd type="none" w="med" len="med"/>
+                      <a:tailEnd type="none" w="med" len="med"/>
+                    </a:lnT>
+                    <a:lnB w="12700" cap="flat" cmpd="sng" algn="ctr">
+                      <a:solidFill>
+                        <a:srgbClr val="000000"/>
+                      </a:solidFill>
+                      <a:prstDash val="dash"/>
+                      <a:round/>
+                      <a:headEnd type="none" w="med" len="med"/>
+                      <a:tailEnd type="none" w="med" len="med"/>
+                    </a:lnB>
+                    <a:solidFill>
+                      <a:srgbClr val="D3DFEE"/>
+                    </a:solidFill>
+                  </a:tcPr>
+                </a:tc>
+              </a:tr>
+              <a:tr h="169692">
+                <a:tc>
+                  <a:txBody>
+                    <a:bodyPr/>
+                    <a:lstStyle/>
+                    <a:p>
+                      <a:pPr algn="l">
+                        <a:lnSpc>
+                          <a:spcPct val="115000"/>
+                        </a:lnSpc>
+                        <a:spcAft>
+                          <a:spcPts val="0"/>
+                        </a:spcAft>
+                      </a:pPr>
+                      <a:r>
+                        <a:rPr lang="en-US" sz="1200">
+                          <a:solidFill>
+                            <a:srgbClr val="365F91"/>
+                          </a:solidFill>
+                          <a:latin typeface="Calibri"/>
+                          <a:ea typeface="Times New Roman"/>
+                          <a:cs typeface="Times New Roman"/>
+                        </a:rPr>
+                        <a:t>13</a:t>
+                      </a:r>
+                      <a:endParaRPr lang="id-ID" sz="1600">
+                        <a:solidFill>
+                          <a:srgbClr val="365F91"/>
+                        </a:solidFill>
+                        <a:latin typeface="Calibri"/>
+                        <a:ea typeface="Calibri"/>
+                        <a:cs typeface="Times New Roman"/>
+                      </a:endParaRPr>
+                    </a:p>
+                  </a:txBody>
+                  <a:tcPr marL="66401" marR="66401" marT="0" marB="0">
+                    <a:lnL>
+                      <a:noFill/>
+                    </a:lnL>
+                    <a:lnR>
+                      <a:noFill/>
+                    </a:lnR>
+                    <a:lnT w="12700" cap="flat" cmpd="sng" algn="ctr">
+                      <a:solidFill>
+                        <a:srgbClr val="000000"/>
+                      </a:solidFill>
+                      <a:prstDash val="dash"/>
+                      <a:round/>
+                      <a:headEnd type="none" w="med" len="med"/>
+                      <a:tailEnd type="none" w="med" len="med"/>
+                    </a:lnT>
+                    <a:lnB w="12700" cap="flat" cmpd="sng" algn="ctr">
+                      <a:solidFill>
+                        <a:srgbClr val="000000"/>
+                      </a:solidFill>
+                      <a:prstDash val="dash"/>
+                      <a:round/>
+                      <a:headEnd type="none" w="med" len="med"/>
+                      <a:tailEnd type="none" w="med" len="med"/>
+                    </a:lnB>
+                  </a:tcPr>
+                </a:tc>
+                <a:tc>
+                  <a:txBody>
+                    <a:bodyPr/>
+                    <a:lstStyle/>
+                    <a:p>
+                      <a:pPr algn="l"/>
+                      <a:r>
+                        <a:rPr lang="id-ID" sz="1600">
+                          <a:solidFill>
+                            <a:srgbClr val="000000"/>
+                          </a:solidFill>
+                          <a:latin typeface="Calibri"/>
+                        </a:rPr>
+                        <a:t>      &lt;GlossSeeAlso OtherTerm="XML"&gt;</a:t>
+                      </a:r>
+                      <a:endParaRPr lang="id-ID" sz="1600">
+                        <a:solidFill>
+                          <a:srgbClr val="365F91"/>
+                        </a:solidFill>
+                        <a:latin typeface="Calibri"/>
+                      </a:endParaRPr>
+                    </a:p>
+                  </a:txBody>
+                  <a:tcPr marL="66401" marR="66401" marT="0" marB="0">
+                    <a:lnL>
+                      <a:noFill/>
+                    </a:lnL>
+                    <a:lnR>
+                      <a:noFill/>
+                    </a:lnR>
+                    <a:lnT w="12700" cap="flat" cmpd="sng" algn="ctr">
+                      <a:solidFill>
+                        <a:srgbClr val="000000"/>
+                      </a:solidFill>
+                      <a:prstDash val="dash"/>
+                      <a:round/>
+                      <a:headEnd type="none" w="med" len="med"/>
+                      <a:tailEnd type="none" w="med" len="med"/>
+                    </a:lnT>
+                    <a:lnB w="12700" cap="flat" cmpd="sng" algn="ctr">
+                      <a:solidFill>
+                        <a:srgbClr val="000000"/>
+                      </a:solidFill>
+                      <a:prstDash val="dash"/>
+                      <a:round/>
+                      <a:headEnd type="none" w="med" len="med"/>
+                      <a:tailEnd type="none" w="med" len="med"/>
+                    </a:lnB>
+                  </a:tcPr>
+                </a:tc>
+              </a:tr>
+              <a:tr h="169692">
+                <a:tc>
+                  <a:txBody>
+                    <a:bodyPr/>
+                    <a:lstStyle/>
+                    <a:p>
+                      <a:pPr algn="l">
+                        <a:lnSpc>
+                          <a:spcPct val="115000"/>
+                        </a:lnSpc>
+                        <a:spcAft>
+                          <a:spcPts val="0"/>
+                        </a:spcAft>
+                      </a:pPr>
+                      <a:r>
+                        <a:rPr lang="en-US" sz="1200">
+                          <a:solidFill>
+                            <a:srgbClr val="365F91"/>
+                          </a:solidFill>
+                          <a:latin typeface="Calibri"/>
+                          <a:ea typeface="Times New Roman"/>
+                          <a:cs typeface="Times New Roman"/>
+                        </a:rPr>
+                        <a:t>14</a:t>
+                      </a:r>
+                      <a:endParaRPr lang="id-ID" sz="1600">
+                        <a:solidFill>
+                          <a:srgbClr val="365F91"/>
+                        </a:solidFill>
+                        <a:latin typeface="Calibri"/>
+                        <a:ea typeface="Calibri"/>
+                        <a:cs typeface="Times New Roman"/>
+                      </a:endParaRPr>
+                    </a:p>
+                  </a:txBody>
+                  <a:tcPr marL="66401" marR="66401" marT="0" marB="0">
+                    <a:lnL>
+                      <a:noFill/>
+                    </a:lnL>
+                    <a:lnR>
+                      <a:noFill/>
+                    </a:lnR>
+                    <a:lnT w="12700" cap="flat" cmpd="sng" algn="ctr">
+                      <a:solidFill>
+                        <a:srgbClr val="000000"/>
+                      </a:solidFill>
+                      <a:prstDash val="dash"/>
+                      <a:round/>
+                      <a:headEnd type="none" w="med" len="med"/>
+                      <a:tailEnd type="none" w="med" len="med"/>
+                    </a:lnT>
+                    <a:lnB w="12700" cap="flat" cmpd="sng" algn="ctr">
+                      <a:solidFill>
+                        <a:srgbClr val="000000"/>
+                      </a:solidFill>
+                      <a:prstDash val="dash"/>
+                      <a:round/>
+                      <a:headEnd type="none" w="med" len="med"/>
+                      <a:tailEnd type="none" w="med" len="med"/>
+                    </a:lnB>
+                    <a:solidFill>
+                      <a:srgbClr val="D3DFEE"/>
+                    </a:solidFill>
+                  </a:tcPr>
+                </a:tc>
+                <a:tc>
+                  <a:txBody>
+                    <a:bodyPr/>
+                    <a:lstStyle/>
+                    <a:p>
+                      <a:pPr algn="l"/>
+                      <a:r>
+                        <a:rPr lang="id-ID" sz="1600">
+                          <a:solidFill>
+                            <a:srgbClr val="000000"/>
+                          </a:solidFill>
+                          <a:latin typeface="Calibri"/>
+                        </a:rPr>
+                        <a:t>     &lt;/GlossDef&gt;</a:t>
+                      </a:r>
+                      <a:endParaRPr lang="id-ID" sz="1600">
+                        <a:solidFill>
+                          <a:srgbClr val="365F91"/>
+                        </a:solidFill>
+                        <a:latin typeface="Calibri"/>
+                      </a:endParaRPr>
+                    </a:p>
+                  </a:txBody>
+                  <a:tcPr marL="66401" marR="66401" marT="0" marB="0">
+                    <a:lnL>
+                      <a:noFill/>
+                    </a:lnL>
+                    <a:lnR>
+                      <a:noFill/>
+                    </a:lnR>
+                    <a:lnT w="12700" cap="flat" cmpd="sng" algn="ctr">
+                      <a:solidFill>
+                        <a:srgbClr val="000000"/>
+                      </a:solidFill>
+                      <a:prstDash val="dash"/>
+                      <a:round/>
+                      <a:headEnd type="none" w="med" len="med"/>
+                      <a:tailEnd type="none" w="med" len="med"/>
+                    </a:lnT>
+                    <a:lnB w="12700" cap="flat" cmpd="sng" algn="ctr">
+                      <a:solidFill>
+                        <a:srgbClr val="000000"/>
+                      </a:solidFill>
+                      <a:prstDash val="dash"/>
+                      <a:round/>
+                      <a:headEnd type="none" w="med" len="med"/>
+                      <a:tailEnd type="none" w="med" len="med"/>
+                    </a:lnB>
+                    <a:solidFill>
+                      <a:srgbClr val="D3DFEE"/>
+                    </a:solidFill>
+                  </a:tcPr>
+                </a:tc>
+              </a:tr>
+              <a:tr h="169692">
+                <a:tc>
+                  <a:txBody>
+                    <a:bodyPr/>
+                    <a:lstStyle/>
+                    <a:p>
+                      <a:pPr algn="l">
+                        <a:lnSpc>
+                          <a:spcPct val="115000"/>
+                        </a:lnSpc>
+                        <a:spcAft>
+                          <a:spcPts val="0"/>
+                        </a:spcAft>
+                      </a:pPr>
+                      <a:r>
+                        <a:rPr lang="en-US" sz="1200">
+                          <a:solidFill>
+                            <a:srgbClr val="365F91"/>
+                          </a:solidFill>
+                          <a:latin typeface="Calibri"/>
+                          <a:ea typeface="Times New Roman"/>
+                          <a:cs typeface="Times New Roman"/>
+                        </a:rPr>
+                        <a:t>15</a:t>
+                      </a:r>
+                      <a:endParaRPr lang="id-ID" sz="1600">
+                        <a:solidFill>
+                          <a:srgbClr val="365F91"/>
+                        </a:solidFill>
+                        <a:latin typeface="Calibri"/>
+                        <a:ea typeface="Calibri"/>
+                        <a:cs typeface="Times New Roman"/>
+                      </a:endParaRPr>
+                    </a:p>
+                  </a:txBody>
+                  <a:tcPr marL="66401" marR="66401" marT="0" marB="0">
+                    <a:lnL>
+                      <a:noFill/>
+                    </a:lnL>
+                    <a:lnR>
+                      <a:noFill/>
+                    </a:lnR>
+                    <a:lnT w="12700" cap="flat" cmpd="sng" algn="ctr">
+                      <a:solidFill>
+                        <a:srgbClr val="000000"/>
+                      </a:solidFill>
+                      <a:prstDash val="dash"/>
+                      <a:round/>
+                      <a:headEnd type="none" w="med" len="med"/>
+                      <a:tailEnd type="none" w="med" len="med"/>
+                    </a:lnT>
+                    <a:lnB w="12700" cap="flat" cmpd="sng" algn="ctr">
+                      <a:solidFill>
+                        <a:srgbClr val="000000"/>
+                      </a:solidFill>
+                      <a:prstDash val="dash"/>
+                      <a:round/>
+                      <a:headEnd type="none" w="med" len="med"/>
+                      <a:tailEnd type="none" w="med" len="med"/>
+                    </a:lnB>
+                  </a:tcPr>
+                </a:tc>
+                <a:tc>
+                  <a:txBody>
+                    <a:bodyPr/>
+                    <a:lstStyle/>
+                    <a:p>
+                      <a:pPr algn="l"/>
+                      <a:r>
+                        <a:rPr lang="id-ID" sz="1600">
+                          <a:solidFill>
+                            <a:srgbClr val="000000"/>
+                          </a:solidFill>
+                          <a:latin typeface="Calibri"/>
+                        </a:rPr>
+                        <a:t>     &lt;GlossSee OtherTerm="markup"&gt;</a:t>
+                      </a:r>
+                      <a:endParaRPr lang="id-ID" sz="1600">
+                        <a:solidFill>
+                          <a:srgbClr val="365F91"/>
+                        </a:solidFill>
+                        <a:latin typeface="Calibri"/>
+                      </a:endParaRPr>
+                    </a:p>
+                  </a:txBody>
+                  <a:tcPr marL="66401" marR="66401" marT="0" marB="0">
+                    <a:lnL>
+                      <a:noFill/>
+                    </a:lnL>
+                    <a:lnR>
+                      <a:noFill/>
+                    </a:lnR>
+                    <a:lnT w="12700" cap="flat" cmpd="sng" algn="ctr">
+                      <a:solidFill>
+                        <a:srgbClr val="000000"/>
+                      </a:solidFill>
+                      <a:prstDash val="dash"/>
+                      <a:round/>
+                      <a:headEnd type="none" w="med" len="med"/>
+                      <a:tailEnd type="none" w="med" len="med"/>
+                    </a:lnT>
+                    <a:lnB w="12700" cap="flat" cmpd="sng" algn="ctr">
+                      <a:solidFill>
+                        <a:srgbClr val="000000"/>
+                      </a:solidFill>
+                      <a:prstDash val="dash"/>
+                      <a:round/>
+                      <a:headEnd type="none" w="med" len="med"/>
+                      <a:tailEnd type="none" w="med" len="med"/>
+                    </a:lnB>
+                  </a:tcPr>
+                </a:tc>
+              </a:tr>
+              <a:tr h="169692">
+                <a:tc>
+                  <a:txBody>
+                    <a:bodyPr/>
+                    <a:lstStyle/>
+                    <a:p>
+                      <a:pPr algn="l">
+                        <a:lnSpc>
+                          <a:spcPct val="115000"/>
+                        </a:lnSpc>
+                        <a:spcAft>
+                          <a:spcPts val="0"/>
+                        </a:spcAft>
+                      </a:pPr>
+                      <a:r>
+                        <a:rPr lang="en-US" sz="1200">
+                          <a:solidFill>
+                            <a:srgbClr val="365F91"/>
+                          </a:solidFill>
+                          <a:latin typeface="Calibri"/>
+                          <a:ea typeface="Times New Roman"/>
+                          <a:cs typeface="Times New Roman"/>
+                        </a:rPr>
+                        <a:t>16</a:t>
+                      </a:r>
+                      <a:endParaRPr lang="id-ID" sz="1600">
+                        <a:solidFill>
+                          <a:srgbClr val="365F91"/>
+                        </a:solidFill>
+                        <a:latin typeface="Calibri"/>
+                        <a:ea typeface="Calibri"/>
+                        <a:cs typeface="Times New Roman"/>
+                      </a:endParaRPr>
+                    </a:p>
+                  </a:txBody>
+                  <a:tcPr marL="66401" marR="66401" marT="0" marB="0">
+                    <a:lnL>
+                      <a:noFill/>
+                    </a:lnL>
+                    <a:lnR>
+                      <a:noFill/>
+                    </a:lnR>
+                    <a:lnT w="12700" cap="flat" cmpd="sng" algn="ctr">
+                      <a:solidFill>
+                        <a:srgbClr val="000000"/>
+                      </a:solidFill>
+                      <a:prstDash val="dash"/>
+                      <a:round/>
+                      <a:headEnd type="none" w="med" len="med"/>
+                      <a:tailEnd type="none" w="med" len="med"/>
+                    </a:lnT>
+                    <a:lnB w="12700" cap="flat" cmpd="sng" algn="ctr">
+                      <a:solidFill>
+                        <a:srgbClr val="000000"/>
+                      </a:solidFill>
+                      <a:prstDash val="dash"/>
+                      <a:round/>
+                      <a:headEnd type="none" w="med" len="med"/>
+                      <a:tailEnd type="none" w="med" len="med"/>
+                    </a:lnB>
+                    <a:solidFill>
+                      <a:srgbClr val="D3DFEE"/>
+                    </a:solidFill>
+                  </a:tcPr>
+                </a:tc>
+                <a:tc>
+                  <a:txBody>
+                    <a:bodyPr/>
+                    <a:lstStyle/>
+                    <a:p>
+                      <a:pPr algn="l"/>
+                      <a:r>
+                        <a:rPr lang="id-ID" sz="1600">
+                          <a:solidFill>
+                            <a:srgbClr val="000000"/>
+                          </a:solidFill>
+                          <a:latin typeface="Calibri"/>
+                        </a:rPr>
+                        <a:t>    &lt;/GlossEntry&gt;</a:t>
+                      </a:r>
+                      <a:endParaRPr lang="id-ID" sz="1600">
+                        <a:solidFill>
+                          <a:srgbClr val="365F91"/>
+                        </a:solidFill>
+                        <a:latin typeface="Calibri"/>
+                      </a:endParaRPr>
+                    </a:p>
+                  </a:txBody>
+                  <a:tcPr marL="66401" marR="66401" marT="0" marB="0">
+                    <a:lnL>
+                      <a:noFill/>
+                    </a:lnL>
+                    <a:lnR>
+                      <a:noFill/>
+                    </a:lnR>
+                    <a:lnT w="12700" cap="flat" cmpd="sng" algn="ctr">
+                      <a:solidFill>
+                        <a:srgbClr val="000000"/>
+                      </a:solidFill>
+                      <a:prstDash val="dash"/>
+                      <a:round/>
+                      <a:headEnd type="none" w="med" len="med"/>
+                      <a:tailEnd type="none" w="med" len="med"/>
+                    </a:lnT>
+                    <a:lnB w="12700" cap="flat" cmpd="sng" algn="ctr">
+                      <a:solidFill>
+                        <a:srgbClr val="000000"/>
+                      </a:solidFill>
+                      <a:prstDash val="dash"/>
+                      <a:round/>
+                      <a:headEnd type="none" w="med" len="med"/>
+                      <a:tailEnd type="none" w="med" len="med"/>
+                    </a:lnB>
+                    <a:solidFill>
+                      <a:srgbClr val="D3DFEE"/>
+                    </a:solidFill>
+                  </a:tcPr>
+                </a:tc>
+              </a:tr>
+              <a:tr h="169692">
+                <a:tc>
+                  <a:txBody>
+                    <a:bodyPr/>
+                    <a:lstStyle/>
+                    <a:p>
+                      <a:pPr algn="l">
+                        <a:lnSpc>
+                          <a:spcPct val="115000"/>
+                        </a:lnSpc>
+                        <a:spcAft>
+                          <a:spcPts val="0"/>
+                        </a:spcAft>
+                      </a:pPr>
+                      <a:r>
+                        <a:rPr lang="en-US" sz="1200">
+                          <a:solidFill>
+                            <a:srgbClr val="365F91"/>
+                          </a:solidFill>
+                          <a:latin typeface="Calibri"/>
+                          <a:ea typeface="Times New Roman"/>
+                          <a:cs typeface="Times New Roman"/>
+                        </a:rPr>
+                        <a:t>17</a:t>
+                      </a:r>
+                      <a:endParaRPr lang="id-ID" sz="1600">
+                        <a:solidFill>
+                          <a:srgbClr val="365F91"/>
+                        </a:solidFill>
+                        <a:latin typeface="Calibri"/>
+                        <a:ea typeface="Calibri"/>
+                        <a:cs typeface="Times New Roman"/>
+                      </a:endParaRPr>
+                    </a:p>
+                  </a:txBody>
+                  <a:tcPr marL="66401" marR="66401" marT="0" marB="0">
+                    <a:lnL>
+                      <a:noFill/>
+                    </a:lnL>
+                    <a:lnR>
+                      <a:noFill/>
+                    </a:lnR>
+                    <a:lnT w="12700" cap="flat" cmpd="sng" algn="ctr">
+                      <a:solidFill>
+                        <a:srgbClr val="000000"/>
+                      </a:solidFill>
+                      <a:prstDash val="dash"/>
+                      <a:round/>
+                      <a:headEnd type="none" w="med" len="med"/>
+                      <a:tailEnd type="none" w="med" len="med"/>
+                    </a:lnT>
+                    <a:lnB w="12700" cap="flat" cmpd="sng" algn="ctr">
+                      <a:solidFill>
+                        <a:srgbClr val="000000"/>
+                      </a:solidFill>
+                      <a:prstDash val="dash"/>
+                      <a:round/>
+                      <a:headEnd type="none" w="med" len="med"/>
+                      <a:tailEnd type="none" w="med" len="med"/>
+                    </a:lnB>
+                  </a:tcPr>
+                </a:tc>
+                <a:tc>
+                  <a:txBody>
+                    <a:bodyPr/>
+                    <a:lstStyle/>
+                    <a:p>
+                      <a:pPr algn="l"/>
+                      <a:r>
+                        <a:rPr lang="id-ID" sz="1600">
+                          <a:solidFill>
+                            <a:srgbClr val="000000"/>
+                          </a:solidFill>
+                          <a:latin typeface="Calibri"/>
+                        </a:rPr>
+                        <a:t>   &lt;/GlossList&gt;</a:t>
+                      </a:r>
+                      <a:endParaRPr lang="id-ID" sz="1600">
+                        <a:solidFill>
+                          <a:srgbClr val="365F91"/>
+                        </a:solidFill>
+                        <a:latin typeface="Calibri"/>
+                      </a:endParaRPr>
+                    </a:p>
+                  </a:txBody>
+                  <a:tcPr marL="66401" marR="66401" marT="0" marB="0">
+                    <a:lnL>
+                      <a:noFill/>
+                    </a:lnL>
+                    <a:lnR>
+                      <a:noFill/>
+                    </a:lnR>
+                    <a:lnT w="12700" cap="flat" cmpd="sng" algn="ctr">
+                      <a:solidFill>
+                        <a:srgbClr val="000000"/>
+                      </a:solidFill>
+                      <a:prstDash val="dash"/>
+                      <a:round/>
+                      <a:headEnd type="none" w="med" len="med"/>
+                      <a:tailEnd type="none" w="med" len="med"/>
+                    </a:lnT>
+                    <a:lnB w="12700" cap="flat" cmpd="sng" algn="ctr">
+                      <a:solidFill>
+                        <a:srgbClr val="000000"/>
+                      </a:solidFill>
+                      <a:prstDash val="dash"/>
+                      <a:round/>
+                      <a:headEnd type="none" w="med" len="med"/>
+                      <a:tailEnd type="none" w="med" len="med"/>
+                    </a:lnB>
+                  </a:tcPr>
+                </a:tc>
+              </a:tr>
+              <a:tr h="169692">
+                <a:tc>
+                  <a:txBody>
+                    <a:bodyPr/>
+                    <a:lstStyle/>
+                    <a:p>
+                      <a:pPr algn="l">
+                        <a:lnSpc>
+                          <a:spcPct val="115000"/>
+                        </a:lnSpc>
+                        <a:spcAft>
+                          <a:spcPts val="0"/>
+                        </a:spcAft>
+                      </a:pPr>
+                      <a:r>
+                        <a:rPr lang="en-US" sz="1200">
+                          <a:solidFill>
+                            <a:srgbClr val="365F91"/>
+                          </a:solidFill>
+                          <a:latin typeface="Calibri"/>
+                          <a:ea typeface="Times New Roman"/>
+                          <a:cs typeface="Times New Roman"/>
+                        </a:rPr>
+                        <a:t>18</a:t>
+                      </a:r>
+                      <a:endParaRPr lang="id-ID" sz="1600">
+                        <a:solidFill>
+                          <a:srgbClr val="365F91"/>
+                        </a:solidFill>
+                        <a:latin typeface="Calibri"/>
+                        <a:ea typeface="Calibri"/>
+                        <a:cs typeface="Times New Roman"/>
+                      </a:endParaRPr>
+                    </a:p>
+                  </a:txBody>
+                  <a:tcPr marL="66401" marR="66401" marT="0" marB="0">
+                    <a:lnL>
+                      <a:noFill/>
+                    </a:lnL>
+                    <a:lnR>
+                      <a:noFill/>
+                    </a:lnR>
+                    <a:lnT w="12700" cap="flat" cmpd="sng" algn="ctr">
+                      <a:solidFill>
+                        <a:srgbClr val="000000"/>
+                      </a:solidFill>
+                      <a:prstDash val="dash"/>
+                      <a:round/>
+                      <a:headEnd type="none" w="med" len="med"/>
+                      <a:tailEnd type="none" w="med" len="med"/>
+                    </a:lnT>
+                    <a:lnB w="12700" cap="flat" cmpd="sng" algn="ctr">
+                      <a:solidFill>
+                        <a:srgbClr val="000000"/>
+                      </a:solidFill>
+                      <a:prstDash val="dash"/>
+                      <a:round/>
+                      <a:headEnd type="none" w="med" len="med"/>
+                      <a:tailEnd type="none" w="med" len="med"/>
+                    </a:lnB>
+                    <a:solidFill>
+                      <a:srgbClr val="D3DFEE"/>
+                    </a:solidFill>
+                  </a:tcPr>
+                </a:tc>
+                <a:tc>
+                  <a:txBody>
+                    <a:bodyPr/>
+                    <a:lstStyle/>
+                    <a:p>
+                      <a:pPr algn="l"/>
+                      <a:r>
+                        <a:rPr lang="id-ID" sz="1600">
+                          <a:solidFill>
+                            <a:srgbClr val="000000"/>
+                          </a:solidFill>
+                          <a:latin typeface="Calibri"/>
+                        </a:rPr>
+                        <a:t>  &lt;/GlossDiv&gt;</a:t>
+                      </a:r>
+                      <a:endParaRPr lang="id-ID" sz="1600">
+                        <a:solidFill>
+                          <a:srgbClr val="365F91"/>
+                        </a:solidFill>
+                        <a:latin typeface="Calibri"/>
+                      </a:endParaRPr>
+                    </a:p>
+                  </a:txBody>
+                  <a:tcPr marL="66401" marR="66401" marT="0" marB="0">
+                    <a:lnL>
+                      <a:noFill/>
+                    </a:lnL>
+                    <a:lnR>
+                      <a:noFill/>
+                    </a:lnR>
+                    <a:lnT w="12700" cap="flat" cmpd="sng" algn="ctr">
+                      <a:solidFill>
+                        <a:srgbClr val="000000"/>
+                      </a:solidFill>
+                      <a:prstDash val="dash"/>
+                      <a:round/>
+                      <a:headEnd type="none" w="med" len="med"/>
+                      <a:tailEnd type="none" w="med" len="med"/>
+                    </a:lnT>
+                    <a:lnB w="12700" cap="flat" cmpd="sng" algn="ctr">
+                      <a:solidFill>
+                        <a:srgbClr val="000000"/>
+                      </a:solidFill>
+                      <a:prstDash val="dash"/>
+                      <a:round/>
+                      <a:headEnd type="none" w="med" len="med"/>
+                      <a:tailEnd type="none" w="med" len="med"/>
+                    </a:lnB>
+                    <a:solidFill>
+                      <a:srgbClr val="D3DFEE"/>
+                    </a:solidFill>
+                  </a:tcPr>
+                </a:tc>
+              </a:tr>
+              <a:tr h="169692">
+                <a:tc>
+                  <a:txBody>
+                    <a:bodyPr/>
+                    <a:lstStyle/>
+                    <a:p>
+                      <a:pPr algn="l">
+                        <a:lnSpc>
+                          <a:spcPct val="115000"/>
+                        </a:lnSpc>
+                        <a:spcAft>
+                          <a:spcPts val="0"/>
+                        </a:spcAft>
+                      </a:pPr>
+                      <a:r>
+                        <a:rPr lang="en-US" sz="1200">
+                          <a:solidFill>
+                            <a:srgbClr val="365F91"/>
+                          </a:solidFill>
+                          <a:latin typeface="Calibri"/>
+                          <a:ea typeface="Times New Roman"/>
+                          <a:cs typeface="Times New Roman"/>
+                        </a:rPr>
+                        <a:t>19</a:t>
+                      </a:r>
+                      <a:endParaRPr lang="id-ID" sz="1600">
+                        <a:solidFill>
+                          <a:srgbClr val="365F91"/>
+                        </a:solidFill>
+                        <a:latin typeface="Calibri"/>
+                        <a:ea typeface="Calibri"/>
+                        <a:cs typeface="Times New Roman"/>
+                      </a:endParaRPr>
+                    </a:p>
+                  </a:txBody>
+                  <a:tcPr marL="66401" marR="66401" marT="0" marB="0">
+                    <a:lnL>
+                      <a:noFill/>
+                    </a:lnL>
+                    <a:lnR>
+                      <a:noFill/>
+                    </a:lnR>
+                    <a:lnT w="12700" cap="flat" cmpd="sng" algn="ctr">
+                      <a:solidFill>
+                        <a:srgbClr val="000000"/>
+                      </a:solidFill>
+                      <a:prstDash val="dash"/>
+                      <a:round/>
+                      <a:headEnd type="none" w="med" len="med"/>
+                      <a:tailEnd type="none" w="med" len="med"/>
+                    </a:lnT>
+                    <a:lnB w="12700" cap="flat" cmpd="sng" algn="ctr">
+                      <a:solidFill>
+                        <a:srgbClr val="000000"/>
+                      </a:solidFill>
+                      <a:prstDash val="dash"/>
+                      <a:round/>
+                      <a:headEnd type="none" w="med" len="med"/>
+                      <a:tailEnd type="none" w="med" len="med"/>
+                    </a:lnB>
+                  </a:tcPr>
+                </a:tc>
+                <a:tc>
+                  <a:txBody>
+                    <a:bodyPr/>
+                    <a:lstStyle/>
+                    <a:p>
+                      <a:pPr algn="l"/>
+                      <a:r>
+                        <a:rPr lang="id-ID" sz="1600" dirty="0">
+                          <a:solidFill>
+                            <a:srgbClr val="000000"/>
+                          </a:solidFill>
+                          <a:latin typeface="Calibri"/>
+                        </a:rPr>
+                        <a:t> &lt;/glossary&gt;</a:t>
+                      </a:r>
+                      <a:endParaRPr lang="id-ID" sz="1600" dirty="0">
+                        <a:solidFill>
+                          <a:srgbClr val="365F91"/>
+                        </a:solidFill>
+                        <a:latin typeface="Calibri"/>
+                      </a:endParaRPr>
+                    </a:p>
+                  </a:txBody>
+                  <a:tcPr marL="66401" marR="66401" marT="0" marB="0">
+                    <a:lnL>
+                      <a:noFill/>
+                    </a:lnL>
+                    <a:lnR>
+                      <a:noFill/>
+                    </a:lnR>
+                    <a:lnT w="12700" cap="flat" cmpd="sng" algn="ctr">
+                      <a:solidFill>
+                        <a:srgbClr val="000000"/>
+                      </a:solidFill>
+                      <a:prstDash val="dash"/>
+                      <a:round/>
+                      <a:headEnd type="none" w="med" len="med"/>
+                      <a:tailEnd type="none" w="med" len="med"/>
+                    </a:lnT>
+                    <a:lnB w="12700" cap="flat" cmpd="sng" algn="ctr">
+                      <a:solidFill>
+                        <a:srgbClr val="000000"/>
+                      </a:solidFill>
+                      <a:prstDash val="dash"/>
+                      <a:round/>
+                      <a:headEnd type="none" w="med" len="med"/>
+                      <a:tailEnd type="none" w="med" len="med"/>
+                    </a:lnB>
+                  </a:tcPr>
+                </a:tc>
+              </a:tr>
+            </a:tbl>
+          </a:graphicData>
+        </a:graphic>
+      </p:graphicFrame>
     </p:spTree>
   </p:cSld>
   <p:clrMapOvr>
     <a:masterClrMapping/>
   </p:clrMapOvr>
+  <p:transition advClick="0"/>
   <p:timing>
     <p:tnLst>
       <p:par>
@@ -4726,7 +7031,7 @@
 </p:sld>
 </file>
 
-<file path=ppt/slides/slide3.xml><?xml version="1.0" encoding="utf-8"?>
+<file path=ppt/slides/slide2.xml><?xml version="1.0" encoding="utf-8"?>
 <p:sld xmlns:a="http://schemas.openxmlformats.org/drawingml/2006/main" xmlns:r="http://schemas.openxmlformats.org/officeDocument/2006/relationships" xmlns:p="http://schemas.openxmlformats.org/presentationml/2006/main">
   <p:cSld>
     <p:spTree>
@@ -4801,7 +7106,7 @@
         <p:spPr>
           <a:xfrm>
             <a:off x="76200" y="55602"/>
-            <a:ext cx="2785186" cy="553998"/>
+            <a:ext cx="3677225" cy="553998"/>
           </a:xfrm>
           <a:prstGeom prst="rect">
             <a:avLst/>
@@ -4815,8 +7120,24 @@
           <a:lstStyle/>
           <a:p>
             <a:r>
-              <a:rPr lang="en-US" sz="3000" b="1" smtClean="0"/>
-              <a:t>Database Server</a:t>
+              <a:rPr lang="en-US" sz="3000" b="1" dirty="0" err="1" smtClean="0"/>
+              <a:t>Pokok</a:t>
+            </a:r>
+            <a:r>
+              <a:rPr lang="en-US" sz="3000" b="1" dirty="0" smtClean="0"/>
+              <a:t> </a:t>
+            </a:r>
+            <a:r>
+              <a:rPr lang="en-US" sz="3000" b="1" dirty="0" err="1" smtClean="0"/>
+              <a:t>Bahasan</a:t>
+            </a:r>
+            <a:r>
+              <a:rPr lang="en-US" sz="3000" b="1" dirty="0" smtClean="0"/>
+              <a:t> </a:t>
+            </a:r>
+            <a:r>
+              <a:rPr lang="en-US" sz="3000" b="1" dirty="0" err="1" smtClean="0"/>
+              <a:t>Kuliah</a:t>
             </a:r>
             <a:endParaRPr lang="en-US" sz="3000" b="1" dirty="0"/>
           </a:p>
@@ -4939,7 +7260,7 @@
             <a:fld id="{71D00F36-FA00-435A-BA0E-2F982C1F1AA6}" type="slidenum">
               <a:rPr lang="en-US" smtClean="0"/>
               <a:pPr algn="r"/>
-              <a:t>3</a:t>
+              <a:t>2</a:t>
             </a:fld>
             <a:endParaRPr lang="en-US" dirty="0"/>
           </a:p>
@@ -4947,14 +7268,14 @@
       </p:sp>
       <p:sp>
         <p:nvSpPr>
-          <p:cNvPr id="7" name="Rectangle 6"/>
+          <p:cNvPr id="31" name="Rectangle 30"/>
           <p:cNvSpPr/>
           <p:nvPr/>
         </p:nvSpPr>
         <p:spPr>
           <a:xfrm>
-            <a:off x="304800" y="1173301"/>
-            <a:ext cx="5562600" cy="3477875"/>
+            <a:off x="457200" y="685800"/>
+            <a:ext cx="8229600" cy="5632311"/>
           </a:xfrm>
           <a:prstGeom prst="rect">
             <a:avLst/>
@@ -4967,6 +7288,717 @@
           <a:lstStyle/>
           <a:p>
             <a:pPr marL="457200" indent="-457200">
+              <a:buFontTx/>
+              <a:buAutoNum type="arabicPeriod"/>
+            </a:pPr>
+            <a:r>
+              <a:rPr lang="en-US" sz="2000" dirty="0" smtClean="0">
+                <a:solidFill>
+                  <a:schemeClr val="bg1">
+                    <a:lumMod val="85000"/>
+                  </a:schemeClr>
+                </a:solidFill>
+              </a:rPr>
+              <a:t>Layout </a:t>
+            </a:r>
+            <a:r>
+              <a:rPr lang="en-US" sz="2000" dirty="0" err="1" smtClean="0">
+                <a:solidFill>
+                  <a:schemeClr val="bg1">
+                    <a:lumMod val="85000"/>
+                  </a:schemeClr>
+                </a:solidFill>
+              </a:rPr>
+              <a:t>Lanjut</a:t>
+            </a:r>
+            <a:endParaRPr lang="en-US" sz="2000" dirty="0" smtClean="0">
+              <a:solidFill>
+                <a:schemeClr val="bg1">
+                  <a:lumMod val="85000"/>
+                </a:schemeClr>
+              </a:solidFill>
+            </a:endParaRPr>
+          </a:p>
+          <a:p>
+            <a:pPr marL="914400" lvl="1" indent="-457200">
+              <a:buFontTx/>
+              <a:buAutoNum type="arabicPeriod"/>
+            </a:pPr>
+            <a:r>
+              <a:rPr lang="en-US" sz="2000" dirty="0" err="1" smtClean="0">
+                <a:solidFill>
+                  <a:schemeClr val="bg1">
+                    <a:lumMod val="85000"/>
+                  </a:schemeClr>
+                </a:solidFill>
+              </a:rPr>
+              <a:t>Pemrograman</a:t>
+            </a:r>
+            <a:r>
+              <a:rPr lang="en-US" sz="2000" dirty="0" smtClean="0">
+                <a:solidFill>
+                  <a:schemeClr val="bg1">
+                    <a:lumMod val="85000"/>
+                  </a:schemeClr>
+                </a:solidFill>
+              </a:rPr>
+              <a:t> Layout </a:t>
+            </a:r>
+            <a:r>
+              <a:rPr lang="en-US" sz="2000" dirty="0" err="1" smtClean="0">
+                <a:solidFill>
+                  <a:schemeClr val="bg1">
+                    <a:lumMod val="85000"/>
+                  </a:schemeClr>
+                </a:solidFill>
+              </a:rPr>
+              <a:t>Dinamis</a:t>
+            </a:r>
+            <a:endParaRPr lang="en-US" sz="2000" dirty="0" smtClean="0">
+              <a:solidFill>
+                <a:schemeClr val="bg1">
+                  <a:lumMod val="85000"/>
+                </a:schemeClr>
+              </a:solidFill>
+            </a:endParaRPr>
+          </a:p>
+          <a:p>
+            <a:pPr marL="914400" lvl="1" indent="-457200">
+              <a:buFontTx/>
+              <a:buAutoNum type="arabicPeriod"/>
+            </a:pPr>
+            <a:r>
+              <a:rPr lang="en-US" sz="2000" dirty="0" err="1" smtClean="0">
+                <a:solidFill>
+                  <a:schemeClr val="bg1">
+                    <a:lumMod val="85000"/>
+                  </a:schemeClr>
+                </a:solidFill>
+              </a:rPr>
+              <a:t>Aturan</a:t>
+            </a:r>
+            <a:r>
+              <a:rPr lang="en-US" sz="2000" dirty="0" smtClean="0">
+                <a:solidFill>
+                  <a:schemeClr val="bg1">
+                    <a:lumMod val="85000"/>
+                  </a:schemeClr>
+                </a:solidFill>
+              </a:rPr>
+              <a:t> layout UI Android</a:t>
+            </a:r>
+          </a:p>
+          <a:p>
+            <a:pPr marL="914400" lvl="1" indent="-457200">
+              <a:buFontTx/>
+              <a:buAutoNum type="arabicPeriod"/>
+            </a:pPr>
+            <a:r>
+              <a:rPr lang="en-US" sz="2000" dirty="0" smtClean="0">
+                <a:solidFill>
+                  <a:schemeClr val="bg1">
+                    <a:lumMod val="85000"/>
+                  </a:schemeClr>
+                </a:solidFill>
+              </a:rPr>
+              <a:t>Material Design</a:t>
+            </a:r>
+          </a:p>
+          <a:p>
+            <a:pPr marL="457200" indent="-457200">
+              <a:buFontTx/>
+              <a:buAutoNum type="arabicPeriod"/>
+            </a:pPr>
+            <a:r>
+              <a:rPr lang="id-ID" sz="2000" dirty="0" smtClean="0"/>
+              <a:t>Aplikasi Database </a:t>
+            </a:r>
+            <a:r>
+              <a:rPr lang="en-US" sz="2000" dirty="0" err="1" smtClean="0"/>
+              <a:t>Lanjut</a:t>
+            </a:r>
+            <a:r>
+              <a:rPr lang="id-ID" sz="2000" dirty="0" smtClean="0"/>
+              <a:t> </a:t>
+            </a:r>
+            <a:endParaRPr lang="en-US" sz="2000" dirty="0" smtClean="0"/>
+          </a:p>
+          <a:p>
+            <a:pPr marL="914400" lvl="1" indent="-457200">
+              <a:buFontTx/>
+              <a:buAutoNum type="arabicPeriod"/>
+            </a:pPr>
+            <a:r>
+              <a:rPr lang="en-US" sz="2000" dirty="0" err="1" smtClean="0"/>
+              <a:t>Akses</a:t>
+            </a:r>
+            <a:r>
+              <a:rPr lang="en-US" sz="2000" dirty="0" smtClean="0"/>
+              <a:t> </a:t>
+            </a:r>
+            <a:r>
+              <a:rPr lang="en-US" sz="2000" dirty="0" err="1" smtClean="0"/>
+              <a:t>ke</a:t>
+            </a:r>
+            <a:r>
+              <a:rPr lang="en-US" sz="2000" dirty="0" smtClean="0"/>
+              <a:t> Database Server</a:t>
+            </a:r>
+          </a:p>
+          <a:p>
+            <a:pPr marL="914400" lvl="1" indent="-457200">
+              <a:buFontTx/>
+              <a:buAutoNum type="arabicPeriod"/>
+            </a:pPr>
+            <a:r>
+              <a:rPr lang="en-US" sz="2000" dirty="0" smtClean="0"/>
+              <a:t>Web-service </a:t>
+            </a:r>
+            <a:r>
+              <a:rPr lang="en-US" sz="2000" dirty="0" err="1" smtClean="0"/>
+              <a:t>dengan</a:t>
+            </a:r>
+            <a:r>
+              <a:rPr lang="en-US" sz="2000" dirty="0" smtClean="0"/>
+              <a:t> JSON</a:t>
+            </a:r>
+          </a:p>
+          <a:p>
+            <a:pPr marL="457200" indent="-457200">
+              <a:buAutoNum type="arabicPeriod"/>
+            </a:pPr>
+            <a:r>
+              <a:rPr lang="id-ID" sz="2000" dirty="0" smtClean="0">
+                <a:solidFill>
+                  <a:schemeClr val="bg1">
+                    <a:lumMod val="75000"/>
+                  </a:schemeClr>
+                </a:solidFill>
+              </a:rPr>
+              <a:t>Aplikasi Game </a:t>
+            </a:r>
+            <a:endParaRPr lang="en-US" sz="2000" dirty="0" smtClean="0">
+              <a:solidFill>
+                <a:schemeClr val="bg1">
+                  <a:lumMod val="75000"/>
+                </a:schemeClr>
+              </a:solidFill>
+            </a:endParaRPr>
+          </a:p>
+          <a:p>
+            <a:pPr marL="914400" lvl="1" indent="-457200">
+              <a:buAutoNum type="arabicPeriod"/>
+            </a:pPr>
+            <a:r>
+              <a:rPr lang="en-US" sz="2000" dirty="0" smtClean="0">
+                <a:solidFill>
+                  <a:schemeClr val="bg1">
+                    <a:lumMod val="75000"/>
+                  </a:schemeClr>
+                </a:solidFill>
+              </a:rPr>
+              <a:t>Import Game Engine Library</a:t>
+            </a:r>
+          </a:p>
+          <a:p>
+            <a:pPr marL="914400" lvl="1" indent="-457200">
+              <a:buAutoNum type="arabicPeriod"/>
+            </a:pPr>
+            <a:r>
+              <a:rPr lang="en-US" sz="2000" dirty="0" err="1" smtClean="0">
+                <a:solidFill>
+                  <a:schemeClr val="bg1">
+                    <a:lumMod val="75000"/>
+                  </a:schemeClr>
+                </a:solidFill>
+              </a:rPr>
+              <a:t>Pemrograman</a:t>
+            </a:r>
+            <a:r>
+              <a:rPr lang="en-US" sz="2000" dirty="0" smtClean="0">
+                <a:solidFill>
+                  <a:schemeClr val="bg1">
+                    <a:lumMod val="75000"/>
+                  </a:schemeClr>
+                </a:solidFill>
+              </a:rPr>
+              <a:t> </a:t>
+            </a:r>
+            <a:r>
+              <a:rPr lang="en-US" sz="2000" dirty="0" err="1" smtClean="0">
+                <a:solidFill>
+                  <a:schemeClr val="bg1">
+                    <a:lumMod val="75000"/>
+                  </a:schemeClr>
+                </a:solidFill>
+              </a:rPr>
+              <a:t>dengan</a:t>
+            </a:r>
+            <a:r>
+              <a:rPr lang="en-US" sz="2000" dirty="0" smtClean="0">
+                <a:solidFill>
+                  <a:schemeClr val="bg1">
+                    <a:lumMod val="75000"/>
+                  </a:schemeClr>
+                </a:solidFill>
+              </a:rPr>
+              <a:t> game engine</a:t>
+            </a:r>
+          </a:p>
+          <a:p>
+            <a:pPr marL="457200" indent="-457200">
+              <a:buAutoNum type="arabicPeriod"/>
+            </a:pPr>
+            <a:r>
+              <a:rPr lang="id-ID" sz="2000" dirty="0" smtClean="0">
+                <a:solidFill>
+                  <a:schemeClr val="bg1">
+                    <a:lumMod val="75000"/>
+                  </a:schemeClr>
+                </a:solidFill>
+              </a:rPr>
+              <a:t>Pemrograman  untuk  akses hardware</a:t>
+            </a:r>
+            <a:endParaRPr lang="en-US" sz="2000" dirty="0" smtClean="0">
+              <a:solidFill>
+                <a:schemeClr val="bg1">
+                  <a:lumMod val="75000"/>
+                </a:schemeClr>
+              </a:solidFill>
+            </a:endParaRPr>
+          </a:p>
+          <a:p>
+            <a:pPr marL="914400" lvl="1" indent="-457200">
+              <a:buAutoNum type="arabicPeriod"/>
+            </a:pPr>
+            <a:r>
+              <a:rPr lang="en-US" sz="2000" dirty="0" err="1" smtClean="0">
+                <a:solidFill>
+                  <a:schemeClr val="bg1">
+                    <a:lumMod val="75000"/>
+                  </a:schemeClr>
+                </a:solidFill>
+              </a:rPr>
+              <a:t>Akselerometer</a:t>
+            </a:r>
+            <a:r>
+              <a:rPr lang="en-US" sz="2000" dirty="0" smtClean="0">
+                <a:solidFill>
+                  <a:schemeClr val="bg1">
+                    <a:lumMod val="75000"/>
+                  </a:schemeClr>
+                </a:solidFill>
+              </a:rPr>
+              <a:t>, </a:t>
+            </a:r>
+            <a:r>
+              <a:rPr lang="en-US" sz="2000" dirty="0" err="1" smtClean="0">
+                <a:solidFill>
+                  <a:schemeClr val="bg1">
+                    <a:lumMod val="75000"/>
+                  </a:schemeClr>
+                </a:solidFill>
+              </a:rPr>
+              <a:t>Kompas</a:t>
+            </a:r>
+            <a:r>
+              <a:rPr lang="en-US" sz="2000" dirty="0" smtClean="0">
+                <a:solidFill>
+                  <a:schemeClr val="bg1">
+                    <a:lumMod val="75000"/>
+                  </a:schemeClr>
+                </a:solidFill>
+              </a:rPr>
+              <a:t>, GPS</a:t>
+            </a:r>
+          </a:p>
+          <a:p>
+            <a:pPr marL="914400" lvl="1" indent="-457200">
+              <a:buAutoNum type="arabicPeriod"/>
+            </a:pPr>
+            <a:r>
+              <a:rPr lang="en-US" sz="2000" dirty="0" err="1" smtClean="0">
+                <a:solidFill>
+                  <a:schemeClr val="bg1">
+                    <a:lumMod val="75000"/>
+                  </a:schemeClr>
+                </a:solidFill>
+              </a:rPr>
+              <a:t>Telepon</a:t>
+            </a:r>
+            <a:endParaRPr lang="en-US" sz="2000" dirty="0" smtClean="0">
+              <a:solidFill>
+                <a:schemeClr val="bg1">
+                  <a:lumMod val="75000"/>
+                </a:schemeClr>
+              </a:solidFill>
+            </a:endParaRPr>
+          </a:p>
+          <a:p>
+            <a:pPr marL="914400" lvl="1" indent="-457200">
+              <a:buAutoNum type="arabicPeriod"/>
+            </a:pPr>
+            <a:r>
+              <a:rPr lang="en-US" sz="2000" dirty="0" smtClean="0">
+                <a:solidFill>
+                  <a:schemeClr val="bg1">
+                    <a:lumMod val="75000"/>
+                  </a:schemeClr>
+                </a:solidFill>
+              </a:rPr>
+              <a:t>Bluetooth</a:t>
+            </a:r>
+          </a:p>
+          <a:p>
+            <a:pPr marL="914400" lvl="1" indent="-457200">
+              <a:buAutoNum type="arabicPeriod"/>
+            </a:pPr>
+            <a:r>
+              <a:rPr lang="en-US" sz="2000" dirty="0" err="1" smtClean="0">
+                <a:solidFill>
+                  <a:schemeClr val="bg1">
+                    <a:lumMod val="75000"/>
+                  </a:schemeClr>
+                </a:solidFill>
+              </a:rPr>
+              <a:t>Wifi</a:t>
+            </a:r>
+            <a:endParaRPr lang="en-US" sz="2000" dirty="0" smtClean="0">
+              <a:solidFill>
+                <a:schemeClr val="bg1">
+                  <a:lumMod val="75000"/>
+                </a:schemeClr>
+              </a:solidFill>
+            </a:endParaRPr>
+          </a:p>
+          <a:p>
+            <a:pPr marL="914400" lvl="1" indent="-457200">
+              <a:buAutoNum type="arabicPeriod"/>
+            </a:pPr>
+            <a:r>
+              <a:rPr lang="en-US" sz="2000" dirty="0" err="1" smtClean="0">
+                <a:solidFill>
+                  <a:schemeClr val="bg1">
+                    <a:lumMod val="75000"/>
+                  </a:schemeClr>
+                </a:solidFill>
+              </a:rPr>
+              <a:t>Kamera</a:t>
+            </a:r>
+            <a:r>
+              <a:rPr lang="en-US" sz="2000" dirty="0" smtClean="0">
+                <a:solidFill>
+                  <a:schemeClr val="bg1">
+                    <a:lumMod val="75000"/>
+                  </a:schemeClr>
+                </a:solidFill>
+              </a:rPr>
+              <a:t> </a:t>
+            </a:r>
+          </a:p>
+          <a:p>
+            <a:pPr marL="457200" indent="-457200">
+              <a:buAutoNum type="arabicPeriod"/>
+            </a:pPr>
+            <a:r>
+              <a:rPr lang="id-ID" sz="2000" dirty="0" smtClean="0">
+                <a:solidFill>
+                  <a:schemeClr val="bg1">
+                    <a:lumMod val="75000"/>
+                  </a:schemeClr>
+                </a:solidFill>
+              </a:rPr>
+              <a:t>Pemrograman SMS</a:t>
+            </a:r>
+            <a:endParaRPr lang="en-US" sz="2000" dirty="0" smtClean="0">
+              <a:solidFill>
+                <a:schemeClr val="bg1">
+                  <a:lumMod val="75000"/>
+                </a:schemeClr>
+              </a:solidFill>
+            </a:endParaRPr>
+          </a:p>
+          <a:p>
+            <a:pPr marL="457200" indent="-457200">
+              <a:buFontTx/>
+              <a:buAutoNum type="arabicPeriod"/>
+            </a:pPr>
+            <a:r>
+              <a:rPr lang="id-ID" sz="2000" dirty="0" smtClean="0">
+                <a:solidFill>
+                  <a:schemeClr val="bg1">
+                    <a:lumMod val="75000"/>
+                  </a:schemeClr>
+                </a:solidFill>
+              </a:rPr>
+              <a:t>Aplikasi mobile tingkat lanjut </a:t>
+            </a:r>
+            <a:endParaRPr lang="en-US" sz="2000" dirty="0" smtClean="0">
+              <a:solidFill>
+                <a:schemeClr val="bg1">
+                  <a:lumMod val="75000"/>
+                </a:schemeClr>
+              </a:solidFill>
+            </a:endParaRPr>
+          </a:p>
+        </p:txBody>
+      </p:sp>
+    </p:spTree>
+  </p:cSld>
+  <p:clrMapOvr>
+    <a:masterClrMapping/>
+  </p:clrMapOvr>
+  <p:timing>
+    <p:tnLst>
+      <p:par>
+        <p:cTn id="1" dur="indefinite" restart="never" nodeType="tmRoot"/>
+      </p:par>
+    </p:tnLst>
+  </p:timing>
+</p:sld>
+</file>
+
+<file path=ppt/slides/slide3.xml><?xml version="1.0" encoding="utf-8"?>
+<p:sld xmlns:a="http://schemas.openxmlformats.org/drawingml/2006/main" xmlns:r="http://schemas.openxmlformats.org/officeDocument/2006/relationships" xmlns:p="http://schemas.openxmlformats.org/presentationml/2006/main">
+  <p:cSld>
+    <p:spTree>
+      <p:nvGrpSpPr>
+        <p:cNvPr id="1" name=""/>
+        <p:cNvGrpSpPr/>
+        <p:nvPr/>
+      </p:nvGrpSpPr>
+      <p:grpSpPr>
+        <a:xfrm>
+          <a:off x="0" y="0"/>
+          <a:ext cx="0" cy="0"/>
+          <a:chOff x="0" y="0"/>
+          <a:chExt cx="0" cy="0"/>
+        </a:xfrm>
+      </p:grpSpPr>
+      <p:sp>
+        <p:nvSpPr>
+          <p:cNvPr id="4" name="Rectangle 3"/>
+          <p:cNvSpPr/>
+          <p:nvPr/>
+        </p:nvSpPr>
+        <p:spPr>
+          <a:xfrm>
+            <a:off x="0" y="0"/>
+            <a:ext cx="9144000" cy="685800"/>
+          </a:xfrm>
+          <a:prstGeom prst="rect">
+            <a:avLst/>
+          </a:prstGeom>
+          <a:solidFill>
+            <a:schemeClr val="accent1">
+              <a:lumMod val="20000"/>
+              <a:lumOff val="80000"/>
+            </a:schemeClr>
+          </a:solidFill>
+          <a:ln>
+            <a:noFill/>
+          </a:ln>
+        </p:spPr>
+        <p:style>
+          <a:lnRef idx="2">
+            <a:schemeClr val="accent1">
+              <a:shade val="50000"/>
+            </a:schemeClr>
+          </a:lnRef>
+          <a:fillRef idx="1">
+            <a:schemeClr val="accent1"/>
+          </a:fillRef>
+          <a:effectRef idx="0">
+            <a:schemeClr val="accent1"/>
+          </a:effectRef>
+          <a:fontRef idx="minor">
+            <a:schemeClr val="lt1"/>
+          </a:fontRef>
+        </p:style>
+        <p:txBody>
+          <a:bodyPr rtlCol="0" anchor="ctr"/>
+          <a:lstStyle/>
+          <a:p>
+            <a:pPr algn="ctr"/>
+            <a:endParaRPr lang="en-US" dirty="0"/>
+          </a:p>
+        </p:txBody>
+      </p:sp>
+      <p:sp>
+        <p:nvSpPr>
+          <p:cNvPr id="5" name="TextBox 4"/>
+          <p:cNvSpPr txBox="1"/>
+          <p:nvPr/>
+        </p:nvSpPr>
+        <p:spPr>
+          <a:xfrm>
+            <a:off x="76200" y="55602"/>
+            <a:ext cx="1005403" cy="553998"/>
+          </a:xfrm>
+          <a:prstGeom prst="rect">
+            <a:avLst/>
+          </a:prstGeom>
+          <a:noFill/>
+        </p:spPr>
+        <p:txBody>
+          <a:bodyPr wrap="none" rtlCol="0">
+            <a:spAutoFit/>
+          </a:bodyPr>
+          <a:lstStyle/>
+          <a:p>
+            <a:r>
+              <a:rPr lang="en-US" sz="3000" b="1" dirty="0" smtClean="0"/>
+              <a:t>JSON</a:t>
+            </a:r>
+            <a:endParaRPr lang="en-US" sz="3000" b="1" dirty="0"/>
+          </a:p>
+        </p:txBody>
+      </p:sp>
+      <p:sp>
+        <p:nvSpPr>
+          <p:cNvPr id="11" name="Rectangle 10"/>
+          <p:cNvSpPr/>
+          <p:nvPr/>
+        </p:nvSpPr>
+        <p:spPr>
+          <a:xfrm>
+            <a:off x="0" y="6553200"/>
+            <a:ext cx="6858000" cy="304800"/>
+          </a:xfrm>
+          <a:prstGeom prst="rect">
+            <a:avLst/>
+          </a:prstGeom>
+          <a:ln>
+            <a:solidFill>
+              <a:schemeClr val="accent5">
+                <a:lumMod val="75000"/>
+              </a:schemeClr>
+            </a:solidFill>
+          </a:ln>
+        </p:spPr>
+        <p:style>
+          <a:lnRef idx="2">
+            <a:schemeClr val="accent1">
+              <a:shade val="50000"/>
+            </a:schemeClr>
+          </a:lnRef>
+          <a:fillRef idx="1">
+            <a:schemeClr val="accent1"/>
+          </a:fillRef>
+          <a:effectRef idx="0">
+            <a:schemeClr val="accent1"/>
+          </a:effectRef>
+          <a:fontRef idx="minor">
+            <a:schemeClr val="lt1"/>
+          </a:fontRef>
+        </p:style>
+        <p:txBody>
+          <a:bodyPr rtlCol="0" anchor="ctr"/>
+          <a:lstStyle/>
+          <a:p>
+            <a:r>
+              <a:rPr lang="en-US" dirty="0" smtClean="0"/>
+              <a:t>Mobile Computing II (</a:t>
+            </a:r>
+            <a:r>
+              <a:rPr lang="en-US" dirty="0" err="1" smtClean="0"/>
+              <a:t>Sistem</a:t>
+            </a:r>
+            <a:r>
+              <a:rPr lang="en-US" dirty="0" smtClean="0"/>
+              <a:t> </a:t>
+            </a:r>
+            <a:r>
+              <a:rPr lang="en-US" dirty="0" err="1" smtClean="0"/>
+              <a:t>Informasi</a:t>
+            </a:r>
+            <a:r>
+              <a:rPr lang="en-US" dirty="0" smtClean="0"/>
+              <a:t>)</a:t>
+            </a:r>
+            <a:endParaRPr lang="en-US" dirty="0"/>
+          </a:p>
+        </p:txBody>
+      </p:sp>
+      <p:sp>
+        <p:nvSpPr>
+          <p:cNvPr id="12" name="Rectangle 11"/>
+          <p:cNvSpPr/>
+          <p:nvPr/>
+        </p:nvSpPr>
+        <p:spPr>
+          <a:xfrm>
+            <a:off x="6858000" y="6553200"/>
+            <a:ext cx="2286000" cy="304800"/>
+          </a:xfrm>
+          <a:prstGeom prst="rect">
+            <a:avLst/>
+          </a:prstGeom>
+          <a:solidFill>
+            <a:schemeClr val="accent6">
+              <a:lumMod val="75000"/>
+            </a:schemeClr>
+          </a:solidFill>
+          <a:ln>
+            <a:solidFill>
+              <a:schemeClr val="accent6">
+                <a:lumMod val="75000"/>
+              </a:schemeClr>
+            </a:solidFill>
+          </a:ln>
+        </p:spPr>
+        <p:style>
+          <a:lnRef idx="2">
+            <a:schemeClr val="accent1">
+              <a:shade val="50000"/>
+            </a:schemeClr>
+          </a:lnRef>
+          <a:fillRef idx="1">
+            <a:schemeClr val="accent1"/>
+          </a:fillRef>
+          <a:effectRef idx="0">
+            <a:schemeClr val="accent1"/>
+          </a:effectRef>
+          <a:fontRef idx="minor">
+            <a:schemeClr val="lt1"/>
+          </a:fontRef>
+        </p:style>
+        <p:txBody>
+          <a:bodyPr rtlCol="0" anchor="ctr"/>
+          <a:lstStyle/>
+          <a:p>
+            <a:pPr algn="r"/>
+            <a:fld id="{71D00F36-FA00-435A-BA0E-2F982C1F1AA6}" type="slidenum">
+              <a:rPr lang="en-US" smtClean="0"/>
+              <a:pPr algn="r"/>
+              <a:t>3</a:t>
+            </a:fld>
+            <a:endParaRPr lang="en-US" dirty="0"/>
+          </a:p>
+        </p:txBody>
+      </p:sp>
+      <p:sp>
+        <p:nvSpPr>
+          <p:cNvPr id="7" name="Rectangle 6"/>
+          <p:cNvSpPr/>
+          <p:nvPr/>
+        </p:nvSpPr>
+        <p:spPr>
+          <a:xfrm>
+            <a:off x="304800" y="914400"/>
+            <a:ext cx="8610600" cy="4832092"/>
+          </a:xfrm>
+          <a:prstGeom prst="rect">
+            <a:avLst/>
+          </a:prstGeom>
+        </p:spPr>
+        <p:txBody>
+          <a:bodyPr wrap="square">
+            <a:spAutoFit/>
+          </a:bodyPr>
+          <a:lstStyle/>
+          <a:p>
+            <a:pPr marL="342900" indent="-342900">
               <a:spcAft>
                 <a:spcPts val="1200"/>
               </a:spcAft>
@@ -4974,60 +8006,53 @@
               <a:buChar char="ü"/>
             </a:pPr>
             <a:r>
-              <a:rPr lang="en-US" sz="2000" dirty="0" smtClean="0"/>
-              <a:t>Material Design </a:t>
-            </a:r>
-            <a:r>
-              <a:rPr lang="en-US" sz="2000" dirty="0" err="1" smtClean="0"/>
-              <a:t>merupakan</a:t>
-            </a:r>
-            <a:r>
-              <a:rPr lang="en-US" sz="2000" dirty="0" smtClean="0"/>
-              <a:t> </a:t>
-            </a:r>
-            <a:r>
-              <a:rPr lang="en-US" sz="2000" dirty="0" err="1" smtClean="0"/>
-              <a:t>bahasa</a:t>
-            </a:r>
-            <a:r>
-              <a:rPr lang="en-US" sz="2000" dirty="0" smtClean="0"/>
-              <a:t> </a:t>
-            </a:r>
-            <a:r>
-              <a:rPr lang="en-US" sz="2000" dirty="0" err="1" smtClean="0"/>
-              <a:t>desain</a:t>
-            </a:r>
-            <a:r>
-              <a:rPr lang="en-US" sz="2000" dirty="0" smtClean="0"/>
-              <a:t> yang </a:t>
-            </a:r>
-            <a:r>
-              <a:rPr lang="en-US" sz="2000" dirty="0" err="1" smtClean="0"/>
-              <a:t>dikembangkan</a:t>
-            </a:r>
-            <a:r>
-              <a:rPr lang="en-US" sz="2000" dirty="0" smtClean="0"/>
-              <a:t> </a:t>
-            </a:r>
-            <a:r>
-              <a:rPr lang="en-US" sz="2000" dirty="0" err="1" smtClean="0"/>
-              <a:t>oleh</a:t>
-            </a:r>
-            <a:r>
-              <a:rPr lang="en-US" sz="2000" dirty="0" smtClean="0"/>
-              <a:t> Google. (</a:t>
-            </a:r>
-            <a:r>
-              <a:rPr lang="en-US" sz="2000" dirty="0" err="1" smtClean="0"/>
-              <a:t>mulai</a:t>
-            </a:r>
-            <a:r>
-              <a:rPr lang="en-US" sz="2000" dirty="0" smtClean="0"/>
-              <a:t> Android v5.0+)</a:t>
-            </a:r>
-          </a:p>
-          <a:p>
-            <a:pPr marL="457200" indent="-457200">
+              <a:rPr lang="id-ID" sz="2400" b="1" dirty="0" smtClean="0"/>
+              <a:t>JSON</a:t>
+            </a:r>
+            <a:r>
+              <a:rPr lang="id-ID" sz="2400" dirty="0" smtClean="0"/>
+              <a:t> (</a:t>
+            </a:r>
+            <a:r>
+              <a:rPr lang="id-ID" sz="2400" i="1" dirty="0" smtClean="0"/>
+              <a:t>JavaScript Object Notation</a:t>
+            </a:r>
+            <a:r>
+              <a:rPr lang="id-ID" sz="2400" dirty="0" smtClean="0"/>
+              <a:t>) adalah format pertukaran data yang ringan, mudah dibaca dan ditulis oleh manusia, serta mudah diterjemahkan dan dibuat (</a:t>
+            </a:r>
+            <a:r>
+              <a:rPr lang="id-ID" sz="2400" i="1" dirty="0" smtClean="0"/>
+              <a:t>generate</a:t>
+            </a:r>
+            <a:r>
+              <a:rPr lang="id-ID" sz="2400" dirty="0" smtClean="0"/>
+              <a:t>) oleh komputer. Format ini dibuat berdasarkan bagian dari </a:t>
+            </a:r>
+            <a:r>
+              <a:rPr lang="id-ID" sz="2400" dirty="0" smtClean="0">
+                <a:hlinkClick r:id="rId3"/>
+              </a:rPr>
+              <a:t>Bahasa Pemprograman JavaScript</a:t>
+            </a:r>
+            <a:r>
+              <a:rPr lang="id-ID" sz="2400" dirty="0" smtClean="0"/>
+              <a:t>, </a:t>
+            </a:r>
+            <a:r>
+              <a:rPr lang="id-ID" sz="2400" dirty="0" smtClean="0">
+                <a:hlinkClick r:id="rId4"/>
+              </a:rPr>
+              <a:t>Standar ECMA-262 Edisi ke-3 - Desember 1999</a:t>
+            </a:r>
+            <a:r>
+              <a:rPr lang="id-ID" sz="2400" dirty="0" smtClean="0"/>
+              <a:t>. </a:t>
+            </a:r>
+            <a:endParaRPr lang="en-US" sz="2400" dirty="0" smtClean="0"/>
+          </a:p>
+          <a:p>
+            <a:pPr marL="342900" indent="-342900">
               <a:spcAft>
                 <a:spcPts val="1200"/>
               </a:spcAft>
@@ -5035,112 +8060,13 @@
               <a:buChar char="ü"/>
             </a:pPr>
             <a:r>
-              <a:rPr lang="en-US" sz="2000" dirty="0" err="1" smtClean="0"/>
-              <a:t>Desain</a:t>
-            </a:r>
-            <a:r>
-              <a:rPr lang="en-US" sz="2000" dirty="0" smtClean="0"/>
-              <a:t> </a:t>
-            </a:r>
-            <a:r>
-              <a:rPr lang="en-US" sz="2000" dirty="0" err="1" smtClean="0"/>
-              <a:t>menerapkan</a:t>
-            </a:r>
-            <a:r>
-              <a:rPr lang="en-US" sz="2000" dirty="0" smtClean="0"/>
-              <a:t> </a:t>
-            </a:r>
-            <a:r>
-              <a:rPr lang="en-US" sz="2000" dirty="0" err="1" smtClean="0"/>
-              <a:t>peningkatan</a:t>
-            </a:r>
-            <a:r>
-              <a:rPr lang="en-US" sz="2000" dirty="0" smtClean="0"/>
-              <a:t> </a:t>
-            </a:r>
-            <a:r>
-              <a:rPr lang="en-US" sz="2000" dirty="0" err="1" smtClean="0"/>
-              <a:t>penggunaan</a:t>
-            </a:r>
-            <a:r>
-              <a:rPr lang="en-US" sz="2000" dirty="0" smtClean="0"/>
-              <a:t> </a:t>
-            </a:r>
-            <a:r>
-              <a:rPr lang="en-US" sz="2000" dirty="0" err="1" smtClean="0"/>
-              <a:t>berbasis</a:t>
-            </a:r>
-            <a:r>
-              <a:rPr lang="en-US" sz="2000" dirty="0" smtClean="0"/>
-              <a:t> grid, </a:t>
-            </a:r>
-            <a:r>
-              <a:rPr lang="en-US" sz="2000" dirty="0" err="1" smtClean="0"/>
-              <a:t>anismasi</a:t>
-            </a:r>
-            <a:r>
-              <a:rPr lang="en-US" sz="2000" dirty="0" smtClean="0"/>
-              <a:t> </a:t>
-            </a:r>
-            <a:r>
-              <a:rPr lang="en-US" sz="2000" dirty="0" err="1" smtClean="0"/>
-              <a:t>responsif</a:t>
-            </a:r>
-            <a:r>
-              <a:rPr lang="en-US" sz="2000" dirty="0" smtClean="0"/>
-              <a:t>, </a:t>
-            </a:r>
-            <a:r>
-              <a:rPr lang="en-US" sz="2000" dirty="0" err="1" smtClean="0"/>
-              <a:t>tansisi</a:t>
-            </a:r>
-            <a:r>
-              <a:rPr lang="en-US" sz="2000" dirty="0" smtClean="0"/>
-              <a:t>, padding, </a:t>
-            </a:r>
-            <a:r>
-              <a:rPr lang="en-US" sz="2000" dirty="0" err="1" smtClean="0"/>
-              <a:t>efek</a:t>
-            </a:r>
-            <a:r>
-              <a:rPr lang="en-US" sz="2000" dirty="0" smtClean="0"/>
-              <a:t> </a:t>
-            </a:r>
-            <a:r>
-              <a:rPr lang="en-US" sz="2000" dirty="0" err="1" smtClean="0"/>
-              <a:t>kedalaman</a:t>
-            </a:r>
-            <a:r>
-              <a:rPr lang="en-US" sz="2000" dirty="0" smtClean="0"/>
-              <a:t>, </a:t>
-            </a:r>
-            <a:r>
-              <a:rPr lang="en-US" sz="2000" dirty="0" err="1" smtClean="0"/>
-              <a:t>pencahayaan</a:t>
-            </a:r>
-            <a:r>
-              <a:rPr lang="en-US" sz="2000" dirty="0" smtClean="0"/>
-              <a:t> </a:t>
-            </a:r>
-            <a:r>
-              <a:rPr lang="en-US" sz="2000" dirty="0" err="1" smtClean="0"/>
-              <a:t>dan</a:t>
-            </a:r>
-            <a:r>
-              <a:rPr lang="en-US" sz="2000" dirty="0" smtClean="0"/>
-              <a:t> </a:t>
-            </a:r>
-            <a:r>
-              <a:rPr lang="en-US" sz="2000" dirty="0" err="1" smtClean="0"/>
-              <a:t>bayangan</a:t>
-            </a:r>
-            <a:r>
-              <a:rPr lang="en-US" sz="2000" dirty="0" smtClean="0"/>
-              <a:t>.</a:t>
-            </a:r>
-          </a:p>
-          <a:p>
-            <a:pPr marL="457200" indent="-457200">
+              <a:rPr lang="id-ID" sz="2400" dirty="0" smtClean="0"/>
+              <a:t>JSON merupakan format teks yang tidak bergantung pada bahasa pemprograman apapun karena menggunakan gaya bahasa yang umum digunakan oleh programmer keluarga C termasuk C, C++, C#, Java, JavaScript, Perl, Python dll. </a:t>
+            </a:r>
+            <a:endParaRPr lang="en-US" sz="2400" dirty="0" smtClean="0"/>
+          </a:p>
+          <a:p>
+            <a:pPr marL="342900" indent="-342900">
               <a:spcAft>
                 <a:spcPts val="1200"/>
               </a:spcAft>
@@ -5148,19 +8074,759 @@
               <a:buChar char="ü"/>
             </a:pPr>
             <a:r>
-              <a:rPr lang="en-US" sz="2000" dirty="0" err="1" smtClean="0"/>
-              <a:t>Sumber</a:t>
-            </a:r>
-            <a:r>
-              <a:rPr lang="en-US" sz="2000" dirty="0" smtClean="0"/>
-              <a:t>: https://www.google.com/design/spec/material-design/introduction.html</a:t>
-            </a:r>
+              <a:rPr lang="id-ID" sz="2400" dirty="0" smtClean="0"/>
+              <a:t>Oleh karena sifat-sifat tersebut, menjadikan JSON ideal sebagai bahasa pertukaran-data.</a:t>
+            </a:r>
+          </a:p>
+        </p:txBody>
+      </p:sp>
+    </p:spTree>
+  </p:cSld>
+  <p:clrMapOvr>
+    <a:masterClrMapping/>
+  </p:clrMapOvr>
+  <p:transition advClick="0"/>
+  <p:timing>
+    <p:tnLst>
+      <p:par>
+        <p:cTn id="1" dur="indefinite" restart="never" nodeType="tmRoot"/>
+      </p:par>
+    </p:tnLst>
+  </p:timing>
+</p:sld>
+</file>
+
+<file path=ppt/slides/slide4.xml><?xml version="1.0" encoding="utf-8"?>
+<p:sld xmlns:a="http://schemas.openxmlformats.org/drawingml/2006/main" xmlns:r="http://schemas.openxmlformats.org/officeDocument/2006/relationships" xmlns:p="http://schemas.openxmlformats.org/presentationml/2006/main">
+  <p:cSld>
+    <p:spTree>
+      <p:nvGrpSpPr>
+        <p:cNvPr id="1" name=""/>
+        <p:cNvGrpSpPr/>
+        <p:nvPr/>
+      </p:nvGrpSpPr>
+      <p:grpSpPr>
+        <a:xfrm>
+          <a:off x="0" y="0"/>
+          <a:ext cx="0" cy="0"/>
+          <a:chOff x="0" y="0"/>
+          <a:chExt cx="0" cy="0"/>
+        </a:xfrm>
+      </p:grpSpPr>
+      <p:sp>
+        <p:nvSpPr>
+          <p:cNvPr id="4" name="Rectangle 3"/>
+          <p:cNvSpPr/>
+          <p:nvPr/>
+        </p:nvSpPr>
+        <p:spPr>
+          <a:xfrm>
+            <a:off x="0" y="0"/>
+            <a:ext cx="9144000" cy="685800"/>
+          </a:xfrm>
+          <a:prstGeom prst="rect">
+            <a:avLst/>
+          </a:prstGeom>
+          <a:solidFill>
+            <a:schemeClr val="accent1">
+              <a:lumMod val="20000"/>
+              <a:lumOff val="80000"/>
+            </a:schemeClr>
+          </a:solidFill>
+          <a:ln>
+            <a:noFill/>
+          </a:ln>
+        </p:spPr>
+        <p:style>
+          <a:lnRef idx="2">
+            <a:schemeClr val="accent1">
+              <a:shade val="50000"/>
+            </a:schemeClr>
+          </a:lnRef>
+          <a:fillRef idx="1">
+            <a:schemeClr val="accent1"/>
+          </a:fillRef>
+          <a:effectRef idx="0">
+            <a:schemeClr val="accent1"/>
+          </a:effectRef>
+          <a:fontRef idx="minor">
+            <a:schemeClr val="lt1"/>
+          </a:fontRef>
+        </p:style>
+        <p:txBody>
+          <a:bodyPr rtlCol="0" anchor="ctr"/>
+          <a:lstStyle/>
+          <a:p>
+            <a:pPr algn="ctr"/>
+            <a:endParaRPr lang="en-US" dirty="0"/>
+          </a:p>
+        </p:txBody>
+      </p:sp>
+      <p:sp>
+        <p:nvSpPr>
+          <p:cNvPr id="5" name="TextBox 4"/>
+          <p:cNvSpPr txBox="1"/>
+          <p:nvPr/>
+        </p:nvSpPr>
+        <p:spPr>
+          <a:xfrm>
+            <a:off x="76200" y="55602"/>
+            <a:ext cx="1005403" cy="553998"/>
+          </a:xfrm>
+          <a:prstGeom prst="rect">
+            <a:avLst/>
+          </a:prstGeom>
+          <a:noFill/>
+        </p:spPr>
+        <p:txBody>
+          <a:bodyPr wrap="none" rtlCol="0">
+            <a:spAutoFit/>
+          </a:bodyPr>
+          <a:lstStyle/>
+          <a:p>
+            <a:r>
+              <a:rPr lang="en-US" sz="3000" b="1" dirty="0" smtClean="0"/>
+              <a:t>JSON</a:t>
+            </a:r>
+            <a:endParaRPr lang="en-US" sz="3000" b="1" dirty="0"/>
+          </a:p>
+        </p:txBody>
+      </p:sp>
+      <p:sp>
+        <p:nvSpPr>
+          <p:cNvPr id="11" name="Rectangle 10"/>
+          <p:cNvSpPr/>
+          <p:nvPr/>
+        </p:nvSpPr>
+        <p:spPr>
+          <a:xfrm>
+            <a:off x="0" y="6553200"/>
+            <a:ext cx="6858000" cy="304800"/>
+          </a:xfrm>
+          <a:prstGeom prst="rect">
+            <a:avLst/>
+          </a:prstGeom>
+          <a:ln>
+            <a:solidFill>
+              <a:schemeClr val="accent5">
+                <a:lumMod val="75000"/>
+              </a:schemeClr>
+            </a:solidFill>
+          </a:ln>
+        </p:spPr>
+        <p:style>
+          <a:lnRef idx="2">
+            <a:schemeClr val="accent1">
+              <a:shade val="50000"/>
+            </a:schemeClr>
+          </a:lnRef>
+          <a:fillRef idx="1">
+            <a:schemeClr val="accent1"/>
+          </a:fillRef>
+          <a:effectRef idx="0">
+            <a:schemeClr val="accent1"/>
+          </a:effectRef>
+          <a:fontRef idx="minor">
+            <a:schemeClr val="lt1"/>
+          </a:fontRef>
+        </p:style>
+        <p:txBody>
+          <a:bodyPr rtlCol="0" anchor="ctr"/>
+          <a:lstStyle/>
+          <a:p>
+            <a:r>
+              <a:rPr lang="en-US" dirty="0" smtClean="0"/>
+              <a:t>Mobile Computing II (</a:t>
+            </a:r>
+            <a:r>
+              <a:rPr lang="en-US" dirty="0" err="1" smtClean="0"/>
+              <a:t>Sistem</a:t>
+            </a:r>
+            <a:r>
+              <a:rPr lang="en-US" dirty="0" smtClean="0"/>
+              <a:t> </a:t>
+            </a:r>
+            <a:r>
+              <a:rPr lang="en-US" dirty="0" err="1" smtClean="0"/>
+              <a:t>Informasi</a:t>
+            </a:r>
+            <a:r>
+              <a:rPr lang="en-US" dirty="0" smtClean="0"/>
+              <a:t>)</a:t>
+            </a:r>
+            <a:endParaRPr lang="en-US" dirty="0"/>
+          </a:p>
+        </p:txBody>
+      </p:sp>
+      <p:sp>
+        <p:nvSpPr>
+          <p:cNvPr id="12" name="Rectangle 11"/>
+          <p:cNvSpPr/>
+          <p:nvPr/>
+        </p:nvSpPr>
+        <p:spPr>
+          <a:xfrm>
+            <a:off x="6858000" y="6553200"/>
+            <a:ext cx="2286000" cy="304800"/>
+          </a:xfrm>
+          <a:prstGeom prst="rect">
+            <a:avLst/>
+          </a:prstGeom>
+          <a:solidFill>
+            <a:schemeClr val="accent6">
+              <a:lumMod val="75000"/>
+            </a:schemeClr>
+          </a:solidFill>
+          <a:ln>
+            <a:solidFill>
+              <a:schemeClr val="accent6">
+                <a:lumMod val="75000"/>
+              </a:schemeClr>
+            </a:solidFill>
+          </a:ln>
+        </p:spPr>
+        <p:style>
+          <a:lnRef idx="2">
+            <a:schemeClr val="accent1">
+              <a:shade val="50000"/>
+            </a:schemeClr>
+          </a:lnRef>
+          <a:fillRef idx="1">
+            <a:schemeClr val="accent1"/>
+          </a:fillRef>
+          <a:effectRef idx="0">
+            <a:schemeClr val="accent1"/>
+          </a:effectRef>
+          <a:fontRef idx="minor">
+            <a:schemeClr val="lt1"/>
+          </a:fontRef>
+        </p:style>
+        <p:txBody>
+          <a:bodyPr rtlCol="0" anchor="ctr"/>
+          <a:lstStyle/>
+          <a:p>
+            <a:pPr algn="r"/>
+            <a:fld id="{71D00F36-FA00-435A-BA0E-2F982C1F1AA6}" type="slidenum">
+              <a:rPr lang="en-US" smtClean="0"/>
+              <a:pPr algn="r"/>
+              <a:t>4</a:t>
+            </a:fld>
+            <a:endParaRPr lang="en-US" dirty="0"/>
+          </a:p>
+        </p:txBody>
+      </p:sp>
+      <p:sp>
+        <p:nvSpPr>
+          <p:cNvPr id="7" name="Rectangle 6"/>
+          <p:cNvSpPr/>
+          <p:nvPr/>
+        </p:nvSpPr>
+        <p:spPr>
+          <a:xfrm>
+            <a:off x="304800" y="914400"/>
+            <a:ext cx="8610600" cy="3877985"/>
+          </a:xfrm>
+          <a:prstGeom prst="rect">
+            <a:avLst/>
+          </a:prstGeom>
+        </p:spPr>
+        <p:txBody>
+          <a:bodyPr wrap="square">
+            <a:spAutoFit/>
+          </a:bodyPr>
+          <a:lstStyle/>
+          <a:p>
+            <a:pPr marL="228600" indent="-228600">
+              <a:spcAft>
+                <a:spcPts val="1200"/>
+              </a:spcAft>
+            </a:pPr>
+            <a:r>
+              <a:rPr lang="id-ID" sz="2400" dirty="0" smtClean="0"/>
+              <a:t>JSON terbuat dari dua struktur:</a:t>
+            </a:r>
+          </a:p>
+          <a:p>
+            <a:pPr marL="228600" indent="-228600">
+              <a:spcAft>
+                <a:spcPts val="1200"/>
+              </a:spcAft>
+              <a:buFont typeface="Wingdings" pitchFamily="2" charset="2"/>
+              <a:buChar char="ü"/>
+            </a:pPr>
+            <a:r>
+              <a:rPr lang="id-ID" sz="2400" dirty="0" smtClean="0"/>
+              <a:t>Kumpulan pasangan nama/nilai. Pada beberapa bahasa, hal ini dinyatakan sebagai objek (</a:t>
+            </a:r>
+            <a:r>
+              <a:rPr lang="id-ID" sz="2400" i="1" dirty="0" smtClean="0"/>
+              <a:t>object</a:t>
+            </a:r>
+            <a:r>
+              <a:rPr lang="id-ID" sz="2400" dirty="0" smtClean="0"/>
+              <a:t>), rekaman (</a:t>
+            </a:r>
+            <a:r>
+              <a:rPr lang="id-ID" sz="2400" i="1" dirty="0" smtClean="0"/>
+              <a:t>record</a:t>
+            </a:r>
+            <a:r>
+              <a:rPr lang="id-ID" sz="2400" dirty="0" smtClean="0"/>
+              <a:t>), struktur (</a:t>
+            </a:r>
+            <a:r>
+              <a:rPr lang="id-ID" sz="2400" i="1" dirty="0" smtClean="0"/>
+              <a:t>struct</a:t>
+            </a:r>
+            <a:r>
+              <a:rPr lang="id-ID" sz="2400" dirty="0" smtClean="0"/>
+              <a:t>), kamus (</a:t>
+            </a:r>
+            <a:r>
+              <a:rPr lang="id-ID" sz="2400" i="1" dirty="0" smtClean="0"/>
+              <a:t>dictionary</a:t>
+            </a:r>
+            <a:r>
+              <a:rPr lang="id-ID" sz="2400" dirty="0" smtClean="0"/>
+              <a:t>), tabel hash (</a:t>
+            </a:r>
+            <a:r>
+              <a:rPr lang="id-ID" sz="2400" i="1" dirty="0" smtClean="0"/>
+              <a:t>hash table</a:t>
+            </a:r>
+            <a:r>
+              <a:rPr lang="id-ID" sz="2400" dirty="0" smtClean="0"/>
+              <a:t>), daftar berkunci (</a:t>
+            </a:r>
+            <a:r>
+              <a:rPr lang="id-ID" sz="2400" i="1" dirty="0" smtClean="0"/>
+              <a:t>keyed list</a:t>
+            </a:r>
+            <a:r>
+              <a:rPr lang="id-ID" sz="2400" dirty="0" smtClean="0"/>
+              <a:t>), atau </a:t>
+            </a:r>
+            <a:r>
+              <a:rPr lang="id-ID" sz="2400" i="1" dirty="0" smtClean="0">
+                <a:hlinkClick r:id="rId3"/>
+              </a:rPr>
+              <a:t>associative array</a:t>
+            </a:r>
+            <a:r>
+              <a:rPr lang="id-ID" sz="2400" dirty="0" smtClean="0"/>
+              <a:t>.</a:t>
+            </a:r>
+          </a:p>
+          <a:p>
+            <a:pPr marL="228600" indent="-228600">
+              <a:spcAft>
+                <a:spcPts val="1200"/>
+              </a:spcAft>
+              <a:buFont typeface="Wingdings" pitchFamily="2" charset="2"/>
+              <a:buChar char="ü"/>
+            </a:pPr>
+            <a:r>
+              <a:rPr lang="id-ID" sz="2400" dirty="0" smtClean="0"/>
+              <a:t>Daftar nilai terurutkan (</a:t>
+            </a:r>
+            <a:r>
+              <a:rPr lang="id-ID" sz="2400" i="1" dirty="0" smtClean="0"/>
+              <a:t>an ordered list of values</a:t>
+            </a:r>
+            <a:r>
+              <a:rPr lang="id-ID" sz="2400" dirty="0" smtClean="0"/>
+              <a:t>). Pada kebanyakan bahasa, hal ini dinyatakan sebagai larik (</a:t>
+            </a:r>
+            <a:r>
+              <a:rPr lang="id-ID" sz="2400" i="1" dirty="0" smtClean="0"/>
+              <a:t>array</a:t>
+            </a:r>
+            <a:r>
+              <a:rPr lang="id-ID" sz="2400" dirty="0" smtClean="0"/>
+              <a:t>), vektor (</a:t>
+            </a:r>
+            <a:r>
+              <a:rPr lang="id-ID" sz="2400" i="1" dirty="0" smtClean="0"/>
+              <a:t>vector</a:t>
+            </a:r>
+            <a:r>
+              <a:rPr lang="id-ID" sz="2400" dirty="0" smtClean="0"/>
+              <a:t>), daftar (</a:t>
+            </a:r>
+            <a:r>
+              <a:rPr lang="id-ID" sz="2400" i="1" dirty="0" smtClean="0"/>
+              <a:t>list</a:t>
+            </a:r>
+            <a:r>
+              <a:rPr lang="id-ID" sz="2400" dirty="0" smtClean="0"/>
+              <a:t>), atau urutan (</a:t>
+            </a:r>
+            <a:r>
+              <a:rPr lang="id-ID" sz="2400" i="1" dirty="0" smtClean="0"/>
+              <a:t>sequence</a:t>
+            </a:r>
+            <a:r>
+              <a:rPr lang="id-ID" sz="2400" dirty="0" smtClean="0"/>
+              <a:t>). </a:t>
+            </a:r>
+          </a:p>
+          <a:p>
+            <a:pPr marL="228600" indent="-228600">
+              <a:spcAft>
+                <a:spcPts val="1200"/>
+              </a:spcAft>
+            </a:pPr>
+            <a:endParaRPr lang="en-US" sz="2400" dirty="0" smtClean="0"/>
+          </a:p>
+        </p:txBody>
+      </p:sp>
+    </p:spTree>
+  </p:cSld>
+  <p:clrMapOvr>
+    <a:masterClrMapping/>
+  </p:clrMapOvr>
+  <p:transition advClick="0"/>
+  <p:timing>
+    <p:tnLst>
+      <p:par>
+        <p:cTn id="1" dur="indefinite" restart="never" nodeType="tmRoot"/>
+      </p:par>
+    </p:tnLst>
+  </p:timing>
+</p:sld>
+</file>
+
+<file path=ppt/slides/slide5.xml><?xml version="1.0" encoding="utf-8"?>
+<p:sld xmlns:a="http://schemas.openxmlformats.org/drawingml/2006/main" xmlns:r="http://schemas.openxmlformats.org/officeDocument/2006/relationships" xmlns:p="http://schemas.openxmlformats.org/presentationml/2006/main">
+  <p:cSld>
+    <p:spTree>
+      <p:nvGrpSpPr>
+        <p:cNvPr id="1" name=""/>
+        <p:cNvGrpSpPr/>
+        <p:nvPr/>
+      </p:nvGrpSpPr>
+      <p:grpSpPr>
+        <a:xfrm>
+          <a:off x="0" y="0"/>
+          <a:ext cx="0" cy="0"/>
+          <a:chOff x="0" y="0"/>
+          <a:chExt cx="0" cy="0"/>
+        </a:xfrm>
+      </p:grpSpPr>
+      <p:sp>
+        <p:nvSpPr>
+          <p:cNvPr id="4" name="Rectangle 3"/>
+          <p:cNvSpPr/>
+          <p:nvPr/>
+        </p:nvSpPr>
+        <p:spPr>
+          <a:xfrm>
+            <a:off x="0" y="0"/>
+            <a:ext cx="9144000" cy="685800"/>
+          </a:xfrm>
+          <a:prstGeom prst="rect">
+            <a:avLst/>
+          </a:prstGeom>
+          <a:solidFill>
+            <a:schemeClr val="accent1">
+              <a:lumMod val="20000"/>
+              <a:lumOff val="80000"/>
+            </a:schemeClr>
+          </a:solidFill>
+          <a:ln>
+            <a:noFill/>
+          </a:ln>
+        </p:spPr>
+        <p:style>
+          <a:lnRef idx="2">
+            <a:schemeClr val="accent1">
+              <a:shade val="50000"/>
+            </a:schemeClr>
+          </a:lnRef>
+          <a:fillRef idx="1">
+            <a:schemeClr val="accent1"/>
+          </a:fillRef>
+          <a:effectRef idx="0">
+            <a:schemeClr val="accent1"/>
+          </a:effectRef>
+          <a:fontRef idx="minor">
+            <a:schemeClr val="lt1"/>
+          </a:fontRef>
+        </p:style>
+        <p:txBody>
+          <a:bodyPr rtlCol="0" anchor="ctr"/>
+          <a:lstStyle/>
+          <a:p>
+            <a:pPr algn="ctr"/>
+            <a:endParaRPr lang="en-US" dirty="0"/>
+          </a:p>
+        </p:txBody>
+      </p:sp>
+      <p:sp>
+        <p:nvSpPr>
+          <p:cNvPr id="5" name="TextBox 4"/>
+          <p:cNvSpPr txBox="1"/>
+          <p:nvPr/>
+        </p:nvSpPr>
+        <p:spPr>
+          <a:xfrm>
+            <a:off x="76200" y="55602"/>
+            <a:ext cx="4192430" cy="553998"/>
+          </a:xfrm>
+          <a:prstGeom prst="rect">
+            <a:avLst/>
+          </a:prstGeom>
+          <a:noFill/>
+        </p:spPr>
+        <p:txBody>
+          <a:bodyPr wrap="none" rtlCol="0">
+            <a:spAutoFit/>
+          </a:bodyPr>
+          <a:lstStyle/>
+          <a:p>
+            <a:r>
+              <a:rPr lang="en-US" sz="3000" b="1" dirty="0" err="1" smtClean="0"/>
+              <a:t>Bentuk</a:t>
+            </a:r>
+            <a:r>
+              <a:rPr lang="en-US" sz="3000" b="1" dirty="0" smtClean="0"/>
+              <a:t> data </a:t>
+            </a:r>
+            <a:r>
+              <a:rPr lang="en-US" sz="3000" b="1" dirty="0" err="1" smtClean="0"/>
+              <a:t>dalam</a:t>
+            </a:r>
+            <a:r>
+              <a:rPr lang="en-US" sz="3000" b="1" dirty="0" smtClean="0"/>
+              <a:t> JSON </a:t>
+            </a:r>
+            <a:endParaRPr lang="en-US" sz="3000" b="1" dirty="0"/>
+          </a:p>
+        </p:txBody>
+      </p:sp>
+      <p:sp>
+        <p:nvSpPr>
+          <p:cNvPr id="11" name="Rectangle 10"/>
+          <p:cNvSpPr/>
+          <p:nvPr/>
+        </p:nvSpPr>
+        <p:spPr>
+          <a:xfrm>
+            <a:off x="0" y="6553200"/>
+            <a:ext cx="6858000" cy="304800"/>
+          </a:xfrm>
+          <a:prstGeom prst="rect">
+            <a:avLst/>
+          </a:prstGeom>
+          <a:ln>
+            <a:solidFill>
+              <a:schemeClr val="accent5">
+                <a:lumMod val="75000"/>
+              </a:schemeClr>
+            </a:solidFill>
+          </a:ln>
+        </p:spPr>
+        <p:style>
+          <a:lnRef idx="2">
+            <a:schemeClr val="accent1">
+              <a:shade val="50000"/>
+            </a:schemeClr>
+          </a:lnRef>
+          <a:fillRef idx="1">
+            <a:schemeClr val="accent1"/>
+          </a:fillRef>
+          <a:effectRef idx="0">
+            <a:schemeClr val="accent1"/>
+          </a:effectRef>
+          <a:fontRef idx="minor">
+            <a:schemeClr val="lt1"/>
+          </a:fontRef>
+        </p:style>
+        <p:txBody>
+          <a:bodyPr rtlCol="0" anchor="ctr"/>
+          <a:lstStyle/>
+          <a:p>
+            <a:r>
+              <a:rPr lang="en-US" dirty="0" smtClean="0"/>
+              <a:t>Mobile Computing II (</a:t>
+            </a:r>
+            <a:r>
+              <a:rPr lang="en-US" dirty="0" err="1" smtClean="0"/>
+              <a:t>Sistem</a:t>
+            </a:r>
+            <a:r>
+              <a:rPr lang="en-US" dirty="0" smtClean="0"/>
+              <a:t> </a:t>
+            </a:r>
+            <a:r>
+              <a:rPr lang="en-US" dirty="0" err="1" smtClean="0"/>
+              <a:t>Informasi</a:t>
+            </a:r>
+            <a:r>
+              <a:rPr lang="en-US" dirty="0" smtClean="0"/>
+              <a:t>)</a:t>
+            </a:r>
+            <a:endParaRPr lang="en-US" dirty="0"/>
+          </a:p>
+        </p:txBody>
+      </p:sp>
+      <p:sp>
+        <p:nvSpPr>
+          <p:cNvPr id="12" name="Rectangle 11"/>
+          <p:cNvSpPr/>
+          <p:nvPr/>
+        </p:nvSpPr>
+        <p:spPr>
+          <a:xfrm>
+            <a:off x="6858000" y="6553200"/>
+            <a:ext cx="2286000" cy="304800"/>
+          </a:xfrm>
+          <a:prstGeom prst="rect">
+            <a:avLst/>
+          </a:prstGeom>
+          <a:solidFill>
+            <a:schemeClr val="accent6">
+              <a:lumMod val="75000"/>
+            </a:schemeClr>
+          </a:solidFill>
+          <a:ln>
+            <a:solidFill>
+              <a:schemeClr val="accent6">
+                <a:lumMod val="75000"/>
+              </a:schemeClr>
+            </a:solidFill>
+          </a:ln>
+        </p:spPr>
+        <p:style>
+          <a:lnRef idx="2">
+            <a:schemeClr val="accent1">
+              <a:shade val="50000"/>
+            </a:schemeClr>
+          </a:lnRef>
+          <a:fillRef idx="1">
+            <a:schemeClr val="accent1"/>
+          </a:fillRef>
+          <a:effectRef idx="0">
+            <a:schemeClr val="accent1"/>
+          </a:effectRef>
+          <a:fontRef idx="minor">
+            <a:schemeClr val="lt1"/>
+          </a:fontRef>
+        </p:style>
+        <p:txBody>
+          <a:bodyPr rtlCol="0" anchor="ctr"/>
+          <a:lstStyle/>
+          <a:p>
+            <a:pPr algn="r"/>
+            <a:fld id="{71D00F36-FA00-435A-BA0E-2F982C1F1AA6}" type="slidenum">
+              <a:rPr lang="en-US" smtClean="0"/>
+              <a:pPr algn="r"/>
+              <a:t>5</a:t>
+            </a:fld>
+            <a:endParaRPr lang="en-US" dirty="0"/>
+          </a:p>
+        </p:txBody>
+      </p:sp>
+      <p:sp>
+        <p:nvSpPr>
+          <p:cNvPr id="7" name="Rectangle 6"/>
+          <p:cNvSpPr/>
+          <p:nvPr/>
+        </p:nvSpPr>
+        <p:spPr>
+          <a:xfrm>
+            <a:off x="304800" y="914400"/>
+            <a:ext cx="8610600" cy="4893647"/>
+          </a:xfrm>
+          <a:prstGeom prst="rect">
+            <a:avLst/>
+          </a:prstGeom>
+        </p:spPr>
+        <p:txBody>
+          <a:bodyPr wrap="square">
+            <a:spAutoFit/>
+          </a:bodyPr>
+          <a:lstStyle/>
+          <a:p>
+            <a:r>
+              <a:rPr lang="id-ID" sz="2400" dirty="0" smtClean="0"/>
+              <a:t>JSON menggunakan bentuk sebagai berikut:</a:t>
+            </a:r>
+          </a:p>
+          <a:p>
+            <a:pPr marL="342900" indent="-342900">
+              <a:buFont typeface="Wingdings" pitchFamily="2" charset="2"/>
+              <a:buChar char="ü"/>
+            </a:pPr>
+            <a:r>
+              <a:rPr lang="id-ID" sz="2400" b="1" dirty="0" smtClean="0"/>
+              <a:t>Objek</a:t>
+            </a:r>
+            <a:r>
+              <a:rPr lang="id-ID" sz="2400" dirty="0" smtClean="0"/>
+              <a:t> adalah sepasang nama/nilai yang tidak terurutkan. Objek dimulai dengan { (kurung kurawal buka) dan diakhiri dengan } (kurung kurawal tutup). Setiap nama diikuti dengan : (titik dua) dan setiap pasangan nama/nilai dipisahkan oleh , (koma).</a:t>
+            </a:r>
+            <a:endParaRPr lang="en-US" sz="2400" dirty="0" smtClean="0"/>
+          </a:p>
+          <a:p>
+            <a:pPr marL="342900" indent="-342900">
+              <a:buFont typeface="Wingdings" pitchFamily="2" charset="2"/>
+              <a:buChar char="ü"/>
+            </a:pPr>
+            <a:endParaRPr lang="en-US" sz="2400" dirty="0" smtClean="0"/>
+          </a:p>
+          <a:p>
+            <a:pPr marL="342900" indent="-342900">
+              <a:buFont typeface="Wingdings" pitchFamily="2" charset="2"/>
+              <a:buChar char="ü"/>
+            </a:pPr>
+            <a:endParaRPr lang="en-US" sz="2400" dirty="0" smtClean="0"/>
+          </a:p>
+          <a:p>
+            <a:pPr marL="342900" indent="-342900">
+              <a:buFont typeface="Wingdings" pitchFamily="2" charset="2"/>
+              <a:buChar char="ü"/>
+            </a:pPr>
+            <a:endParaRPr lang="en-US" sz="2400" dirty="0" smtClean="0"/>
+          </a:p>
+          <a:p>
+            <a:pPr marL="342900" indent="-342900">
+              <a:buFont typeface="Wingdings" pitchFamily="2" charset="2"/>
+              <a:buChar char="ü"/>
+            </a:pPr>
+            <a:endParaRPr lang="en-US" sz="2400" dirty="0" smtClean="0"/>
+          </a:p>
+          <a:p>
+            <a:pPr marL="342900" indent="-342900">
+              <a:buFont typeface="Wingdings" pitchFamily="2" charset="2"/>
+              <a:buChar char="ü"/>
+            </a:pPr>
+            <a:r>
+              <a:rPr lang="id-ID" sz="2400" b="1" dirty="0" smtClean="0"/>
+              <a:t>Larik</a:t>
+            </a:r>
+            <a:r>
+              <a:rPr lang="en-US" sz="2400" b="1" dirty="0" smtClean="0"/>
+              <a:t> (array)</a:t>
+            </a:r>
+            <a:r>
+              <a:rPr lang="id-ID" sz="2400" dirty="0" smtClean="0"/>
+              <a:t> adalah kumpulan nilai yang terurutkan. Larik dimulai dengan [ (kurung kotak buka) dan diakhiri dengan ] (kurung kotak tutup). Setiap nilai dipisahkan oleh , (koma).</a:t>
+            </a:r>
+          </a:p>
+          <a:p>
+            <a:pPr marL="228600" indent="-228600">
+              <a:spcAft>
+                <a:spcPts val="1200"/>
+              </a:spcAft>
+            </a:pPr>
+            <a:endParaRPr lang="en-US" sz="2400" dirty="0" smtClean="0"/>
           </a:p>
         </p:txBody>
       </p:sp>
       <p:pic>
         <p:nvPicPr>
-          <p:cNvPr id="7171" name="Picture 3"/>
+          <p:cNvPr id="26629" name="Picture 5" descr="http://www.json.org/object.gif"/>
           <p:cNvPicPr>
             <a:picLocks noChangeAspect="1" noChangeArrowheads="1"/>
           </p:cNvPicPr>
@@ -5175,21 +8841,4009 @@
         </p:blipFill>
         <p:spPr bwMode="auto">
           <a:xfrm>
-            <a:off x="6172200" y="990600"/>
-            <a:ext cx="2562225" cy="4543425"/>
+            <a:off x="1066800" y="3200400"/>
+            <a:ext cx="5695950" cy="1076326"/>
           </a:xfrm>
           <a:prstGeom prst="rect">
             <a:avLst/>
           </a:prstGeom>
           <a:noFill/>
-          <a:ln w="9525">
+        </p:spPr>
+      </p:pic>
+      <p:pic>
+        <p:nvPicPr>
+          <p:cNvPr id="26631" name="Picture 7" descr="http://www.json.org/array.gif"/>
+          <p:cNvPicPr>
+            <a:picLocks noChangeAspect="1" noChangeArrowheads="1"/>
+          </p:cNvPicPr>
+          <p:nvPr/>
+        </p:nvPicPr>
+        <p:blipFill>
+          <a:blip r:embed="rId4" cstate="print"/>
+          <a:srcRect/>
+          <a:stretch>
+            <a:fillRect/>
+          </a:stretch>
+        </p:blipFill>
+        <p:spPr bwMode="auto">
+          <a:xfrm>
+            <a:off x="1066800" y="5410200"/>
+            <a:ext cx="5695950" cy="1076326"/>
+          </a:xfrm>
+          <a:prstGeom prst="rect">
+            <a:avLst/>
+          </a:prstGeom>
+          <a:noFill/>
+        </p:spPr>
+      </p:pic>
+    </p:spTree>
+  </p:cSld>
+  <p:clrMapOvr>
+    <a:masterClrMapping/>
+  </p:clrMapOvr>
+  <p:transition advClick="0"/>
+  <p:timing>
+    <p:tnLst>
+      <p:par>
+        <p:cTn id="1" dur="indefinite" restart="never" nodeType="tmRoot"/>
+      </p:par>
+    </p:tnLst>
+  </p:timing>
+</p:sld>
+</file>
+
+<file path=ppt/slides/slide6.xml><?xml version="1.0" encoding="utf-8"?>
+<p:sld xmlns:a="http://schemas.openxmlformats.org/drawingml/2006/main" xmlns:r="http://schemas.openxmlformats.org/officeDocument/2006/relationships" xmlns:p="http://schemas.openxmlformats.org/presentationml/2006/main">
+  <p:cSld>
+    <p:spTree>
+      <p:nvGrpSpPr>
+        <p:cNvPr id="1" name=""/>
+        <p:cNvGrpSpPr/>
+        <p:nvPr/>
+      </p:nvGrpSpPr>
+      <p:grpSpPr>
+        <a:xfrm>
+          <a:off x="0" y="0"/>
+          <a:ext cx="0" cy="0"/>
+          <a:chOff x="0" y="0"/>
+          <a:chExt cx="0" cy="0"/>
+        </a:xfrm>
+      </p:grpSpPr>
+      <p:sp>
+        <p:nvSpPr>
+          <p:cNvPr id="4" name="Rectangle 3"/>
+          <p:cNvSpPr/>
+          <p:nvPr/>
+        </p:nvSpPr>
+        <p:spPr>
+          <a:xfrm>
+            <a:off x="0" y="0"/>
+            <a:ext cx="9144000" cy="685800"/>
+          </a:xfrm>
+          <a:prstGeom prst="rect">
+            <a:avLst/>
+          </a:prstGeom>
+          <a:solidFill>
+            <a:schemeClr val="accent1">
+              <a:lumMod val="20000"/>
+              <a:lumOff val="80000"/>
+            </a:schemeClr>
+          </a:solidFill>
+          <a:ln>
             <a:noFill/>
-            <a:miter lim="800000"/>
-            <a:headEnd/>
-            <a:tailEnd/>
           </a:ln>
         </p:spPr>
+        <p:style>
+          <a:lnRef idx="2">
+            <a:schemeClr val="accent1">
+              <a:shade val="50000"/>
+            </a:schemeClr>
+          </a:lnRef>
+          <a:fillRef idx="1">
+            <a:schemeClr val="accent1"/>
+          </a:fillRef>
+          <a:effectRef idx="0">
+            <a:schemeClr val="accent1"/>
+          </a:effectRef>
+          <a:fontRef idx="minor">
+            <a:schemeClr val="lt1"/>
+          </a:fontRef>
+        </p:style>
+        <p:txBody>
+          <a:bodyPr rtlCol="0" anchor="ctr"/>
+          <a:lstStyle/>
+          <a:p>
+            <a:pPr algn="ctr"/>
+            <a:endParaRPr lang="en-US" dirty="0"/>
+          </a:p>
+        </p:txBody>
+      </p:sp>
+      <p:sp>
+        <p:nvSpPr>
+          <p:cNvPr id="5" name="TextBox 4"/>
+          <p:cNvSpPr txBox="1"/>
+          <p:nvPr/>
+        </p:nvSpPr>
+        <p:spPr>
+          <a:xfrm>
+            <a:off x="76200" y="55602"/>
+            <a:ext cx="4192430" cy="553998"/>
+          </a:xfrm>
+          <a:prstGeom prst="rect">
+            <a:avLst/>
+          </a:prstGeom>
+          <a:noFill/>
+        </p:spPr>
+        <p:txBody>
+          <a:bodyPr wrap="none" rtlCol="0">
+            <a:spAutoFit/>
+          </a:bodyPr>
+          <a:lstStyle/>
+          <a:p>
+            <a:r>
+              <a:rPr lang="en-US" sz="3000" b="1" dirty="0" err="1" smtClean="0"/>
+              <a:t>Bentuk</a:t>
+            </a:r>
+            <a:r>
+              <a:rPr lang="en-US" sz="3000" b="1" dirty="0" smtClean="0"/>
+              <a:t> data </a:t>
+            </a:r>
+            <a:r>
+              <a:rPr lang="en-US" sz="3000" b="1" dirty="0" err="1" smtClean="0"/>
+              <a:t>dalam</a:t>
+            </a:r>
+            <a:r>
+              <a:rPr lang="en-US" sz="3000" b="1" dirty="0" smtClean="0"/>
+              <a:t> JSON </a:t>
+            </a:r>
+            <a:endParaRPr lang="en-US" sz="3000" b="1" dirty="0"/>
+          </a:p>
+        </p:txBody>
+      </p:sp>
+      <p:sp>
+        <p:nvSpPr>
+          <p:cNvPr id="11" name="Rectangle 10"/>
+          <p:cNvSpPr/>
+          <p:nvPr/>
+        </p:nvSpPr>
+        <p:spPr>
+          <a:xfrm>
+            <a:off x="0" y="6553200"/>
+            <a:ext cx="6858000" cy="304800"/>
+          </a:xfrm>
+          <a:prstGeom prst="rect">
+            <a:avLst/>
+          </a:prstGeom>
+          <a:ln>
+            <a:solidFill>
+              <a:schemeClr val="accent5">
+                <a:lumMod val="75000"/>
+              </a:schemeClr>
+            </a:solidFill>
+          </a:ln>
+        </p:spPr>
+        <p:style>
+          <a:lnRef idx="2">
+            <a:schemeClr val="accent1">
+              <a:shade val="50000"/>
+            </a:schemeClr>
+          </a:lnRef>
+          <a:fillRef idx="1">
+            <a:schemeClr val="accent1"/>
+          </a:fillRef>
+          <a:effectRef idx="0">
+            <a:schemeClr val="accent1"/>
+          </a:effectRef>
+          <a:fontRef idx="minor">
+            <a:schemeClr val="lt1"/>
+          </a:fontRef>
+        </p:style>
+        <p:txBody>
+          <a:bodyPr rtlCol="0" anchor="ctr"/>
+          <a:lstStyle/>
+          <a:p>
+            <a:r>
+              <a:rPr lang="en-US" dirty="0" smtClean="0"/>
+              <a:t>Mobile Computing II (</a:t>
+            </a:r>
+            <a:r>
+              <a:rPr lang="en-US" dirty="0" err="1" smtClean="0"/>
+              <a:t>Sistem</a:t>
+            </a:r>
+            <a:r>
+              <a:rPr lang="en-US" dirty="0" smtClean="0"/>
+              <a:t> </a:t>
+            </a:r>
+            <a:r>
+              <a:rPr lang="en-US" dirty="0" err="1" smtClean="0"/>
+              <a:t>Informasi</a:t>
+            </a:r>
+            <a:r>
+              <a:rPr lang="en-US" dirty="0" smtClean="0"/>
+              <a:t>)</a:t>
+            </a:r>
+            <a:endParaRPr lang="en-US" dirty="0"/>
+          </a:p>
+        </p:txBody>
+      </p:sp>
+      <p:sp>
+        <p:nvSpPr>
+          <p:cNvPr id="12" name="Rectangle 11"/>
+          <p:cNvSpPr/>
+          <p:nvPr/>
+        </p:nvSpPr>
+        <p:spPr>
+          <a:xfrm>
+            <a:off x="6858000" y="6553200"/>
+            <a:ext cx="2286000" cy="304800"/>
+          </a:xfrm>
+          <a:prstGeom prst="rect">
+            <a:avLst/>
+          </a:prstGeom>
+          <a:solidFill>
+            <a:schemeClr val="accent6">
+              <a:lumMod val="75000"/>
+            </a:schemeClr>
+          </a:solidFill>
+          <a:ln>
+            <a:solidFill>
+              <a:schemeClr val="accent6">
+                <a:lumMod val="75000"/>
+              </a:schemeClr>
+            </a:solidFill>
+          </a:ln>
+        </p:spPr>
+        <p:style>
+          <a:lnRef idx="2">
+            <a:schemeClr val="accent1">
+              <a:shade val="50000"/>
+            </a:schemeClr>
+          </a:lnRef>
+          <a:fillRef idx="1">
+            <a:schemeClr val="accent1"/>
+          </a:fillRef>
+          <a:effectRef idx="0">
+            <a:schemeClr val="accent1"/>
+          </a:effectRef>
+          <a:fontRef idx="minor">
+            <a:schemeClr val="lt1"/>
+          </a:fontRef>
+        </p:style>
+        <p:txBody>
+          <a:bodyPr rtlCol="0" anchor="ctr"/>
+          <a:lstStyle/>
+          <a:p>
+            <a:pPr algn="r"/>
+            <a:fld id="{71D00F36-FA00-435A-BA0E-2F982C1F1AA6}" type="slidenum">
+              <a:rPr lang="en-US" smtClean="0"/>
+              <a:pPr algn="r"/>
+              <a:t>6</a:t>
+            </a:fld>
+            <a:endParaRPr lang="en-US" dirty="0"/>
+          </a:p>
+        </p:txBody>
+      </p:sp>
+      <p:sp>
+        <p:nvSpPr>
+          <p:cNvPr id="7" name="Rectangle 6"/>
+          <p:cNvSpPr/>
+          <p:nvPr/>
+        </p:nvSpPr>
+        <p:spPr>
+          <a:xfrm>
+            <a:off x="304800" y="914400"/>
+            <a:ext cx="8610600" cy="1569660"/>
+          </a:xfrm>
+          <a:prstGeom prst="rect">
+            <a:avLst/>
+          </a:prstGeom>
+        </p:spPr>
+        <p:txBody>
+          <a:bodyPr wrap="square">
+            <a:spAutoFit/>
+          </a:bodyPr>
+          <a:lstStyle/>
+          <a:p>
+            <a:pPr marL="342900" indent="-342900">
+              <a:buFont typeface="Wingdings" pitchFamily="2" charset="2"/>
+              <a:buChar char="ü"/>
+            </a:pPr>
+            <a:r>
+              <a:rPr lang="id-ID" sz="2400" b="1" dirty="0" smtClean="0"/>
+              <a:t>Nilai</a:t>
+            </a:r>
+            <a:r>
+              <a:rPr lang="id-ID" sz="2400" dirty="0" smtClean="0"/>
+              <a:t> (</a:t>
+            </a:r>
+            <a:r>
+              <a:rPr lang="id-ID" sz="2400" i="1" dirty="0" smtClean="0"/>
+              <a:t>value</a:t>
+            </a:r>
+            <a:r>
+              <a:rPr lang="id-ID" sz="2400" dirty="0" smtClean="0"/>
+              <a:t>) dapat berupa sebuah </a:t>
+            </a:r>
+            <a:r>
+              <a:rPr lang="id-ID" sz="2400" b="1" dirty="0" smtClean="0"/>
+              <a:t>string</a:t>
+            </a:r>
+            <a:r>
+              <a:rPr lang="id-ID" sz="2400" dirty="0" smtClean="0"/>
+              <a:t> dalam tanda kutip ganda, atau </a:t>
+            </a:r>
+            <a:r>
+              <a:rPr lang="id-ID" sz="2400" i="1" dirty="0" smtClean="0"/>
+              <a:t>angka</a:t>
+            </a:r>
+            <a:r>
+              <a:rPr lang="id-ID" sz="2400" dirty="0" smtClean="0"/>
+              <a:t>, atau true atau false atau null, atau sebuah </a:t>
+            </a:r>
+            <a:r>
+              <a:rPr lang="id-ID" sz="2400" i="1" dirty="0" smtClean="0"/>
+              <a:t>objek</a:t>
+            </a:r>
+            <a:r>
+              <a:rPr lang="id-ID" sz="2400" dirty="0" smtClean="0"/>
+              <a:t> atau sebuah </a:t>
+            </a:r>
+            <a:r>
+              <a:rPr lang="id-ID" sz="2400" i="1" dirty="0" smtClean="0"/>
+              <a:t>larik</a:t>
+            </a:r>
+            <a:r>
+              <a:rPr lang="id-ID" sz="2400" dirty="0" smtClean="0"/>
+              <a:t>. Struktur-struktur tersebut dapat disusun bertingkat.</a:t>
+            </a:r>
+            <a:endParaRPr lang="en-US" sz="2400" dirty="0" smtClean="0"/>
+          </a:p>
+        </p:txBody>
+      </p:sp>
+      <p:pic>
+        <p:nvPicPr>
+          <p:cNvPr id="29698" name="Picture 2" descr="http://www.json.org/value.gif"/>
+          <p:cNvPicPr>
+            <a:picLocks noChangeAspect="1" noChangeArrowheads="1"/>
+          </p:cNvPicPr>
+          <p:nvPr/>
+        </p:nvPicPr>
+        <p:blipFill>
+          <a:blip r:embed="rId3" cstate="print"/>
+          <a:srcRect/>
+          <a:stretch>
+            <a:fillRect/>
+          </a:stretch>
+        </p:blipFill>
+        <p:spPr bwMode="auto">
+          <a:xfrm>
+            <a:off x="685800" y="2438400"/>
+            <a:ext cx="5695950" cy="2647951"/>
+          </a:xfrm>
+          <a:prstGeom prst="rect">
+            <a:avLst/>
+          </a:prstGeom>
+          <a:noFill/>
+        </p:spPr>
       </p:pic>
+    </p:spTree>
+  </p:cSld>
+  <p:clrMapOvr>
+    <a:masterClrMapping/>
+  </p:clrMapOvr>
+  <p:transition advClick="0"/>
+  <p:timing>
+    <p:tnLst>
+      <p:par>
+        <p:cTn id="1" dur="indefinite" restart="never" nodeType="tmRoot"/>
+      </p:par>
+    </p:tnLst>
+  </p:timing>
+</p:sld>
+</file>
+
+<file path=ppt/slides/slide7.xml><?xml version="1.0" encoding="utf-8"?>
+<p:sld xmlns:a="http://schemas.openxmlformats.org/drawingml/2006/main" xmlns:r="http://schemas.openxmlformats.org/officeDocument/2006/relationships" xmlns:p="http://schemas.openxmlformats.org/presentationml/2006/main">
+  <p:cSld>
+    <p:spTree>
+      <p:nvGrpSpPr>
+        <p:cNvPr id="1" name=""/>
+        <p:cNvGrpSpPr/>
+        <p:nvPr/>
+      </p:nvGrpSpPr>
+      <p:grpSpPr>
+        <a:xfrm>
+          <a:off x="0" y="0"/>
+          <a:ext cx="0" cy="0"/>
+          <a:chOff x="0" y="0"/>
+          <a:chExt cx="0" cy="0"/>
+        </a:xfrm>
+      </p:grpSpPr>
+      <p:sp>
+        <p:nvSpPr>
+          <p:cNvPr id="4" name="Rectangle 3"/>
+          <p:cNvSpPr/>
+          <p:nvPr/>
+        </p:nvSpPr>
+        <p:spPr>
+          <a:xfrm>
+            <a:off x="0" y="0"/>
+            <a:ext cx="9144000" cy="685800"/>
+          </a:xfrm>
+          <a:prstGeom prst="rect">
+            <a:avLst/>
+          </a:prstGeom>
+          <a:solidFill>
+            <a:schemeClr val="accent1">
+              <a:lumMod val="20000"/>
+              <a:lumOff val="80000"/>
+            </a:schemeClr>
+          </a:solidFill>
+          <a:ln>
+            <a:noFill/>
+          </a:ln>
+        </p:spPr>
+        <p:style>
+          <a:lnRef idx="2">
+            <a:schemeClr val="accent1">
+              <a:shade val="50000"/>
+            </a:schemeClr>
+          </a:lnRef>
+          <a:fillRef idx="1">
+            <a:schemeClr val="accent1"/>
+          </a:fillRef>
+          <a:effectRef idx="0">
+            <a:schemeClr val="accent1"/>
+          </a:effectRef>
+          <a:fontRef idx="minor">
+            <a:schemeClr val="lt1"/>
+          </a:fontRef>
+        </p:style>
+        <p:txBody>
+          <a:bodyPr rtlCol="0" anchor="ctr"/>
+          <a:lstStyle/>
+          <a:p>
+            <a:pPr algn="ctr"/>
+            <a:endParaRPr lang="en-US" dirty="0"/>
+          </a:p>
+        </p:txBody>
+      </p:sp>
+      <p:sp>
+        <p:nvSpPr>
+          <p:cNvPr id="5" name="TextBox 4"/>
+          <p:cNvSpPr txBox="1"/>
+          <p:nvPr/>
+        </p:nvSpPr>
+        <p:spPr>
+          <a:xfrm>
+            <a:off x="76200" y="55602"/>
+            <a:ext cx="4192430" cy="553998"/>
+          </a:xfrm>
+          <a:prstGeom prst="rect">
+            <a:avLst/>
+          </a:prstGeom>
+          <a:noFill/>
+        </p:spPr>
+        <p:txBody>
+          <a:bodyPr wrap="none" rtlCol="0">
+            <a:spAutoFit/>
+          </a:bodyPr>
+          <a:lstStyle/>
+          <a:p>
+            <a:r>
+              <a:rPr lang="en-US" sz="3000" b="1" dirty="0" err="1" smtClean="0"/>
+              <a:t>Bentuk</a:t>
+            </a:r>
+            <a:r>
+              <a:rPr lang="en-US" sz="3000" b="1" dirty="0" smtClean="0"/>
+              <a:t> data </a:t>
+            </a:r>
+            <a:r>
+              <a:rPr lang="en-US" sz="3000" b="1" dirty="0" err="1" smtClean="0"/>
+              <a:t>dalam</a:t>
+            </a:r>
+            <a:r>
+              <a:rPr lang="en-US" sz="3000" b="1" dirty="0" smtClean="0"/>
+              <a:t> JSON </a:t>
+            </a:r>
+            <a:endParaRPr lang="en-US" sz="3000" b="1" dirty="0"/>
+          </a:p>
+        </p:txBody>
+      </p:sp>
+      <p:sp>
+        <p:nvSpPr>
+          <p:cNvPr id="11" name="Rectangle 10"/>
+          <p:cNvSpPr/>
+          <p:nvPr/>
+        </p:nvSpPr>
+        <p:spPr>
+          <a:xfrm>
+            <a:off x="0" y="6553200"/>
+            <a:ext cx="6858000" cy="304800"/>
+          </a:xfrm>
+          <a:prstGeom prst="rect">
+            <a:avLst/>
+          </a:prstGeom>
+          <a:ln>
+            <a:solidFill>
+              <a:schemeClr val="accent5">
+                <a:lumMod val="75000"/>
+              </a:schemeClr>
+            </a:solidFill>
+          </a:ln>
+        </p:spPr>
+        <p:style>
+          <a:lnRef idx="2">
+            <a:schemeClr val="accent1">
+              <a:shade val="50000"/>
+            </a:schemeClr>
+          </a:lnRef>
+          <a:fillRef idx="1">
+            <a:schemeClr val="accent1"/>
+          </a:fillRef>
+          <a:effectRef idx="0">
+            <a:schemeClr val="accent1"/>
+          </a:effectRef>
+          <a:fontRef idx="minor">
+            <a:schemeClr val="lt1"/>
+          </a:fontRef>
+        </p:style>
+        <p:txBody>
+          <a:bodyPr rtlCol="0" anchor="ctr"/>
+          <a:lstStyle/>
+          <a:p>
+            <a:r>
+              <a:rPr lang="en-US" dirty="0" smtClean="0"/>
+              <a:t>Mobile Computing II (</a:t>
+            </a:r>
+            <a:r>
+              <a:rPr lang="en-US" dirty="0" err="1" smtClean="0"/>
+              <a:t>Sistem</a:t>
+            </a:r>
+            <a:r>
+              <a:rPr lang="en-US" dirty="0" smtClean="0"/>
+              <a:t> </a:t>
+            </a:r>
+            <a:r>
+              <a:rPr lang="en-US" dirty="0" err="1" smtClean="0"/>
+              <a:t>Informasi</a:t>
+            </a:r>
+            <a:r>
+              <a:rPr lang="en-US" dirty="0" smtClean="0"/>
+              <a:t>)</a:t>
+            </a:r>
+            <a:endParaRPr lang="en-US" dirty="0"/>
+          </a:p>
+        </p:txBody>
+      </p:sp>
+      <p:sp>
+        <p:nvSpPr>
+          <p:cNvPr id="12" name="Rectangle 11"/>
+          <p:cNvSpPr/>
+          <p:nvPr/>
+        </p:nvSpPr>
+        <p:spPr>
+          <a:xfrm>
+            <a:off x="6858000" y="6553200"/>
+            <a:ext cx="2286000" cy="304800"/>
+          </a:xfrm>
+          <a:prstGeom prst="rect">
+            <a:avLst/>
+          </a:prstGeom>
+          <a:solidFill>
+            <a:schemeClr val="accent6">
+              <a:lumMod val="75000"/>
+            </a:schemeClr>
+          </a:solidFill>
+          <a:ln>
+            <a:solidFill>
+              <a:schemeClr val="accent6">
+                <a:lumMod val="75000"/>
+              </a:schemeClr>
+            </a:solidFill>
+          </a:ln>
+        </p:spPr>
+        <p:style>
+          <a:lnRef idx="2">
+            <a:schemeClr val="accent1">
+              <a:shade val="50000"/>
+            </a:schemeClr>
+          </a:lnRef>
+          <a:fillRef idx="1">
+            <a:schemeClr val="accent1"/>
+          </a:fillRef>
+          <a:effectRef idx="0">
+            <a:schemeClr val="accent1"/>
+          </a:effectRef>
+          <a:fontRef idx="minor">
+            <a:schemeClr val="lt1"/>
+          </a:fontRef>
+        </p:style>
+        <p:txBody>
+          <a:bodyPr rtlCol="0" anchor="ctr"/>
+          <a:lstStyle/>
+          <a:p>
+            <a:pPr algn="r"/>
+            <a:fld id="{71D00F36-FA00-435A-BA0E-2F982C1F1AA6}" type="slidenum">
+              <a:rPr lang="en-US" smtClean="0"/>
+              <a:pPr algn="r"/>
+              <a:t>7</a:t>
+            </a:fld>
+            <a:endParaRPr lang="en-US" dirty="0"/>
+          </a:p>
+        </p:txBody>
+      </p:sp>
+      <p:sp>
+        <p:nvSpPr>
+          <p:cNvPr id="7" name="Rectangle 6"/>
+          <p:cNvSpPr/>
+          <p:nvPr/>
+        </p:nvSpPr>
+        <p:spPr>
+          <a:xfrm>
+            <a:off x="152400" y="609600"/>
+            <a:ext cx="8610600" cy="1938992"/>
+          </a:xfrm>
+          <a:prstGeom prst="rect">
+            <a:avLst/>
+          </a:prstGeom>
+        </p:spPr>
+        <p:txBody>
+          <a:bodyPr wrap="square">
+            <a:spAutoFit/>
+          </a:bodyPr>
+          <a:lstStyle/>
+          <a:p>
+            <a:pPr marL="342900" indent="-342900">
+              <a:buFont typeface="Wingdings" pitchFamily="2" charset="2"/>
+              <a:buChar char="ü"/>
+            </a:pPr>
+            <a:r>
+              <a:rPr lang="id-ID" sz="2400" b="1" dirty="0" smtClean="0"/>
+              <a:t>String</a:t>
+            </a:r>
+            <a:r>
+              <a:rPr lang="id-ID" sz="2400" dirty="0" smtClean="0"/>
+              <a:t> adalah kumpulan dari nol atau lebih karakter Unicode, yang dibungkus dengan tanda kutip ganda. Di dalam string dapat digunakan </a:t>
+            </a:r>
+            <a:r>
+              <a:rPr lang="id-ID" sz="2400" i="1" dirty="0" smtClean="0"/>
+              <a:t>backslash escapes</a:t>
+            </a:r>
+            <a:r>
+              <a:rPr lang="id-ID" sz="2400" dirty="0" smtClean="0"/>
+              <a:t> "\" untuk membentuk karakter khusus. Sebuah karakter mewakili karakter tunggal pada string. String sangat mirip dengan string C atau Java.</a:t>
+            </a:r>
+            <a:endParaRPr lang="en-US" sz="2400" dirty="0" smtClean="0"/>
+          </a:p>
+        </p:txBody>
+      </p:sp>
+      <p:pic>
+        <p:nvPicPr>
+          <p:cNvPr id="31746" name="Picture 2" descr="http://www.json.org/string.gif"/>
+          <p:cNvPicPr>
+            <a:picLocks noChangeAspect="1" noChangeArrowheads="1"/>
+          </p:cNvPicPr>
+          <p:nvPr/>
+        </p:nvPicPr>
+        <p:blipFill>
+          <a:blip r:embed="rId3" cstate="print"/>
+          <a:srcRect/>
+          <a:stretch>
+            <a:fillRect/>
+          </a:stretch>
+        </p:blipFill>
+        <p:spPr bwMode="auto">
+          <a:xfrm>
+            <a:off x="381000" y="2590800"/>
+            <a:ext cx="5695950" cy="3933826"/>
+          </a:xfrm>
+          <a:prstGeom prst="rect">
+            <a:avLst/>
+          </a:prstGeom>
+          <a:noFill/>
+        </p:spPr>
+      </p:pic>
+    </p:spTree>
+  </p:cSld>
+  <p:clrMapOvr>
+    <a:masterClrMapping/>
+  </p:clrMapOvr>
+  <p:transition advClick="0"/>
+  <p:timing>
+    <p:tnLst>
+      <p:par>
+        <p:cTn id="1" dur="indefinite" restart="never" nodeType="tmRoot"/>
+      </p:par>
+    </p:tnLst>
+  </p:timing>
+</p:sld>
+</file>
+
+<file path=ppt/slides/slide8.xml><?xml version="1.0" encoding="utf-8"?>
+<p:sld xmlns:a="http://schemas.openxmlformats.org/drawingml/2006/main" xmlns:r="http://schemas.openxmlformats.org/officeDocument/2006/relationships" xmlns:p="http://schemas.openxmlformats.org/presentationml/2006/main">
+  <p:cSld>
+    <p:spTree>
+      <p:nvGrpSpPr>
+        <p:cNvPr id="1" name=""/>
+        <p:cNvGrpSpPr/>
+        <p:nvPr/>
+      </p:nvGrpSpPr>
+      <p:grpSpPr>
+        <a:xfrm>
+          <a:off x="0" y="0"/>
+          <a:ext cx="0" cy="0"/>
+          <a:chOff x="0" y="0"/>
+          <a:chExt cx="0" cy="0"/>
+        </a:xfrm>
+      </p:grpSpPr>
+      <p:sp>
+        <p:nvSpPr>
+          <p:cNvPr id="4" name="Rectangle 3"/>
+          <p:cNvSpPr/>
+          <p:nvPr/>
+        </p:nvSpPr>
+        <p:spPr>
+          <a:xfrm>
+            <a:off x="0" y="0"/>
+            <a:ext cx="9144000" cy="685800"/>
+          </a:xfrm>
+          <a:prstGeom prst="rect">
+            <a:avLst/>
+          </a:prstGeom>
+          <a:solidFill>
+            <a:schemeClr val="accent1">
+              <a:lumMod val="20000"/>
+              <a:lumOff val="80000"/>
+            </a:schemeClr>
+          </a:solidFill>
+          <a:ln>
+            <a:noFill/>
+          </a:ln>
+        </p:spPr>
+        <p:style>
+          <a:lnRef idx="2">
+            <a:schemeClr val="accent1">
+              <a:shade val="50000"/>
+            </a:schemeClr>
+          </a:lnRef>
+          <a:fillRef idx="1">
+            <a:schemeClr val="accent1"/>
+          </a:fillRef>
+          <a:effectRef idx="0">
+            <a:schemeClr val="accent1"/>
+          </a:effectRef>
+          <a:fontRef idx="minor">
+            <a:schemeClr val="lt1"/>
+          </a:fontRef>
+        </p:style>
+        <p:txBody>
+          <a:bodyPr rtlCol="0" anchor="ctr"/>
+          <a:lstStyle/>
+          <a:p>
+            <a:pPr algn="ctr"/>
+            <a:endParaRPr lang="en-US" dirty="0"/>
+          </a:p>
+        </p:txBody>
+      </p:sp>
+      <p:sp>
+        <p:nvSpPr>
+          <p:cNvPr id="5" name="TextBox 4"/>
+          <p:cNvSpPr txBox="1"/>
+          <p:nvPr/>
+        </p:nvSpPr>
+        <p:spPr>
+          <a:xfrm>
+            <a:off x="76200" y="55602"/>
+            <a:ext cx="4192430" cy="553998"/>
+          </a:xfrm>
+          <a:prstGeom prst="rect">
+            <a:avLst/>
+          </a:prstGeom>
+          <a:noFill/>
+        </p:spPr>
+        <p:txBody>
+          <a:bodyPr wrap="none" rtlCol="0">
+            <a:spAutoFit/>
+          </a:bodyPr>
+          <a:lstStyle/>
+          <a:p>
+            <a:r>
+              <a:rPr lang="en-US" sz="3000" b="1" dirty="0" err="1" smtClean="0"/>
+              <a:t>Bentuk</a:t>
+            </a:r>
+            <a:r>
+              <a:rPr lang="en-US" sz="3000" b="1" dirty="0" smtClean="0"/>
+              <a:t> data </a:t>
+            </a:r>
+            <a:r>
+              <a:rPr lang="en-US" sz="3000" b="1" dirty="0" err="1" smtClean="0"/>
+              <a:t>dalam</a:t>
+            </a:r>
+            <a:r>
+              <a:rPr lang="en-US" sz="3000" b="1" dirty="0" smtClean="0"/>
+              <a:t> JSON </a:t>
+            </a:r>
+            <a:endParaRPr lang="en-US" sz="3000" b="1" dirty="0"/>
+          </a:p>
+        </p:txBody>
+      </p:sp>
+      <p:sp>
+        <p:nvSpPr>
+          <p:cNvPr id="11" name="Rectangle 10"/>
+          <p:cNvSpPr/>
+          <p:nvPr/>
+        </p:nvSpPr>
+        <p:spPr>
+          <a:xfrm>
+            <a:off x="0" y="6553200"/>
+            <a:ext cx="6858000" cy="304800"/>
+          </a:xfrm>
+          <a:prstGeom prst="rect">
+            <a:avLst/>
+          </a:prstGeom>
+          <a:ln>
+            <a:solidFill>
+              <a:schemeClr val="accent5">
+                <a:lumMod val="75000"/>
+              </a:schemeClr>
+            </a:solidFill>
+          </a:ln>
+        </p:spPr>
+        <p:style>
+          <a:lnRef idx="2">
+            <a:schemeClr val="accent1">
+              <a:shade val="50000"/>
+            </a:schemeClr>
+          </a:lnRef>
+          <a:fillRef idx="1">
+            <a:schemeClr val="accent1"/>
+          </a:fillRef>
+          <a:effectRef idx="0">
+            <a:schemeClr val="accent1"/>
+          </a:effectRef>
+          <a:fontRef idx="minor">
+            <a:schemeClr val="lt1"/>
+          </a:fontRef>
+        </p:style>
+        <p:txBody>
+          <a:bodyPr rtlCol="0" anchor="ctr"/>
+          <a:lstStyle/>
+          <a:p>
+            <a:r>
+              <a:rPr lang="en-US" dirty="0" smtClean="0"/>
+              <a:t>Mobile Computing II (</a:t>
+            </a:r>
+            <a:r>
+              <a:rPr lang="en-US" dirty="0" err="1" smtClean="0"/>
+              <a:t>Sistem</a:t>
+            </a:r>
+            <a:r>
+              <a:rPr lang="en-US" dirty="0" smtClean="0"/>
+              <a:t> </a:t>
+            </a:r>
+            <a:r>
+              <a:rPr lang="en-US" dirty="0" err="1" smtClean="0"/>
+              <a:t>Informasi</a:t>
+            </a:r>
+            <a:r>
+              <a:rPr lang="en-US" dirty="0" smtClean="0"/>
+              <a:t>)</a:t>
+            </a:r>
+            <a:endParaRPr lang="en-US" dirty="0"/>
+          </a:p>
+        </p:txBody>
+      </p:sp>
+      <p:sp>
+        <p:nvSpPr>
+          <p:cNvPr id="12" name="Rectangle 11"/>
+          <p:cNvSpPr/>
+          <p:nvPr/>
+        </p:nvSpPr>
+        <p:spPr>
+          <a:xfrm>
+            <a:off x="6858000" y="6553200"/>
+            <a:ext cx="2286000" cy="304800"/>
+          </a:xfrm>
+          <a:prstGeom prst="rect">
+            <a:avLst/>
+          </a:prstGeom>
+          <a:solidFill>
+            <a:schemeClr val="accent6">
+              <a:lumMod val="75000"/>
+            </a:schemeClr>
+          </a:solidFill>
+          <a:ln>
+            <a:solidFill>
+              <a:schemeClr val="accent6">
+                <a:lumMod val="75000"/>
+              </a:schemeClr>
+            </a:solidFill>
+          </a:ln>
+        </p:spPr>
+        <p:style>
+          <a:lnRef idx="2">
+            <a:schemeClr val="accent1">
+              <a:shade val="50000"/>
+            </a:schemeClr>
+          </a:lnRef>
+          <a:fillRef idx="1">
+            <a:schemeClr val="accent1"/>
+          </a:fillRef>
+          <a:effectRef idx="0">
+            <a:schemeClr val="accent1"/>
+          </a:effectRef>
+          <a:fontRef idx="minor">
+            <a:schemeClr val="lt1"/>
+          </a:fontRef>
+        </p:style>
+        <p:txBody>
+          <a:bodyPr rtlCol="0" anchor="ctr"/>
+          <a:lstStyle/>
+          <a:p>
+            <a:pPr algn="r"/>
+            <a:fld id="{71D00F36-FA00-435A-BA0E-2F982C1F1AA6}" type="slidenum">
+              <a:rPr lang="en-US" smtClean="0"/>
+              <a:pPr algn="r"/>
+              <a:t>8</a:t>
+            </a:fld>
+            <a:endParaRPr lang="en-US" dirty="0"/>
+          </a:p>
+        </p:txBody>
+      </p:sp>
+      <p:sp>
+        <p:nvSpPr>
+          <p:cNvPr id="7" name="Rectangle 6"/>
+          <p:cNvSpPr/>
+          <p:nvPr/>
+        </p:nvSpPr>
+        <p:spPr>
+          <a:xfrm>
+            <a:off x="152400" y="609600"/>
+            <a:ext cx="8610600" cy="830997"/>
+          </a:xfrm>
+          <a:prstGeom prst="rect">
+            <a:avLst/>
+          </a:prstGeom>
+        </p:spPr>
+        <p:txBody>
+          <a:bodyPr wrap="square">
+            <a:spAutoFit/>
+          </a:bodyPr>
+          <a:lstStyle/>
+          <a:p>
+            <a:pPr marL="342900" indent="-342900">
+              <a:buFont typeface="Wingdings" pitchFamily="2" charset="2"/>
+              <a:buChar char="ü"/>
+            </a:pPr>
+            <a:r>
+              <a:rPr lang="id-ID" sz="2400" b="1" dirty="0" smtClean="0"/>
+              <a:t>Angka</a:t>
+            </a:r>
+            <a:r>
+              <a:rPr lang="en-US" sz="2400" b="1" dirty="0" smtClean="0"/>
+              <a:t> (number)</a:t>
+            </a:r>
+            <a:r>
+              <a:rPr lang="id-ID" sz="2400" dirty="0" smtClean="0"/>
+              <a:t> adalah sangat mirip dengan angka di C atau Java, kecuali format oktal dan heksadesimal tidak digunakan</a:t>
+            </a:r>
+            <a:endParaRPr lang="en-US" sz="2400" dirty="0" smtClean="0"/>
+          </a:p>
+        </p:txBody>
+      </p:sp>
+      <p:pic>
+        <p:nvPicPr>
+          <p:cNvPr id="33794" name="Picture 2" descr="http://www.json.org/number.gif"/>
+          <p:cNvPicPr>
+            <a:picLocks noChangeAspect="1" noChangeArrowheads="1"/>
+          </p:cNvPicPr>
+          <p:nvPr/>
+        </p:nvPicPr>
+        <p:blipFill>
+          <a:blip r:embed="rId3" cstate="print"/>
+          <a:srcRect/>
+          <a:stretch>
+            <a:fillRect/>
+          </a:stretch>
+        </p:blipFill>
+        <p:spPr bwMode="auto">
+          <a:xfrm>
+            <a:off x="457200" y="1828800"/>
+            <a:ext cx="5695950" cy="2533651"/>
+          </a:xfrm>
+          <a:prstGeom prst="rect">
+            <a:avLst/>
+          </a:prstGeom>
+          <a:noFill/>
+        </p:spPr>
+      </p:pic>
+    </p:spTree>
+  </p:cSld>
+  <p:clrMapOvr>
+    <a:masterClrMapping/>
+  </p:clrMapOvr>
+  <p:transition advClick="0"/>
+  <p:timing>
+    <p:tnLst>
+      <p:par>
+        <p:cTn id="1" dur="indefinite" restart="never" nodeType="tmRoot"/>
+      </p:par>
+    </p:tnLst>
+  </p:timing>
+</p:sld>
+</file>
+
+<file path=ppt/slides/slide9.xml><?xml version="1.0" encoding="utf-8"?>
+<p:sld xmlns:a="http://schemas.openxmlformats.org/drawingml/2006/main" xmlns:r="http://schemas.openxmlformats.org/officeDocument/2006/relationships" xmlns:p="http://schemas.openxmlformats.org/presentationml/2006/main">
+  <p:cSld>
+    <p:spTree>
+      <p:nvGrpSpPr>
+        <p:cNvPr id="1" name=""/>
+        <p:cNvGrpSpPr/>
+        <p:nvPr/>
+      </p:nvGrpSpPr>
+      <p:grpSpPr>
+        <a:xfrm>
+          <a:off x="0" y="0"/>
+          <a:ext cx="0" cy="0"/>
+          <a:chOff x="0" y="0"/>
+          <a:chExt cx="0" cy="0"/>
+        </a:xfrm>
+      </p:grpSpPr>
+      <p:sp>
+        <p:nvSpPr>
+          <p:cNvPr id="4" name="Rectangle 3"/>
+          <p:cNvSpPr/>
+          <p:nvPr/>
+        </p:nvSpPr>
+        <p:spPr>
+          <a:xfrm>
+            <a:off x="0" y="0"/>
+            <a:ext cx="9144000" cy="685800"/>
+          </a:xfrm>
+          <a:prstGeom prst="rect">
+            <a:avLst/>
+          </a:prstGeom>
+          <a:solidFill>
+            <a:schemeClr val="accent1">
+              <a:lumMod val="20000"/>
+              <a:lumOff val="80000"/>
+            </a:schemeClr>
+          </a:solidFill>
+          <a:ln>
+            <a:noFill/>
+          </a:ln>
+        </p:spPr>
+        <p:style>
+          <a:lnRef idx="2">
+            <a:schemeClr val="accent1">
+              <a:shade val="50000"/>
+            </a:schemeClr>
+          </a:lnRef>
+          <a:fillRef idx="1">
+            <a:schemeClr val="accent1"/>
+          </a:fillRef>
+          <a:effectRef idx="0">
+            <a:schemeClr val="accent1"/>
+          </a:effectRef>
+          <a:fontRef idx="minor">
+            <a:schemeClr val="lt1"/>
+          </a:fontRef>
+        </p:style>
+        <p:txBody>
+          <a:bodyPr rtlCol="0" anchor="ctr"/>
+          <a:lstStyle/>
+          <a:p>
+            <a:pPr algn="ctr"/>
+            <a:endParaRPr lang="en-US" dirty="0"/>
+          </a:p>
+        </p:txBody>
+      </p:sp>
+      <p:sp>
+        <p:nvSpPr>
+          <p:cNvPr id="5" name="TextBox 4"/>
+          <p:cNvSpPr txBox="1"/>
+          <p:nvPr/>
+        </p:nvSpPr>
+        <p:spPr>
+          <a:xfrm>
+            <a:off x="76200" y="55602"/>
+            <a:ext cx="3045706" cy="553998"/>
+          </a:xfrm>
+          <a:prstGeom prst="rect">
+            <a:avLst/>
+          </a:prstGeom>
+          <a:noFill/>
+        </p:spPr>
+        <p:txBody>
+          <a:bodyPr wrap="none" rtlCol="0">
+            <a:spAutoFit/>
+          </a:bodyPr>
+          <a:lstStyle/>
+          <a:p>
+            <a:r>
+              <a:rPr lang="en-US" sz="3000" b="1" dirty="0" err="1" smtClean="0"/>
+              <a:t>Contoh</a:t>
+            </a:r>
+            <a:r>
+              <a:rPr lang="en-US" sz="3000" b="1" dirty="0" smtClean="0"/>
+              <a:t> data JSON</a:t>
+            </a:r>
+            <a:endParaRPr lang="en-US" sz="3000" b="1" dirty="0"/>
+          </a:p>
+        </p:txBody>
+      </p:sp>
+      <p:sp>
+        <p:nvSpPr>
+          <p:cNvPr id="11" name="Rectangle 10"/>
+          <p:cNvSpPr/>
+          <p:nvPr/>
+        </p:nvSpPr>
+        <p:spPr>
+          <a:xfrm>
+            <a:off x="0" y="6553200"/>
+            <a:ext cx="6858000" cy="304800"/>
+          </a:xfrm>
+          <a:prstGeom prst="rect">
+            <a:avLst/>
+          </a:prstGeom>
+          <a:ln>
+            <a:solidFill>
+              <a:schemeClr val="accent5">
+                <a:lumMod val="75000"/>
+              </a:schemeClr>
+            </a:solidFill>
+          </a:ln>
+        </p:spPr>
+        <p:style>
+          <a:lnRef idx="2">
+            <a:schemeClr val="accent1">
+              <a:shade val="50000"/>
+            </a:schemeClr>
+          </a:lnRef>
+          <a:fillRef idx="1">
+            <a:schemeClr val="accent1"/>
+          </a:fillRef>
+          <a:effectRef idx="0">
+            <a:schemeClr val="accent1"/>
+          </a:effectRef>
+          <a:fontRef idx="minor">
+            <a:schemeClr val="lt1"/>
+          </a:fontRef>
+        </p:style>
+        <p:txBody>
+          <a:bodyPr rtlCol="0" anchor="ctr"/>
+          <a:lstStyle/>
+          <a:p>
+            <a:r>
+              <a:rPr lang="en-US" dirty="0" smtClean="0"/>
+              <a:t>Mobile Computing II (</a:t>
+            </a:r>
+            <a:r>
+              <a:rPr lang="en-US" dirty="0" err="1" smtClean="0"/>
+              <a:t>Sistem</a:t>
+            </a:r>
+            <a:r>
+              <a:rPr lang="en-US" dirty="0" smtClean="0"/>
+              <a:t> </a:t>
+            </a:r>
+            <a:r>
+              <a:rPr lang="en-US" dirty="0" err="1" smtClean="0"/>
+              <a:t>Informasi</a:t>
+            </a:r>
+            <a:r>
+              <a:rPr lang="en-US" dirty="0" smtClean="0"/>
+              <a:t>)</a:t>
+            </a:r>
+            <a:endParaRPr lang="en-US" dirty="0"/>
+          </a:p>
+        </p:txBody>
+      </p:sp>
+      <p:sp>
+        <p:nvSpPr>
+          <p:cNvPr id="12" name="Rectangle 11"/>
+          <p:cNvSpPr/>
+          <p:nvPr/>
+        </p:nvSpPr>
+        <p:spPr>
+          <a:xfrm>
+            <a:off x="6858000" y="6553200"/>
+            <a:ext cx="2286000" cy="304800"/>
+          </a:xfrm>
+          <a:prstGeom prst="rect">
+            <a:avLst/>
+          </a:prstGeom>
+          <a:solidFill>
+            <a:schemeClr val="accent6">
+              <a:lumMod val="75000"/>
+            </a:schemeClr>
+          </a:solidFill>
+          <a:ln>
+            <a:solidFill>
+              <a:schemeClr val="accent6">
+                <a:lumMod val="75000"/>
+              </a:schemeClr>
+            </a:solidFill>
+          </a:ln>
+        </p:spPr>
+        <p:style>
+          <a:lnRef idx="2">
+            <a:schemeClr val="accent1">
+              <a:shade val="50000"/>
+            </a:schemeClr>
+          </a:lnRef>
+          <a:fillRef idx="1">
+            <a:schemeClr val="accent1"/>
+          </a:fillRef>
+          <a:effectRef idx="0">
+            <a:schemeClr val="accent1"/>
+          </a:effectRef>
+          <a:fontRef idx="minor">
+            <a:schemeClr val="lt1"/>
+          </a:fontRef>
+        </p:style>
+        <p:txBody>
+          <a:bodyPr rtlCol="0" anchor="ctr"/>
+          <a:lstStyle/>
+          <a:p>
+            <a:pPr algn="r"/>
+            <a:fld id="{71D00F36-FA00-435A-BA0E-2F982C1F1AA6}" type="slidenum">
+              <a:rPr lang="en-US" smtClean="0"/>
+              <a:pPr algn="r"/>
+              <a:t>9</a:t>
+            </a:fld>
+            <a:endParaRPr lang="en-US" dirty="0"/>
+          </a:p>
+        </p:txBody>
+      </p:sp>
+      <p:graphicFrame>
+        <p:nvGraphicFramePr>
+          <p:cNvPr id="8" name="Table 7"/>
+          <p:cNvGraphicFramePr>
+            <a:graphicFrameLocks noGrp="1"/>
+          </p:cNvGraphicFramePr>
+          <p:nvPr/>
+        </p:nvGraphicFramePr>
+        <p:xfrm>
+          <a:off x="786968" y="930501"/>
+          <a:ext cx="8128431" cy="4816614"/>
+        </p:xfrm>
+        <a:graphic>
+          <a:graphicData uri="http://schemas.openxmlformats.org/drawingml/2006/table">
+            <a:tbl>
+              <a:tblPr/>
+              <a:tblGrid>
+                <a:gridCol w="300922"/>
+                <a:gridCol w="7827509"/>
+              </a:tblGrid>
+              <a:tr h="158427">
+                <a:tc>
+                  <a:txBody>
+                    <a:bodyPr/>
+                    <a:lstStyle/>
+                    <a:p>
+                      <a:pPr algn="l">
+                        <a:lnSpc>
+                          <a:spcPct val="115000"/>
+                        </a:lnSpc>
+                        <a:spcAft>
+                          <a:spcPts val="0"/>
+                        </a:spcAft>
+                      </a:pPr>
+                      <a:r>
+                        <a:rPr lang="en-US" sz="900">
+                          <a:solidFill>
+                            <a:srgbClr val="365F91"/>
+                          </a:solidFill>
+                          <a:latin typeface="Calibri"/>
+                          <a:ea typeface="Times New Roman"/>
+                          <a:cs typeface="Times New Roman"/>
+                        </a:rPr>
+                        <a:t>01</a:t>
+                      </a:r>
+                      <a:endParaRPr lang="id-ID" sz="1000">
+                        <a:solidFill>
+                          <a:srgbClr val="365F91"/>
+                        </a:solidFill>
+                        <a:latin typeface="Calibri"/>
+                        <a:ea typeface="Calibri"/>
+                        <a:cs typeface="Times New Roman"/>
+                      </a:endParaRPr>
+                    </a:p>
+                  </a:txBody>
+                  <a:tcPr marL="61993" marR="61993" marT="0" marB="0">
+                    <a:lnL>
+                      <a:noFill/>
+                    </a:lnL>
+                    <a:lnR>
+                      <a:noFill/>
+                    </a:lnR>
+                    <a:lnT w="12700" cap="flat" cmpd="sng" algn="ctr">
+                      <a:solidFill>
+                        <a:srgbClr val="4F81BD"/>
+                      </a:solidFill>
+                      <a:prstDash val="solid"/>
+                      <a:round/>
+                      <a:headEnd type="none" w="med" len="med"/>
+                      <a:tailEnd type="none" w="med" len="med"/>
+                    </a:lnT>
+                    <a:lnB w="12700" cap="flat" cmpd="sng" algn="ctr">
+                      <a:solidFill>
+                        <a:srgbClr val="4F81BD"/>
+                      </a:solidFill>
+                      <a:prstDash val="solid"/>
+                      <a:round/>
+                      <a:headEnd type="none" w="med" len="med"/>
+                      <a:tailEnd type="none" w="med" len="med"/>
+                    </a:lnB>
+                  </a:tcPr>
+                </a:tc>
+                <a:tc>
+                  <a:txBody>
+                    <a:bodyPr/>
+                    <a:lstStyle/>
+                    <a:p>
+                      <a:pPr algn="l"/>
+                      <a:r>
+                        <a:rPr lang="id-ID" sz="1400" b="1" dirty="0">
+                          <a:solidFill>
+                            <a:srgbClr val="000000"/>
+                          </a:solidFill>
+                          <a:latin typeface="Calibri"/>
+                        </a:rPr>
+                        <a:t>{</a:t>
+                      </a:r>
+                      <a:endParaRPr lang="id-ID" sz="1400" dirty="0">
+                        <a:solidFill>
+                          <a:srgbClr val="365F91"/>
+                        </a:solidFill>
+                        <a:latin typeface="Calibri"/>
+                      </a:endParaRPr>
+                    </a:p>
+                  </a:txBody>
+                  <a:tcPr marL="61993" marR="61993" marT="0" marB="0">
+                    <a:lnL>
+                      <a:noFill/>
+                    </a:lnL>
+                    <a:lnR>
+                      <a:noFill/>
+                    </a:lnR>
+                    <a:lnT w="12700" cap="flat" cmpd="sng" algn="ctr">
+                      <a:solidFill>
+                        <a:srgbClr val="4F81BD"/>
+                      </a:solidFill>
+                      <a:prstDash val="solid"/>
+                      <a:round/>
+                      <a:headEnd type="none" w="med" len="med"/>
+                      <a:tailEnd type="none" w="med" len="med"/>
+                    </a:lnT>
+                    <a:lnB w="12700" cap="flat" cmpd="sng" algn="ctr">
+                      <a:solidFill>
+                        <a:srgbClr val="4F81BD"/>
+                      </a:solidFill>
+                      <a:prstDash val="solid"/>
+                      <a:round/>
+                      <a:headEnd type="none" w="med" len="med"/>
+                      <a:tailEnd type="none" w="med" len="med"/>
+                    </a:lnB>
+                  </a:tcPr>
+                </a:tc>
+              </a:tr>
+              <a:tr h="158427">
+                <a:tc>
+                  <a:txBody>
+                    <a:bodyPr/>
+                    <a:lstStyle/>
+                    <a:p>
+                      <a:pPr algn="l">
+                        <a:lnSpc>
+                          <a:spcPct val="115000"/>
+                        </a:lnSpc>
+                        <a:spcAft>
+                          <a:spcPts val="0"/>
+                        </a:spcAft>
+                      </a:pPr>
+                      <a:r>
+                        <a:rPr lang="en-US" sz="900">
+                          <a:solidFill>
+                            <a:srgbClr val="365F91"/>
+                          </a:solidFill>
+                          <a:latin typeface="Calibri"/>
+                          <a:ea typeface="Times New Roman"/>
+                          <a:cs typeface="Times New Roman"/>
+                        </a:rPr>
+                        <a:t>02</a:t>
+                      </a:r>
+                      <a:endParaRPr lang="id-ID" sz="1000">
+                        <a:solidFill>
+                          <a:srgbClr val="365F91"/>
+                        </a:solidFill>
+                        <a:latin typeface="Calibri"/>
+                        <a:ea typeface="Calibri"/>
+                        <a:cs typeface="Times New Roman"/>
+                      </a:endParaRPr>
+                    </a:p>
+                  </a:txBody>
+                  <a:tcPr marL="61993" marR="61993" marT="0" marB="0">
+                    <a:lnL>
+                      <a:noFill/>
+                    </a:lnL>
+                    <a:lnR>
+                      <a:noFill/>
+                    </a:lnR>
+                    <a:lnT w="12700" cap="flat" cmpd="sng" algn="ctr">
+                      <a:solidFill>
+                        <a:srgbClr val="4F81BD"/>
+                      </a:solidFill>
+                      <a:prstDash val="solid"/>
+                      <a:round/>
+                      <a:headEnd type="none" w="med" len="med"/>
+                      <a:tailEnd type="none" w="med" len="med"/>
+                    </a:lnT>
+                    <a:lnB w="12700" cap="flat" cmpd="sng" algn="ctr">
+                      <a:solidFill>
+                        <a:srgbClr val="000000"/>
+                      </a:solidFill>
+                      <a:prstDash val="dash"/>
+                      <a:round/>
+                      <a:headEnd type="none" w="med" len="med"/>
+                      <a:tailEnd type="none" w="med" len="med"/>
+                    </a:lnB>
+                    <a:solidFill>
+                      <a:srgbClr val="D3DFEE"/>
+                    </a:solidFill>
+                  </a:tcPr>
+                </a:tc>
+                <a:tc>
+                  <a:txBody>
+                    <a:bodyPr/>
+                    <a:lstStyle/>
+                    <a:p>
+                      <a:pPr algn="l"/>
+                      <a:r>
+                        <a:rPr lang="id-ID" sz="1400" dirty="0">
+                          <a:solidFill>
+                            <a:srgbClr val="000000"/>
+                          </a:solidFill>
+                          <a:latin typeface="Calibri"/>
+                        </a:rPr>
+                        <a:t>    "glossary": {</a:t>
+                      </a:r>
+                      <a:endParaRPr lang="id-ID" sz="1400" dirty="0">
+                        <a:solidFill>
+                          <a:srgbClr val="365F91"/>
+                        </a:solidFill>
+                        <a:latin typeface="Calibri"/>
+                      </a:endParaRPr>
+                    </a:p>
+                  </a:txBody>
+                  <a:tcPr marL="61993" marR="61993" marT="0" marB="0">
+                    <a:lnL>
+                      <a:noFill/>
+                    </a:lnL>
+                    <a:lnR>
+                      <a:noFill/>
+                    </a:lnR>
+                    <a:lnT w="12700" cap="flat" cmpd="sng" algn="ctr">
+                      <a:solidFill>
+                        <a:srgbClr val="4F81BD"/>
+                      </a:solidFill>
+                      <a:prstDash val="solid"/>
+                      <a:round/>
+                      <a:headEnd type="none" w="med" len="med"/>
+                      <a:tailEnd type="none" w="med" len="med"/>
+                    </a:lnT>
+                    <a:lnB w="12700" cap="flat" cmpd="sng" algn="ctr">
+                      <a:solidFill>
+                        <a:srgbClr val="000000"/>
+                      </a:solidFill>
+                      <a:prstDash val="dash"/>
+                      <a:round/>
+                      <a:headEnd type="none" w="med" len="med"/>
+                      <a:tailEnd type="none" w="med" len="med"/>
+                    </a:lnB>
+                    <a:solidFill>
+                      <a:srgbClr val="D3DFEE"/>
+                    </a:solidFill>
+                  </a:tcPr>
+                </a:tc>
+              </a:tr>
+              <a:tr h="158427">
+                <a:tc>
+                  <a:txBody>
+                    <a:bodyPr/>
+                    <a:lstStyle/>
+                    <a:p>
+                      <a:pPr algn="l">
+                        <a:lnSpc>
+                          <a:spcPct val="115000"/>
+                        </a:lnSpc>
+                        <a:spcAft>
+                          <a:spcPts val="0"/>
+                        </a:spcAft>
+                      </a:pPr>
+                      <a:r>
+                        <a:rPr lang="en-US" sz="900">
+                          <a:solidFill>
+                            <a:srgbClr val="365F91"/>
+                          </a:solidFill>
+                          <a:latin typeface="Calibri"/>
+                          <a:ea typeface="Times New Roman"/>
+                          <a:cs typeface="Times New Roman"/>
+                        </a:rPr>
+                        <a:t>03</a:t>
+                      </a:r>
+                      <a:endParaRPr lang="id-ID" sz="1000">
+                        <a:solidFill>
+                          <a:srgbClr val="365F91"/>
+                        </a:solidFill>
+                        <a:latin typeface="Calibri"/>
+                        <a:ea typeface="Calibri"/>
+                        <a:cs typeface="Times New Roman"/>
+                      </a:endParaRPr>
+                    </a:p>
+                  </a:txBody>
+                  <a:tcPr marL="61993" marR="61993" marT="0" marB="0">
+                    <a:lnL>
+                      <a:noFill/>
+                    </a:lnL>
+                    <a:lnR>
+                      <a:noFill/>
+                    </a:lnR>
+                    <a:lnT w="12700" cap="flat" cmpd="sng" algn="ctr">
+                      <a:solidFill>
+                        <a:srgbClr val="000000"/>
+                      </a:solidFill>
+                      <a:prstDash val="dash"/>
+                      <a:round/>
+                      <a:headEnd type="none" w="med" len="med"/>
+                      <a:tailEnd type="none" w="med" len="med"/>
+                    </a:lnT>
+                    <a:lnB w="12700" cap="flat" cmpd="sng" algn="ctr">
+                      <a:solidFill>
+                        <a:srgbClr val="000000"/>
+                      </a:solidFill>
+                      <a:prstDash val="dash"/>
+                      <a:round/>
+                      <a:headEnd type="none" w="med" len="med"/>
+                      <a:tailEnd type="none" w="med" len="med"/>
+                    </a:lnB>
+                  </a:tcPr>
+                </a:tc>
+                <a:tc>
+                  <a:txBody>
+                    <a:bodyPr/>
+                    <a:lstStyle/>
+                    <a:p>
+                      <a:pPr algn="l"/>
+                      <a:r>
+                        <a:rPr lang="id-ID" sz="1400" dirty="0">
+                          <a:solidFill>
+                            <a:srgbClr val="000000"/>
+                          </a:solidFill>
+                          <a:latin typeface="Calibri"/>
+                        </a:rPr>
+                        <a:t>        "title": "example glossary",</a:t>
+                      </a:r>
+                      <a:endParaRPr lang="id-ID" sz="1400" dirty="0">
+                        <a:solidFill>
+                          <a:srgbClr val="365F91"/>
+                        </a:solidFill>
+                        <a:latin typeface="Calibri"/>
+                      </a:endParaRPr>
+                    </a:p>
+                  </a:txBody>
+                  <a:tcPr marL="61993" marR="61993" marT="0" marB="0">
+                    <a:lnL>
+                      <a:noFill/>
+                    </a:lnL>
+                    <a:lnR>
+                      <a:noFill/>
+                    </a:lnR>
+                    <a:lnT w="12700" cap="flat" cmpd="sng" algn="ctr">
+                      <a:solidFill>
+                        <a:srgbClr val="000000"/>
+                      </a:solidFill>
+                      <a:prstDash val="dash"/>
+                      <a:round/>
+                      <a:headEnd type="none" w="med" len="med"/>
+                      <a:tailEnd type="none" w="med" len="med"/>
+                    </a:lnT>
+                    <a:lnB w="12700" cap="flat" cmpd="sng" algn="ctr">
+                      <a:solidFill>
+                        <a:srgbClr val="000000"/>
+                      </a:solidFill>
+                      <a:prstDash val="dash"/>
+                      <a:round/>
+                      <a:headEnd type="none" w="med" len="med"/>
+                      <a:tailEnd type="none" w="med" len="med"/>
+                    </a:lnB>
+                  </a:tcPr>
+                </a:tc>
+              </a:tr>
+              <a:tr h="158427">
+                <a:tc>
+                  <a:txBody>
+                    <a:bodyPr/>
+                    <a:lstStyle/>
+                    <a:p>
+                      <a:pPr algn="l">
+                        <a:lnSpc>
+                          <a:spcPct val="115000"/>
+                        </a:lnSpc>
+                        <a:spcAft>
+                          <a:spcPts val="0"/>
+                        </a:spcAft>
+                      </a:pPr>
+                      <a:r>
+                        <a:rPr lang="en-US" sz="900">
+                          <a:solidFill>
+                            <a:srgbClr val="365F91"/>
+                          </a:solidFill>
+                          <a:latin typeface="Calibri"/>
+                          <a:ea typeface="Times New Roman"/>
+                          <a:cs typeface="Times New Roman"/>
+                        </a:rPr>
+                        <a:t>04</a:t>
+                      </a:r>
+                      <a:endParaRPr lang="id-ID" sz="1000">
+                        <a:solidFill>
+                          <a:srgbClr val="365F91"/>
+                        </a:solidFill>
+                        <a:latin typeface="Calibri"/>
+                        <a:ea typeface="Calibri"/>
+                        <a:cs typeface="Times New Roman"/>
+                      </a:endParaRPr>
+                    </a:p>
+                  </a:txBody>
+                  <a:tcPr marL="61993" marR="61993" marT="0" marB="0">
+                    <a:lnL>
+                      <a:noFill/>
+                    </a:lnL>
+                    <a:lnR>
+                      <a:noFill/>
+                    </a:lnR>
+                    <a:lnT w="12700" cap="flat" cmpd="sng" algn="ctr">
+                      <a:solidFill>
+                        <a:srgbClr val="000000"/>
+                      </a:solidFill>
+                      <a:prstDash val="dash"/>
+                      <a:round/>
+                      <a:headEnd type="none" w="med" len="med"/>
+                      <a:tailEnd type="none" w="med" len="med"/>
+                    </a:lnT>
+                    <a:lnB w="12700" cap="flat" cmpd="sng" algn="ctr">
+                      <a:solidFill>
+                        <a:srgbClr val="000000"/>
+                      </a:solidFill>
+                      <a:prstDash val="dash"/>
+                      <a:round/>
+                      <a:headEnd type="none" w="med" len="med"/>
+                      <a:tailEnd type="none" w="med" len="med"/>
+                    </a:lnB>
+                    <a:solidFill>
+                      <a:srgbClr val="D3DFEE"/>
+                    </a:solidFill>
+                  </a:tcPr>
+                </a:tc>
+                <a:tc>
+                  <a:txBody>
+                    <a:bodyPr/>
+                    <a:lstStyle/>
+                    <a:p>
+                      <a:pPr algn="l"/>
+                      <a:r>
+                        <a:rPr lang="id-ID" sz="1400" dirty="0">
+                          <a:solidFill>
+                            <a:srgbClr val="000000"/>
+                          </a:solidFill>
+                          <a:latin typeface="Calibri"/>
+                        </a:rPr>
+                        <a:t>	</a:t>
+                      </a:r>
+                      <a:r>
+                        <a:rPr lang="id-ID" sz="1400" dirty="0" smtClean="0">
+                          <a:solidFill>
+                            <a:srgbClr val="000000"/>
+                          </a:solidFill>
+                          <a:latin typeface="Calibri"/>
+                        </a:rPr>
+                        <a:t>"</a:t>
+                      </a:r>
+                      <a:r>
+                        <a:rPr lang="id-ID" sz="1400" dirty="0">
+                          <a:solidFill>
+                            <a:srgbClr val="000000"/>
+                          </a:solidFill>
+                          <a:latin typeface="Calibri"/>
+                        </a:rPr>
+                        <a:t>GlossDiv": {</a:t>
+                      </a:r>
+                      <a:endParaRPr lang="id-ID" sz="1400" dirty="0">
+                        <a:solidFill>
+                          <a:srgbClr val="365F91"/>
+                        </a:solidFill>
+                        <a:latin typeface="Calibri"/>
+                      </a:endParaRPr>
+                    </a:p>
+                  </a:txBody>
+                  <a:tcPr marL="61993" marR="61993" marT="0" marB="0">
+                    <a:lnL>
+                      <a:noFill/>
+                    </a:lnL>
+                    <a:lnR>
+                      <a:noFill/>
+                    </a:lnR>
+                    <a:lnT w="12700" cap="flat" cmpd="sng" algn="ctr">
+                      <a:solidFill>
+                        <a:srgbClr val="000000"/>
+                      </a:solidFill>
+                      <a:prstDash val="dash"/>
+                      <a:round/>
+                      <a:headEnd type="none" w="med" len="med"/>
+                      <a:tailEnd type="none" w="med" len="med"/>
+                    </a:lnT>
+                    <a:lnB w="12700" cap="flat" cmpd="sng" algn="ctr">
+                      <a:solidFill>
+                        <a:srgbClr val="000000"/>
+                      </a:solidFill>
+                      <a:prstDash val="dash"/>
+                      <a:round/>
+                      <a:headEnd type="none" w="med" len="med"/>
+                      <a:tailEnd type="none" w="med" len="med"/>
+                    </a:lnB>
+                    <a:solidFill>
+                      <a:srgbClr val="D3DFEE"/>
+                    </a:solidFill>
+                  </a:tcPr>
+                </a:tc>
+              </a:tr>
+              <a:tr h="158427">
+                <a:tc>
+                  <a:txBody>
+                    <a:bodyPr/>
+                    <a:lstStyle/>
+                    <a:p>
+                      <a:pPr algn="l">
+                        <a:lnSpc>
+                          <a:spcPct val="115000"/>
+                        </a:lnSpc>
+                        <a:spcAft>
+                          <a:spcPts val="0"/>
+                        </a:spcAft>
+                      </a:pPr>
+                      <a:r>
+                        <a:rPr lang="en-US" sz="900">
+                          <a:solidFill>
+                            <a:srgbClr val="365F91"/>
+                          </a:solidFill>
+                          <a:latin typeface="Calibri"/>
+                          <a:ea typeface="Times New Roman"/>
+                          <a:cs typeface="Times New Roman"/>
+                        </a:rPr>
+                        <a:t>05</a:t>
+                      </a:r>
+                      <a:endParaRPr lang="id-ID" sz="1000">
+                        <a:solidFill>
+                          <a:srgbClr val="365F91"/>
+                        </a:solidFill>
+                        <a:latin typeface="Calibri"/>
+                        <a:ea typeface="Calibri"/>
+                        <a:cs typeface="Times New Roman"/>
+                      </a:endParaRPr>
+                    </a:p>
+                  </a:txBody>
+                  <a:tcPr marL="61993" marR="61993" marT="0" marB="0">
+                    <a:lnL>
+                      <a:noFill/>
+                    </a:lnL>
+                    <a:lnR>
+                      <a:noFill/>
+                    </a:lnR>
+                    <a:lnT w="12700" cap="flat" cmpd="sng" algn="ctr">
+                      <a:solidFill>
+                        <a:srgbClr val="000000"/>
+                      </a:solidFill>
+                      <a:prstDash val="dash"/>
+                      <a:round/>
+                      <a:headEnd type="none" w="med" len="med"/>
+                      <a:tailEnd type="none" w="med" len="med"/>
+                    </a:lnT>
+                    <a:lnB w="12700" cap="flat" cmpd="sng" algn="ctr">
+                      <a:solidFill>
+                        <a:srgbClr val="000000"/>
+                      </a:solidFill>
+                      <a:prstDash val="dash"/>
+                      <a:round/>
+                      <a:headEnd type="none" w="med" len="med"/>
+                      <a:tailEnd type="none" w="med" len="med"/>
+                    </a:lnB>
+                  </a:tcPr>
+                </a:tc>
+                <a:tc>
+                  <a:txBody>
+                    <a:bodyPr/>
+                    <a:lstStyle/>
+                    <a:p>
+                      <a:pPr algn="l"/>
+                      <a:r>
+                        <a:rPr lang="en-US" sz="1400" dirty="0">
+                          <a:solidFill>
+                            <a:srgbClr val="000000"/>
+                          </a:solidFill>
+                          <a:latin typeface="Calibri"/>
+                        </a:rPr>
+                        <a:t> </a:t>
+                      </a:r>
+                      <a:r>
+                        <a:rPr lang="id-ID" sz="1400" dirty="0">
+                          <a:solidFill>
+                            <a:srgbClr val="000000"/>
+                          </a:solidFill>
+                          <a:latin typeface="Calibri"/>
+                        </a:rPr>
+                        <a:t>           "title": "S",</a:t>
+                      </a:r>
+                      <a:endParaRPr lang="id-ID" sz="1400" dirty="0">
+                        <a:solidFill>
+                          <a:srgbClr val="365F91"/>
+                        </a:solidFill>
+                        <a:latin typeface="Calibri"/>
+                      </a:endParaRPr>
+                    </a:p>
+                  </a:txBody>
+                  <a:tcPr marL="61993" marR="61993" marT="0" marB="0">
+                    <a:lnL>
+                      <a:noFill/>
+                    </a:lnL>
+                    <a:lnR>
+                      <a:noFill/>
+                    </a:lnR>
+                    <a:lnT w="12700" cap="flat" cmpd="sng" algn="ctr">
+                      <a:solidFill>
+                        <a:srgbClr val="000000"/>
+                      </a:solidFill>
+                      <a:prstDash val="dash"/>
+                      <a:round/>
+                      <a:headEnd type="none" w="med" len="med"/>
+                      <a:tailEnd type="none" w="med" len="med"/>
+                    </a:lnT>
+                    <a:lnB w="12700" cap="flat" cmpd="sng" algn="ctr">
+                      <a:solidFill>
+                        <a:srgbClr val="000000"/>
+                      </a:solidFill>
+                      <a:prstDash val="dash"/>
+                      <a:round/>
+                      <a:headEnd type="none" w="med" len="med"/>
+                      <a:tailEnd type="none" w="med" len="med"/>
+                    </a:lnB>
+                  </a:tcPr>
+                </a:tc>
+              </a:tr>
+              <a:tr h="158427">
+                <a:tc>
+                  <a:txBody>
+                    <a:bodyPr/>
+                    <a:lstStyle/>
+                    <a:p>
+                      <a:pPr algn="l">
+                        <a:lnSpc>
+                          <a:spcPct val="115000"/>
+                        </a:lnSpc>
+                        <a:spcAft>
+                          <a:spcPts val="0"/>
+                        </a:spcAft>
+                      </a:pPr>
+                      <a:r>
+                        <a:rPr lang="en-US" sz="900">
+                          <a:solidFill>
+                            <a:srgbClr val="365F91"/>
+                          </a:solidFill>
+                          <a:latin typeface="Calibri"/>
+                          <a:ea typeface="Times New Roman"/>
+                          <a:cs typeface="Times New Roman"/>
+                        </a:rPr>
+                        <a:t>06</a:t>
+                      </a:r>
+                      <a:endParaRPr lang="id-ID" sz="1000">
+                        <a:solidFill>
+                          <a:srgbClr val="365F91"/>
+                        </a:solidFill>
+                        <a:latin typeface="Calibri"/>
+                        <a:ea typeface="Calibri"/>
+                        <a:cs typeface="Times New Roman"/>
+                      </a:endParaRPr>
+                    </a:p>
+                  </a:txBody>
+                  <a:tcPr marL="61993" marR="61993" marT="0" marB="0">
+                    <a:lnL>
+                      <a:noFill/>
+                    </a:lnL>
+                    <a:lnR>
+                      <a:noFill/>
+                    </a:lnR>
+                    <a:lnT w="12700" cap="flat" cmpd="sng" algn="ctr">
+                      <a:solidFill>
+                        <a:srgbClr val="000000"/>
+                      </a:solidFill>
+                      <a:prstDash val="dash"/>
+                      <a:round/>
+                      <a:headEnd type="none" w="med" len="med"/>
+                      <a:tailEnd type="none" w="med" len="med"/>
+                    </a:lnT>
+                    <a:lnB w="12700" cap="flat" cmpd="sng" algn="ctr">
+                      <a:solidFill>
+                        <a:srgbClr val="000000"/>
+                      </a:solidFill>
+                      <a:prstDash val="dash"/>
+                      <a:round/>
+                      <a:headEnd type="none" w="med" len="med"/>
+                      <a:tailEnd type="none" w="med" len="med"/>
+                    </a:lnB>
+                    <a:solidFill>
+                      <a:srgbClr val="D3DFEE"/>
+                    </a:solidFill>
+                  </a:tcPr>
+                </a:tc>
+                <a:tc>
+                  <a:txBody>
+                    <a:bodyPr/>
+                    <a:lstStyle/>
+                    <a:p>
+                      <a:pPr algn="l"/>
+                      <a:r>
+                        <a:rPr lang="id-ID" sz="1400" dirty="0">
+                          <a:solidFill>
+                            <a:srgbClr val="000000"/>
+                          </a:solidFill>
+                          <a:latin typeface="Calibri"/>
+                        </a:rPr>
+                        <a:t>	</a:t>
+                      </a:r>
+                      <a:r>
+                        <a:rPr lang="id-ID" sz="1400" dirty="0" smtClean="0">
+                          <a:solidFill>
+                            <a:srgbClr val="000000"/>
+                          </a:solidFill>
+                          <a:latin typeface="Calibri"/>
+                        </a:rPr>
+                        <a:t>"</a:t>
+                      </a:r>
+                      <a:r>
+                        <a:rPr lang="id-ID" sz="1400" dirty="0">
+                          <a:solidFill>
+                            <a:srgbClr val="000000"/>
+                          </a:solidFill>
+                          <a:latin typeface="Calibri"/>
+                        </a:rPr>
+                        <a:t>GlossList": {</a:t>
+                      </a:r>
+                      <a:endParaRPr lang="id-ID" sz="1400" dirty="0">
+                        <a:solidFill>
+                          <a:srgbClr val="365F91"/>
+                        </a:solidFill>
+                        <a:latin typeface="Calibri"/>
+                      </a:endParaRPr>
+                    </a:p>
+                  </a:txBody>
+                  <a:tcPr marL="61993" marR="61993" marT="0" marB="0">
+                    <a:lnL>
+                      <a:noFill/>
+                    </a:lnL>
+                    <a:lnR>
+                      <a:noFill/>
+                    </a:lnR>
+                    <a:lnT w="12700" cap="flat" cmpd="sng" algn="ctr">
+                      <a:solidFill>
+                        <a:srgbClr val="000000"/>
+                      </a:solidFill>
+                      <a:prstDash val="dash"/>
+                      <a:round/>
+                      <a:headEnd type="none" w="med" len="med"/>
+                      <a:tailEnd type="none" w="med" len="med"/>
+                    </a:lnT>
+                    <a:lnB w="12700" cap="flat" cmpd="sng" algn="ctr">
+                      <a:solidFill>
+                        <a:srgbClr val="000000"/>
+                      </a:solidFill>
+                      <a:prstDash val="dash"/>
+                      <a:round/>
+                      <a:headEnd type="none" w="med" len="med"/>
+                      <a:tailEnd type="none" w="med" len="med"/>
+                    </a:lnB>
+                    <a:solidFill>
+                      <a:srgbClr val="D3DFEE"/>
+                    </a:solidFill>
+                  </a:tcPr>
+                </a:tc>
+              </a:tr>
+              <a:tr h="158427">
+                <a:tc>
+                  <a:txBody>
+                    <a:bodyPr/>
+                    <a:lstStyle/>
+                    <a:p>
+                      <a:pPr algn="l">
+                        <a:lnSpc>
+                          <a:spcPct val="115000"/>
+                        </a:lnSpc>
+                        <a:spcAft>
+                          <a:spcPts val="0"/>
+                        </a:spcAft>
+                      </a:pPr>
+                      <a:r>
+                        <a:rPr lang="en-US" sz="900">
+                          <a:solidFill>
+                            <a:srgbClr val="365F91"/>
+                          </a:solidFill>
+                          <a:latin typeface="Calibri"/>
+                          <a:ea typeface="Times New Roman"/>
+                          <a:cs typeface="Times New Roman"/>
+                        </a:rPr>
+                        <a:t>07</a:t>
+                      </a:r>
+                      <a:endParaRPr lang="id-ID" sz="1000">
+                        <a:solidFill>
+                          <a:srgbClr val="365F91"/>
+                        </a:solidFill>
+                        <a:latin typeface="Calibri"/>
+                        <a:ea typeface="Calibri"/>
+                        <a:cs typeface="Times New Roman"/>
+                      </a:endParaRPr>
+                    </a:p>
+                  </a:txBody>
+                  <a:tcPr marL="61993" marR="61993" marT="0" marB="0">
+                    <a:lnL>
+                      <a:noFill/>
+                    </a:lnL>
+                    <a:lnR>
+                      <a:noFill/>
+                    </a:lnR>
+                    <a:lnT w="12700" cap="flat" cmpd="sng" algn="ctr">
+                      <a:solidFill>
+                        <a:srgbClr val="000000"/>
+                      </a:solidFill>
+                      <a:prstDash val="dash"/>
+                      <a:round/>
+                      <a:headEnd type="none" w="med" len="med"/>
+                      <a:tailEnd type="none" w="med" len="med"/>
+                    </a:lnT>
+                    <a:lnB w="12700" cap="flat" cmpd="sng" algn="ctr">
+                      <a:solidFill>
+                        <a:srgbClr val="000000"/>
+                      </a:solidFill>
+                      <a:prstDash val="dash"/>
+                      <a:round/>
+                      <a:headEnd type="none" w="med" len="med"/>
+                      <a:tailEnd type="none" w="med" len="med"/>
+                    </a:lnB>
+                  </a:tcPr>
+                </a:tc>
+                <a:tc>
+                  <a:txBody>
+                    <a:bodyPr/>
+                    <a:lstStyle/>
+                    <a:p>
+                      <a:pPr algn="l"/>
+                      <a:r>
+                        <a:rPr lang="id-ID" sz="1400">
+                          <a:solidFill>
+                            <a:srgbClr val="000000"/>
+                          </a:solidFill>
+                          <a:latin typeface="Calibri"/>
+                        </a:rPr>
+                        <a:t>                "GlossEntry": {</a:t>
+                      </a:r>
+                      <a:endParaRPr lang="id-ID" sz="1400">
+                        <a:solidFill>
+                          <a:srgbClr val="365F91"/>
+                        </a:solidFill>
+                        <a:latin typeface="Calibri"/>
+                      </a:endParaRPr>
+                    </a:p>
+                  </a:txBody>
+                  <a:tcPr marL="61993" marR="61993" marT="0" marB="0">
+                    <a:lnL>
+                      <a:noFill/>
+                    </a:lnL>
+                    <a:lnR>
+                      <a:noFill/>
+                    </a:lnR>
+                    <a:lnT w="12700" cap="flat" cmpd="sng" algn="ctr">
+                      <a:solidFill>
+                        <a:srgbClr val="000000"/>
+                      </a:solidFill>
+                      <a:prstDash val="dash"/>
+                      <a:round/>
+                      <a:headEnd type="none" w="med" len="med"/>
+                      <a:tailEnd type="none" w="med" len="med"/>
+                    </a:lnT>
+                    <a:lnB w="12700" cap="flat" cmpd="sng" algn="ctr">
+                      <a:solidFill>
+                        <a:srgbClr val="000000"/>
+                      </a:solidFill>
+                      <a:prstDash val="dash"/>
+                      <a:round/>
+                      <a:headEnd type="none" w="med" len="med"/>
+                      <a:tailEnd type="none" w="med" len="med"/>
+                    </a:lnB>
+                  </a:tcPr>
+                </a:tc>
+              </a:tr>
+              <a:tr h="158427">
+                <a:tc>
+                  <a:txBody>
+                    <a:bodyPr/>
+                    <a:lstStyle/>
+                    <a:p>
+                      <a:pPr algn="l">
+                        <a:lnSpc>
+                          <a:spcPct val="115000"/>
+                        </a:lnSpc>
+                        <a:spcAft>
+                          <a:spcPts val="0"/>
+                        </a:spcAft>
+                      </a:pPr>
+                      <a:r>
+                        <a:rPr lang="en-US" sz="900">
+                          <a:solidFill>
+                            <a:srgbClr val="365F91"/>
+                          </a:solidFill>
+                          <a:latin typeface="Calibri"/>
+                          <a:ea typeface="Times New Roman"/>
+                          <a:cs typeface="Times New Roman"/>
+                        </a:rPr>
+                        <a:t>08</a:t>
+                      </a:r>
+                      <a:endParaRPr lang="id-ID" sz="1000">
+                        <a:solidFill>
+                          <a:srgbClr val="365F91"/>
+                        </a:solidFill>
+                        <a:latin typeface="Calibri"/>
+                        <a:ea typeface="Calibri"/>
+                        <a:cs typeface="Times New Roman"/>
+                      </a:endParaRPr>
+                    </a:p>
+                  </a:txBody>
+                  <a:tcPr marL="61993" marR="61993" marT="0" marB="0">
+                    <a:lnL>
+                      <a:noFill/>
+                    </a:lnL>
+                    <a:lnR>
+                      <a:noFill/>
+                    </a:lnR>
+                    <a:lnT w="12700" cap="flat" cmpd="sng" algn="ctr">
+                      <a:solidFill>
+                        <a:srgbClr val="000000"/>
+                      </a:solidFill>
+                      <a:prstDash val="dash"/>
+                      <a:round/>
+                      <a:headEnd type="none" w="med" len="med"/>
+                      <a:tailEnd type="none" w="med" len="med"/>
+                    </a:lnT>
+                    <a:lnB w="12700" cap="flat" cmpd="sng" algn="ctr">
+                      <a:solidFill>
+                        <a:srgbClr val="000000"/>
+                      </a:solidFill>
+                      <a:prstDash val="dash"/>
+                      <a:round/>
+                      <a:headEnd type="none" w="med" len="med"/>
+                      <a:tailEnd type="none" w="med" len="med"/>
+                    </a:lnB>
+                    <a:solidFill>
+                      <a:srgbClr val="D3DFEE"/>
+                    </a:solidFill>
+                  </a:tcPr>
+                </a:tc>
+                <a:tc>
+                  <a:txBody>
+                    <a:bodyPr/>
+                    <a:lstStyle/>
+                    <a:p>
+                      <a:pPr algn="l"/>
+                      <a:r>
+                        <a:rPr lang="id-ID" sz="1400">
+                          <a:solidFill>
+                            <a:srgbClr val="000000"/>
+                          </a:solidFill>
+                          <a:latin typeface="Calibri"/>
+                        </a:rPr>
+                        <a:t>                    "ID": "SGML",</a:t>
+                      </a:r>
+                      <a:endParaRPr lang="id-ID" sz="1400">
+                        <a:solidFill>
+                          <a:srgbClr val="365F91"/>
+                        </a:solidFill>
+                        <a:latin typeface="Calibri"/>
+                      </a:endParaRPr>
+                    </a:p>
+                  </a:txBody>
+                  <a:tcPr marL="61993" marR="61993" marT="0" marB="0">
+                    <a:lnL>
+                      <a:noFill/>
+                    </a:lnL>
+                    <a:lnR>
+                      <a:noFill/>
+                    </a:lnR>
+                    <a:lnT w="12700" cap="flat" cmpd="sng" algn="ctr">
+                      <a:solidFill>
+                        <a:srgbClr val="000000"/>
+                      </a:solidFill>
+                      <a:prstDash val="dash"/>
+                      <a:round/>
+                      <a:headEnd type="none" w="med" len="med"/>
+                      <a:tailEnd type="none" w="med" len="med"/>
+                    </a:lnT>
+                    <a:lnB w="12700" cap="flat" cmpd="sng" algn="ctr">
+                      <a:solidFill>
+                        <a:srgbClr val="000000"/>
+                      </a:solidFill>
+                      <a:prstDash val="dash"/>
+                      <a:round/>
+                      <a:headEnd type="none" w="med" len="med"/>
+                      <a:tailEnd type="none" w="med" len="med"/>
+                    </a:lnB>
+                    <a:solidFill>
+                      <a:srgbClr val="D3DFEE"/>
+                    </a:solidFill>
+                  </a:tcPr>
+                </a:tc>
+              </a:tr>
+              <a:tr h="158427">
+                <a:tc>
+                  <a:txBody>
+                    <a:bodyPr/>
+                    <a:lstStyle/>
+                    <a:p>
+                      <a:pPr algn="l">
+                        <a:lnSpc>
+                          <a:spcPct val="115000"/>
+                        </a:lnSpc>
+                        <a:spcAft>
+                          <a:spcPts val="0"/>
+                        </a:spcAft>
+                      </a:pPr>
+                      <a:r>
+                        <a:rPr lang="en-US" sz="900">
+                          <a:solidFill>
+                            <a:srgbClr val="365F91"/>
+                          </a:solidFill>
+                          <a:latin typeface="Calibri"/>
+                          <a:ea typeface="Times New Roman"/>
+                          <a:cs typeface="Times New Roman"/>
+                        </a:rPr>
+                        <a:t>09</a:t>
+                      </a:r>
+                      <a:endParaRPr lang="id-ID" sz="1000">
+                        <a:solidFill>
+                          <a:srgbClr val="365F91"/>
+                        </a:solidFill>
+                        <a:latin typeface="Calibri"/>
+                        <a:ea typeface="Calibri"/>
+                        <a:cs typeface="Times New Roman"/>
+                      </a:endParaRPr>
+                    </a:p>
+                  </a:txBody>
+                  <a:tcPr marL="61993" marR="61993" marT="0" marB="0">
+                    <a:lnL>
+                      <a:noFill/>
+                    </a:lnL>
+                    <a:lnR>
+                      <a:noFill/>
+                    </a:lnR>
+                    <a:lnT w="12700" cap="flat" cmpd="sng" algn="ctr">
+                      <a:solidFill>
+                        <a:srgbClr val="000000"/>
+                      </a:solidFill>
+                      <a:prstDash val="dash"/>
+                      <a:round/>
+                      <a:headEnd type="none" w="med" len="med"/>
+                      <a:tailEnd type="none" w="med" len="med"/>
+                    </a:lnT>
+                    <a:lnB w="12700" cap="flat" cmpd="sng" algn="ctr">
+                      <a:solidFill>
+                        <a:srgbClr val="000000"/>
+                      </a:solidFill>
+                      <a:prstDash val="dash"/>
+                      <a:round/>
+                      <a:headEnd type="none" w="med" len="med"/>
+                      <a:tailEnd type="none" w="med" len="med"/>
+                    </a:lnB>
+                  </a:tcPr>
+                </a:tc>
+                <a:tc>
+                  <a:txBody>
+                    <a:bodyPr/>
+                    <a:lstStyle/>
+                    <a:p>
+                      <a:pPr algn="l"/>
+                      <a:r>
+                        <a:rPr lang="id-ID" sz="1400" dirty="0">
+                          <a:solidFill>
+                            <a:srgbClr val="000000"/>
+                          </a:solidFill>
+                          <a:latin typeface="Calibri"/>
+                        </a:rPr>
+                        <a:t>	</a:t>
+                      </a:r>
+                      <a:r>
+                        <a:rPr lang="id-ID" sz="1400" dirty="0" smtClean="0">
+                          <a:solidFill>
+                            <a:srgbClr val="000000"/>
+                          </a:solidFill>
+                          <a:latin typeface="Calibri"/>
+                        </a:rPr>
+                        <a:t>"</a:t>
+                      </a:r>
+                      <a:r>
+                        <a:rPr lang="id-ID" sz="1400" dirty="0">
+                          <a:solidFill>
+                            <a:srgbClr val="000000"/>
+                          </a:solidFill>
+                          <a:latin typeface="Calibri"/>
+                        </a:rPr>
+                        <a:t>SortAs": "SGML",</a:t>
+                      </a:r>
+                      <a:endParaRPr lang="id-ID" sz="1400" dirty="0">
+                        <a:solidFill>
+                          <a:srgbClr val="365F91"/>
+                        </a:solidFill>
+                        <a:latin typeface="Calibri"/>
+                      </a:endParaRPr>
+                    </a:p>
+                  </a:txBody>
+                  <a:tcPr marL="61993" marR="61993" marT="0" marB="0">
+                    <a:lnL>
+                      <a:noFill/>
+                    </a:lnL>
+                    <a:lnR>
+                      <a:noFill/>
+                    </a:lnR>
+                    <a:lnT w="12700" cap="flat" cmpd="sng" algn="ctr">
+                      <a:solidFill>
+                        <a:srgbClr val="000000"/>
+                      </a:solidFill>
+                      <a:prstDash val="dash"/>
+                      <a:round/>
+                      <a:headEnd type="none" w="med" len="med"/>
+                      <a:tailEnd type="none" w="med" len="med"/>
+                    </a:lnT>
+                    <a:lnB w="12700" cap="flat" cmpd="sng" algn="ctr">
+                      <a:solidFill>
+                        <a:srgbClr val="000000"/>
+                      </a:solidFill>
+                      <a:prstDash val="dash"/>
+                      <a:round/>
+                      <a:headEnd type="none" w="med" len="med"/>
+                      <a:tailEnd type="none" w="med" len="med"/>
+                    </a:lnB>
+                  </a:tcPr>
+                </a:tc>
+              </a:tr>
+              <a:tr h="109176">
+                <a:tc>
+                  <a:txBody>
+                    <a:bodyPr/>
+                    <a:lstStyle/>
+                    <a:p>
+                      <a:pPr algn="l">
+                        <a:lnSpc>
+                          <a:spcPct val="115000"/>
+                        </a:lnSpc>
+                        <a:spcAft>
+                          <a:spcPts val="0"/>
+                        </a:spcAft>
+                      </a:pPr>
+                      <a:r>
+                        <a:rPr lang="en-US" sz="900">
+                          <a:solidFill>
+                            <a:srgbClr val="365F91"/>
+                          </a:solidFill>
+                          <a:latin typeface="Calibri"/>
+                          <a:ea typeface="Times New Roman"/>
+                          <a:cs typeface="Times New Roman"/>
+                        </a:rPr>
+                        <a:t>10</a:t>
+                      </a:r>
+                      <a:endParaRPr lang="id-ID" sz="1000">
+                        <a:solidFill>
+                          <a:srgbClr val="365F91"/>
+                        </a:solidFill>
+                        <a:latin typeface="Calibri"/>
+                        <a:ea typeface="Calibri"/>
+                        <a:cs typeface="Times New Roman"/>
+                      </a:endParaRPr>
+                    </a:p>
+                  </a:txBody>
+                  <a:tcPr marL="61993" marR="61993" marT="0" marB="0">
+                    <a:lnL>
+                      <a:noFill/>
+                    </a:lnL>
+                    <a:lnR>
+                      <a:noFill/>
+                    </a:lnR>
+                    <a:lnT w="12700" cap="flat" cmpd="sng" algn="ctr">
+                      <a:solidFill>
+                        <a:srgbClr val="000000"/>
+                      </a:solidFill>
+                      <a:prstDash val="dash"/>
+                      <a:round/>
+                      <a:headEnd type="none" w="med" len="med"/>
+                      <a:tailEnd type="none" w="med" len="med"/>
+                    </a:lnT>
+                    <a:lnB w="12700" cap="flat" cmpd="sng" algn="ctr">
+                      <a:solidFill>
+                        <a:srgbClr val="000000"/>
+                      </a:solidFill>
+                      <a:prstDash val="dash"/>
+                      <a:round/>
+                      <a:headEnd type="none" w="med" len="med"/>
+                      <a:tailEnd type="none" w="med" len="med"/>
+                    </a:lnB>
+                    <a:solidFill>
+                      <a:srgbClr val="D3DFEE"/>
+                    </a:solidFill>
+                  </a:tcPr>
+                </a:tc>
+                <a:tc>
+                  <a:txBody>
+                    <a:bodyPr/>
+                    <a:lstStyle/>
+                    <a:p>
+                      <a:pPr algn="l"/>
+                      <a:r>
+                        <a:rPr lang="id-ID" sz="1400" dirty="0">
+                          <a:solidFill>
+                            <a:srgbClr val="000000"/>
+                          </a:solidFill>
+                          <a:latin typeface="Calibri"/>
+                        </a:rPr>
+                        <a:t>	</a:t>
+                      </a:r>
+                      <a:r>
+                        <a:rPr lang="id-ID" sz="1400" dirty="0" smtClean="0">
+                          <a:solidFill>
+                            <a:srgbClr val="000000"/>
+                          </a:solidFill>
+                          <a:latin typeface="Calibri"/>
+                        </a:rPr>
+                        <a:t>"</a:t>
+                      </a:r>
+                      <a:r>
+                        <a:rPr lang="id-ID" sz="1400" dirty="0">
+                          <a:solidFill>
+                            <a:srgbClr val="000000"/>
+                          </a:solidFill>
+                          <a:latin typeface="Calibri"/>
+                        </a:rPr>
+                        <a:t>GlossTerm": "Standard Generalized Markup Language",</a:t>
+                      </a:r>
+                      <a:endParaRPr lang="id-ID" sz="1400" dirty="0">
+                        <a:solidFill>
+                          <a:srgbClr val="365F91"/>
+                        </a:solidFill>
+                        <a:latin typeface="Calibri"/>
+                      </a:endParaRPr>
+                    </a:p>
+                  </a:txBody>
+                  <a:tcPr marL="61993" marR="61993" marT="0" marB="0">
+                    <a:lnL>
+                      <a:noFill/>
+                    </a:lnL>
+                    <a:lnR>
+                      <a:noFill/>
+                    </a:lnR>
+                    <a:lnT w="12700" cap="flat" cmpd="sng" algn="ctr">
+                      <a:solidFill>
+                        <a:srgbClr val="000000"/>
+                      </a:solidFill>
+                      <a:prstDash val="dash"/>
+                      <a:round/>
+                      <a:headEnd type="none" w="med" len="med"/>
+                      <a:tailEnd type="none" w="med" len="med"/>
+                    </a:lnT>
+                    <a:lnB w="12700" cap="flat" cmpd="sng" algn="ctr">
+                      <a:solidFill>
+                        <a:srgbClr val="000000"/>
+                      </a:solidFill>
+                      <a:prstDash val="dash"/>
+                      <a:round/>
+                      <a:headEnd type="none" w="med" len="med"/>
+                      <a:tailEnd type="none" w="med" len="med"/>
+                    </a:lnB>
+                    <a:solidFill>
+                      <a:srgbClr val="D3DFEE"/>
+                    </a:solidFill>
+                  </a:tcPr>
+                </a:tc>
+              </a:tr>
+              <a:tr h="158427">
+                <a:tc>
+                  <a:txBody>
+                    <a:bodyPr/>
+                    <a:lstStyle/>
+                    <a:p>
+                      <a:pPr algn="l">
+                        <a:lnSpc>
+                          <a:spcPct val="115000"/>
+                        </a:lnSpc>
+                        <a:spcAft>
+                          <a:spcPts val="0"/>
+                        </a:spcAft>
+                      </a:pPr>
+                      <a:r>
+                        <a:rPr lang="en-US" sz="900">
+                          <a:solidFill>
+                            <a:srgbClr val="365F91"/>
+                          </a:solidFill>
+                          <a:latin typeface="Calibri"/>
+                          <a:ea typeface="Times New Roman"/>
+                          <a:cs typeface="Times New Roman"/>
+                        </a:rPr>
+                        <a:t>11</a:t>
+                      </a:r>
+                      <a:endParaRPr lang="id-ID" sz="1000">
+                        <a:solidFill>
+                          <a:srgbClr val="365F91"/>
+                        </a:solidFill>
+                        <a:latin typeface="Calibri"/>
+                        <a:ea typeface="Calibri"/>
+                        <a:cs typeface="Times New Roman"/>
+                      </a:endParaRPr>
+                    </a:p>
+                  </a:txBody>
+                  <a:tcPr marL="61993" marR="61993" marT="0" marB="0">
+                    <a:lnL>
+                      <a:noFill/>
+                    </a:lnL>
+                    <a:lnR>
+                      <a:noFill/>
+                    </a:lnR>
+                    <a:lnT w="12700" cap="flat" cmpd="sng" algn="ctr">
+                      <a:solidFill>
+                        <a:srgbClr val="000000"/>
+                      </a:solidFill>
+                      <a:prstDash val="dash"/>
+                      <a:round/>
+                      <a:headEnd type="none" w="med" len="med"/>
+                      <a:tailEnd type="none" w="med" len="med"/>
+                    </a:lnT>
+                    <a:lnB w="12700" cap="flat" cmpd="sng" algn="ctr">
+                      <a:solidFill>
+                        <a:srgbClr val="000000"/>
+                      </a:solidFill>
+                      <a:prstDash val="dash"/>
+                      <a:round/>
+                      <a:headEnd type="none" w="med" len="med"/>
+                      <a:tailEnd type="none" w="med" len="med"/>
+                    </a:lnB>
+                  </a:tcPr>
+                </a:tc>
+                <a:tc>
+                  <a:txBody>
+                    <a:bodyPr/>
+                    <a:lstStyle/>
+                    <a:p>
+                      <a:pPr algn="l"/>
+                      <a:r>
+                        <a:rPr lang="id-ID" sz="1400" dirty="0">
+                          <a:solidFill>
+                            <a:srgbClr val="000000"/>
+                          </a:solidFill>
+                          <a:latin typeface="Calibri"/>
+                        </a:rPr>
+                        <a:t>	</a:t>
+                      </a:r>
+                      <a:r>
+                        <a:rPr lang="id-ID" sz="1400" dirty="0" smtClean="0">
+                          <a:solidFill>
+                            <a:srgbClr val="000000"/>
+                          </a:solidFill>
+                          <a:latin typeface="Calibri"/>
+                        </a:rPr>
+                        <a:t>"</a:t>
+                      </a:r>
+                      <a:r>
+                        <a:rPr lang="id-ID" sz="1400" dirty="0">
+                          <a:solidFill>
+                            <a:srgbClr val="000000"/>
+                          </a:solidFill>
+                          <a:latin typeface="Calibri"/>
+                        </a:rPr>
+                        <a:t>Acronym": "SGML",</a:t>
+                      </a:r>
+                      <a:endParaRPr lang="id-ID" sz="1400" dirty="0">
+                        <a:solidFill>
+                          <a:srgbClr val="365F91"/>
+                        </a:solidFill>
+                        <a:latin typeface="Calibri"/>
+                      </a:endParaRPr>
+                    </a:p>
+                  </a:txBody>
+                  <a:tcPr marL="61993" marR="61993" marT="0" marB="0">
+                    <a:lnL>
+                      <a:noFill/>
+                    </a:lnL>
+                    <a:lnR>
+                      <a:noFill/>
+                    </a:lnR>
+                    <a:lnT w="12700" cap="flat" cmpd="sng" algn="ctr">
+                      <a:solidFill>
+                        <a:srgbClr val="000000"/>
+                      </a:solidFill>
+                      <a:prstDash val="dash"/>
+                      <a:round/>
+                      <a:headEnd type="none" w="med" len="med"/>
+                      <a:tailEnd type="none" w="med" len="med"/>
+                    </a:lnT>
+                    <a:lnB w="12700" cap="flat" cmpd="sng" algn="ctr">
+                      <a:solidFill>
+                        <a:srgbClr val="000000"/>
+                      </a:solidFill>
+                      <a:prstDash val="dash"/>
+                      <a:round/>
+                      <a:headEnd type="none" w="med" len="med"/>
+                      <a:tailEnd type="none" w="med" len="med"/>
+                    </a:lnB>
+                  </a:tcPr>
+                </a:tc>
+              </a:tr>
+              <a:tr h="0">
+                <a:tc>
+                  <a:txBody>
+                    <a:bodyPr/>
+                    <a:lstStyle/>
+                    <a:p>
+                      <a:pPr algn="l">
+                        <a:lnSpc>
+                          <a:spcPct val="115000"/>
+                        </a:lnSpc>
+                        <a:spcAft>
+                          <a:spcPts val="0"/>
+                        </a:spcAft>
+                      </a:pPr>
+                      <a:r>
+                        <a:rPr lang="en-US" sz="900">
+                          <a:solidFill>
+                            <a:srgbClr val="365F91"/>
+                          </a:solidFill>
+                          <a:latin typeface="Calibri"/>
+                          <a:ea typeface="Times New Roman"/>
+                          <a:cs typeface="Times New Roman"/>
+                        </a:rPr>
+                        <a:t>12</a:t>
+                      </a:r>
+                      <a:endParaRPr lang="id-ID" sz="1000">
+                        <a:solidFill>
+                          <a:srgbClr val="365F91"/>
+                        </a:solidFill>
+                        <a:latin typeface="Calibri"/>
+                        <a:ea typeface="Calibri"/>
+                        <a:cs typeface="Times New Roman"/>
+                      </a:endParaRPr>
+                    </a:p>
+                  </a:txBody>
+                  <a:tcPr marL="61993" marR="61993" marT="0" marB="0">
+                    <a:lnL>
+                      <a:noFill/>
+                    </a:lnL>
+                    <a:lnR>
+                      <a:noFill/>
+                    </a:lnR>
+                    <a:lnT w="12700" cap="flat" cmpd="sng" algn="ctr">
+                      <a:solidFill>
+                        <a:srgbClr val="000000"/>
+                      </a:solidFill>
+                      <a:prstDash val="dash"/>
+                      <a:round/>
+                      <a:headEnd type="none" w="med" len="med"/>
+                      <a:tailEnd type="none" w="med" len="med"/>
+                    </a:lnT>
+                    <a:lnB w="12700" cap="flat" cmpd="sng" algn="ctr">
+                      <a:solidFill>
+                        <a:srgbClr val="000000"/>
+                      </a:solidFill>
+                      <a:prstDash val="dash"/>
+                      <a:round/>
+                      <a:headEnd type="none" w="med" len="med"/>
+                      <a:tailEnd type="none" w="med" len="med"/>
+                    </a:lnB>
+                    <a:solidFill>
+                      <a:srgbClr val="D3DFEE"/>
+                    </a:solidFill>
+                  </a:tcPr>
+                </a:tc>
+                <a:tc>
+                  <a:txBody>
+                    <a:bodyPr/>
+                    <a:lstStyle/>
+                    <a:p>
+                      <a:pPr algn="l"/>
+                      <a:r>
+                        <a:rPr lang="id-ID" sz="1400" dirty="0">
+                          <a:solidFill>
+                            <a:srgbClr val="000000"/>
+                          </a:solidFill>
+                          <a:latin typeface="Calibri"/>
+                        </a:rPr>
+                        <a:t>	</a:t>
+                      </a:r>
+                      <a:r>
+                        <a:rPr lang="id-ID" sz="1400" dirty="0" smtClean="0">
+                          <a:solidFill>
+                            <a:srgbClr val="000000"/>
+                          </a:solidFill>
+                          <a:latin typeface="Calibri"/>
+                        </a:rPr>
+                        <a:t>"</a:t>
+                      </a:r>
+                      <a:r>
+                        <a:rPr lang="id-ID" sz="1400" dirty="0">
+                          <a:solidFill>
+                            <a:srgbClr val="000000"/>
+                          </a:solidFill>
+                          <a:latin typeface="Calibri"/>
+                        </a:rPr>
+                        <a:t>Abbrev": "ISO 8879:1986",</a:t>
+                      </a:r>
+                      <a:endParaRPr lang="id-ID" sz="1400" dirty="0">
+                        <a:solidFill>
+                          <a:srgbClr val="365F91"/>
+                        </a:solidFill>
+                        <a:latin typeface="Calibri"/>
+                      </a:endParaRPr>
+                    </a:p>
+                  </a:txBody>
+                  <a:tcPr marL="61993" marR="61993" marT="0" marB="0">
+                    <a:lnL>
+                      <a:noFill/>
+                    </a:lnL>
+                    <a:lnR>
+                      <a:noFill/>
+                    </a:lnR>
+                    <a:lnT w="12700" cap="flat" cmpd="sng" algn="ctr">
+                      <a:solidFill>
+                        <a:srgbClr val="000000"/>
+                      </a:solidFill>
+                      <a:prstDash val="dash"/>
+                      <a:round/>
+                      <a:headEnd type="none" w="med" len="med"/>
+                      <a:tailEnd type="none" w="med" len="med"/>
+                    </a:lnT>
+                    <a:lnB w="12700" cap="flat" cmpd="sng" algn="ctr">
+                      <a:solidFill>
+                        <a:srgbClr val="000000"/>
+                      </a:solidFill>
+                      <a:prstDash val="dash"/>
+                      <a:round/>
+                      <a:headEnd type="none" w="med" len="med"/>
+                      <a:tailEnd type="none" w="med" len="med"/>
+                    </a:lnB>
+                    <a:solidFill>
+                      <a:srgbClr val="D3DFEE"/>
+                    </a:solidFill>
+                  </a:tcPr>
+                </a:tc>
+              </a:tr>
+              <a:tr h="158427">
+                <a:tc>
+                  <a:txBody>
+                    <a:bodyPr/>
+                    <a:lstStyle/>
+                    <a:p>
+                      <a:pPr algn="l">
+                        <a:lnSpc>
+                          <a:spcPct val="115000"/>
+                        </a:lnSpc>
+                        <a:spcAft>
+                          <a:spcPts val="0"/>
+                        </a:spcAft>
+                      </a:pPr>
+                      <a:r>
+                        <a:rPr lang="en-US" sz="900">
+                          <a:solidFill>
+                            <a:srgbClr val="365F91"/>
+                          </a:solidFill>
+                          <a:latin typeface="Calibri"/>
+                          <a:ea typeface="Times New Roman"/>
+                          <a:cs typeface="Times New Roman"/>
+                        </a:rPr>
+                        <a:t>13</a:t>
+                      </a:r>
+                      <a:endParaRPr lang="id-ID" sz="1000">
+                        <a:solidFill>
+                          <a:srgbClr val="365F91"/>
+                        </a:solidFill>
+                        <a:latin typeface="Calibri"/>
+                        <a:ea typeface="Calibri"/>
+                        <a:cs typeface="Times New Roman"/>
+                      </a:endParaRPr>
+                    </a:p>
+                  </a:txBody>
+                  <a:tcPr marL="61993" marR="61993" marT="0" marB="0">
+                    <a:lnL>
+                      <a:noFill/>
+                    </a:lnL>
+                    <a:lnR>
+                      <a:noFill/>
+                    </a:lnR>
+                    <a:lnT w="12700" cap="flat" cmpd="sng" algn="ctr">
+                      <a:solidFill>
+                        <a:srgbClr val="000000"/>
+                      </a:solidFill>
+                      <a:prstDash val="dash"/>
+                      <a:round/>
+                      <a:headEnd type="none" w="med" len="med"/>
+                      <a:tailEnd type="none" w="med" len="med"/>
+                    </a:lnT>
+                    <a:lnB w="12700" cap="flat" cmpd="sng" algn="ctr">
+                      <a:solidFill>
+                        <a:srgbClr val="000000"/>
+                      </a:solidFill>
+                      <a:prstDash val="dash"/>
+                      <a:round/>
+                      <a:headEnd type="none" w="med" len="med"/>
+                      <a:tailEnd type="none" w="med" len="med"/>
+                    </a:lnB>
+                  </a:tcPr>
+                </a:tc>
+                <a:tc>
+                  <a:txBody>
+                    <a:bodyPr/>
+                    <a:lstStyle/>
+                    <a:p>
+                      <a:pPr algn="l"/>
+                      <a:r>
+                        <a:rPr lang="id-ID" sz="1400" dirty="0">
+                          <a:solidFill>
+                            <a:srgbClr val="000000"/>
+                          </a:solidFill>
+                          <a:latin typeface="Calibri"/>
+                        </a:rPr>
+                        <a:t>	</a:t>
+                      </a:r>
+                      <a:r>
+                        <a:rPr lang="id-ID" sz="1400" dirty="0" smtClean="0">
+                          <a:solidFill>
+                            <a:srgbClr val="000000"/>
+                          </a:solidFill>
+                          <a:latin typeface="Calibri"/>
+                        </a:rPr>
+                        <a:t>"</a:t>
+                      </a:r>
+                      <a:r>
+                        <a:rPr lang="id-ID" sz="1400" dirty="0">
+                          <a:solidFill>
+                            <a:srgbClr val="000000"/>
+                          </a:solidFill>
+                          <a:latin typeface="Calibri"/>
+                        </a:rPr>
+                        <a:t>GlossDef": {</a:t>
+                      </a:r>
+                      <a:endParaRPr lang="id-ID" sz="1400" dirty="0">
+                        <a:solidFill>
+                          <a:srgbClr val="365F91"/>
+                        </a:solidFill>
+                        <a:latin typeface="Calibri"/>
+                      </a:endParaRPr>
+                    </a:p>
+                  </a:txBody>
+                  <a:tcPr marL="61993" marR="61993" marT="0" marB="0">
+                    <a:lnL>
+                      <a:noFill/>
+                    </a:lnL>
+                    <a:lnR>
+                      <a:noFill/>
+                    </a:lnR>
+                    <a:lnT w="12700" cap="flat" cmpd="sng" algn="ctr">
+                      <a:solidFill>
+                        <a:srgbClr val="000000"/>
+                      </a:solidFill>
+                      <a:prstDash val="dash"/>
+                      <a:round/>
+                      <a:headEnd type="none" w="med" len="med"/>
+                      <a:tailEnd type="none" w="med" len="med"/>
+                    </a:lnT>
+                    <a:lnB w="12700" cap="flat" cmpd="sng" algn="ctr">
+                      <a:solidFill>
+                        <a:srgbClr val="000000"/>
+                      </a:solidFill>
+                      <a:prstDash val="dash"/>
+                      <a:round/>
+                      <a:headEnd type="none" w="med" len="med"/>
+                      <a:tailEnd type="none" w="med" len="med"/>
+                    </a:lnB>
+                  </a:tcPr>
+                </a:tc>
+              </a:tr>
+              <a:tr h="246336">
+                <a:tc>
+                  <a:txBody>
+                    <a:bodyPr/>
+                    <a:lstStyle/>
+                    <a:p>
+                      <a:pPr algn="l">
+                        <a:lnSpc>
+                          <a:spcPct val="115000"/>
+                        </a:lnSpc>
+                        <a:spcAft>
+                          <a:spcPts val="0"/>
+                        </a:spcAft>
+                      </a:pPr>
+                      <a:r>
+                        <a:rPr lang="en-US" sz="900">
+                          <a:solidFill>
+                            <a:srgbClr val="365F91"/>
+                          </a:solidFill>
+                          <a:latin typeface="Calibri"/>
+                          <a:ea typeface="Times New Roman"/>
+                          <a:cs typeface="Times New Roman"/>
+                        </a:rPr>
+                        <a:t>14</a:t>
+                      </a:r>
+                      <a:endParaRPr lang="id-ID" sz="1000">
+                        <a:solidFill>
+                          <a:srgbClr val="365F91"/>
+                        </a:solidFill>
+                        <a:latin typeface="Calibri"/>
+                        <a:ea typeface="Calibri"/>
+                        <a:cs typeface="Times New Roman"/>
+                      </a:endParaRPr>
+                    </a:p>
+                  </a:txBody>
+                  <a:tcPr marL="61993" marR="61993" marT="0" marB="0">
+                    <a:lnL>
+                      <a:noFill/>
+                    </a:lnL>
+                    <a:lnR>
+                      <a:noFill/>
+                    </a:lnR>
+                    <a:lnT w="12700" cap="flat" cmpd="sng" algn="ctr">
+                      <a:solidFill>
+                        <a:srgbClr val="000000"/>
+                      </a:solidFill>
+                      <a:prstDash val="dash"/>
+                      <a:round/>
+                      <a:headEnd type="none" w="med" len="med"/>
+                      <a:tailEnd type="none" w="med" len="med"/>
+                    </a:lnT>
+                    <a:lnB w="12700" cap="flat" cmpd="sng" algn="ctr">
+                      <a:solidFill>
+                        <a:srgbClr val="000000"/>
+                      </a:solidFill>
+                      <a:prstDash val="dash"/>
+                      <a:round/>
+                      <a:headEnd type="none" w="med" len="med"/>
+                      <a:tailEnd type="none" w="med" len="med"/>
+                    </a:lnB>
+                    <a:solidFill>
+                      <a:srgbClr val="D3DFEE"/>
+                    </a:solidFill>
+                  </a:tcPr>
+                </a:tc>
+                <a:tc>
+                  <a:txBody>
+                    <a:bodyPr/>
+                    <a:lstStyle/>
+                    <a:p>
+                      <a:pPr algn="l"/>
+                      <a:r>
+                        <a:rPr lang="id-ID" sz="1400" dirty="0">
+                          <a:solidFill>
+                            <a:srgbClr val="000000"/>
+                          </a:solidFill>
+                          <a:latin typeface="Calibri"/>
+                        </a:rPr>
+                        <a:t>                        "para": "A meta-markup language, used to create markup languages such as DocBook.",</a:t>
+                      </a:r>
+                      <a:endParaRPr lang="id-ID" sz="1400" dirty="0">
+                        <a:solidFill>
+                          <a:srgbClr val="365F91"/>
+                        </a:solidFill>
+                        <a:latin typeface="Calibri"/>
+                      </a:endParaRPr>
+                    </a:p>
+                  </a:txBody>
+                  <a:tcPr marL="61993" marR="61993" marT="0" marB="0">
+                    <a:lnL>
+                      <a:noFill/>
+                    </a:lnL>
+                    <a:lnR>
+                      <a:noFill/>
+                    </a:lnR>
+                    <a:lnT w="12700" cap="flat" cmpd="sng" algn="ctr">
+                      <a:solidFill>
+                        <a:srgbClr val="000000"/>
+                      </a:solidFill>
+                      <a:prstDash val="dash"/>
+                      <a:round/>
+                      <a:headEnd type="none" w="med" len="med"/>
+                      <a:tailEnd type="none" w="med" len="med"/>
+                    </a:lnT>
+                    <a:lnB w="12700" cap="flat" cmpd="sng" algn="ctr">
+                      <a:solidFill>
+                        <a:srgbClr val="000000"/>
+                      </a:solidFill>
+                      <a:prstDash val="dash"/>
+                      <a:round/>
+                      <a:headEnd type="none" w="med" len="med"/>
+                      <a:tailEnd type="none" w="med" len="med"/>
+                    </a:lnB>
+                    <a:solidFill>
+                      <a:srgbClr val="D3DFEE"/>
+                    </a:solidFill>
+                  </a:tcPr>
+                </a:tc>
+              </a:tr>
+              <a:tr h="131736">
+                <a:tc>
+                  <a:txBody>
+                    <a:bodyPr/>
+                    <a:lstStyle/>
+                    <a:p>
+                      <a:pPr algn="l">
+                        <a:lnSpc>
+                          <a:spcPct val="115000"/>
+                        </a:lnSpc>
+                        <a:spcAft>
+                          <a:spcPts val="0"/>
+                        </a:spcAft>
+                      </a:pPr>
+                      <a:r>
+                        <a:rPr lang="en-US" sz="900">
+                          <a:solidFill>
+                            <a:srgbClr val="365F91"/>
+                          </a:solidFill>
+                          <a:latin typeface="Calibri"/>
+                          <a:ea typeface="Times New Roman"/>
+                          <a:cs typeface="Times New Roman"/>
+                        </a:rPr>
+                        <a:t>15</a:t>
+                      </a:r>
+                      <a:endParaRPr lang="id-ID" sz="1000">
+                        <a:solidFill>
+                          <a:srgbClr val="365F91"/>
+                        </a:solidFill>
+                        <a:latin typeface="Calibri"/>
+                        <a:ea typeface="Calibri"/>
+                        <a:cs typeface="Times New Roman"/>
+                      </a:endParaRPr>
+                    </a:p>
+                  </a:txBody>
+                  <a:tcPr marL="61993" marR="61993" marT="0" marB="0">
+                    <a:lnL>
+                      <a:noFill/>
+                    </a:lnL>
+                    <a:lnR>
+                      <a:noFill/>
+                    </a:lnR>
+                    <a:lnT w="12700" cap="flat" cmpd="sng" algn="ctr">
+                      <a:solidFill>
+                        <a:srgbClr val="000000"/>
+                      </a:solidFill>
+                      <a:prstDash val="dash"/>
+                      <a:round/>
+                      <a:headEnd type="none" w="med" len="med"/>
+                      <a:tailEnd type="none" w="med" len="med"/>
+                    </a:lnT>
+                    <a:lnB w="12700" cap="flat" cmpd="sng" algn="ctr">
+                      <a:solidFill>
+                        <a:srgbClr val="000000"/>
+                      </a:solidFill>
+                      <a:prstDash val="dash"/>
+                      <a:round/>
+                      <a:headEnd type="none" w="med" len="med"/>
+                      <a:tailEnd type="none" w="med" len="med"/>
+                    </a:lnB>
+                  </a:tcPr>
+                </a:tc>
+                <a:tc>
+                  <a:txBody>
+                    <a:bodyPr/>
+                    <a:lstStyle/>
+                    <a:p>
+                      <a:pPr algn="l"/>
+                      <a:r>
+                        <a:rPr lang="id-ID" sz="1400" dirty="0">
+                          <a:solidFill>
+                            <a:srgbClr val="000000"/>
+                          </a:solidFill>
+                          <a:latin typeface="Calibri"/>
+                        </a:rPr>
+                        <a:t>	</a:t>
+                      </a:r>
+                      <a:r>
+                        <a:rPr lang="id-ID" sz="1400" dirty="0" smtClean="0">
+                          <a:solidFill>
+                            <a:srgbClr val="000000"/>
+                          </a:solidFill>
+                          <a:latin typeface="Calibri"/>
+                        </a:rPr>
+                        <a:t>"</a:t>
+                      </a:r>
+                      <a:r>
+                        <a:rPr lang="id-ID" sz="1400" dirty="0">
+                          <a:solidFill>
+                            <a:srgbClr val="000000"/>
+                          </a:solidFill>
+                          <a:latin typeface="Calibri"/>
+                        </a:rPr>
+                        <a:t>GlossSeeAlso": ["GML", "XML"]</a:t>
+                      </a:r>
+                      <a:endParaRPr lang="id-ID" sz="1400" dirty="0">
+                        <a:solidFill>
+                          <a:srgbClr val="365F91"/>
+                        </a:solidFill>
+                        <a:latin typeface="Calibri"/>
+                      </a:endParaRPr>
+                    </a:p>
+                  </a:txBody>
+                  <a:tcPr marL="61993" marR="61993" marT="0" marB="0">
+                    <a:lnL>
+                      <a:noFill/>
+                    </a:lnL>
+                    <a:lnR>
+                      <a:noFill/>
+                    </a:lnR>
+                    <a:lnT w="12700" cap="flat" cmpd="sng" algn="ctr">
+                      <a:solidFill>
+                        <a:srgbClr val="000000"/>
+                      </a:solidFill>
+                      <a:prstDash val="dash"/>
+                      <a:round/>
+                      <a:headEnd type="none" w="med" len="med"/>
+                      <a:tailEnd type="none" w="med" len="med"/>
+                    </a:lnT>
+                    <a:lnB w="12700" cap="flat" cmpd="sng" algn="ctr">
+                      <a:solidFill>
+                        <a:srgbClr val="000000"/>
+                      </a:solidFill>
+                      <a:prstDash val="dash"/>
+                      <a:round/>
+                      <a:headEnd type="none" w="med" len="med"/>
+                      <a:tailEnd type="none" w="med" len="med"/>
+                    </a:lnB>
+                  </a:tcPr>
+                </a:tc>
+              </a:tr>
+              <a:tr h="158427">
+                <a:tc>
+                  <a:txBody>
+                    <a:bodyPr/>
+                    <a:lstStyle/>
+                    <a:p>
+                      <a:pPr algn="l">
+                        <a:lnSpc>
+                          <a:spcPct val="115000"/>
+                        </a:lnSpc>
+                        <a:spcAft>
+                          <a:spcPts val="0"/>
+                        </a:spcAft>
+                      </a:pPr>
+                      <a:r>
+                        <a:rPr lang="en-US" sz="900">
+                          <a:solidFill>
+                            <a:srgbClr val="365F91"/>
+                          </a:solidFill>
+                          <a:latin typeface="Calibri"/>
+                          <a:ea typeface="Times New Roman"/>
+                          <a:cs typeface="Times New Roman"/>
+                        </a:rPr>
+                        <a:t>16</a:t>
+                      </a:r>
+                      <a:endParaRPr lang="id-ID" sz="1000">
+                        <a:solidFill>
+                          <a:srgbClr val="365F91"/>
+                        </a:solidFill>
+                        <a:latin typeface="Calibri"/>
+                        <a:ea typeface="Calibri"/>
+                        <a:cs typeface="Times New Roman"/>
+                      </a:endParaRPr>
+                    </a:p>
+                  </a:txBody>
+                  <a:tcPr marL="61993" marR="61993" marT="0" marB="0">
+                    <a:lnL>
+                      <a:noFill/>
+                    </a:lnL>
+                    <a:lnR>
+                      <a:noFill/>
+                    </a:lnR>
+                    <a:lnT w="12700" cap="flat" cmpd="sng" algn="ctr">
+                      <a:solidFill>
+                        <a:srgbClr val="000000"/>
+                      </a:solidFill>
+                      <a:prstDash val="dash"/>
+                      <a:round/>
+                      <a:headEnd type="none" w="med" len="med"/>
+                      <a:tailEnd type="none" w="med" len="med"/>
+                    </a:lnT>
+                    <a:lnB w="12700" cap="flat" cmpd="sng" algn="ctr">
+                      <a:solidFill>
+                        <a:srgbClr val="000000"/>
+                      </a:solidFill>
+                      <a:prstDash val="dash"/>
+                      <a:round/>
+                      <a:headEnd type="none" w="med" len="med"/>
+                      <a:tailEnd type="none" w="med" len="med"/>
+                    </a:lnB>
+                    <a:solidFill>
+                      <a:srgbClr val="D3DFEE"/>
+                    </a:solidFill>
+                  </a:tcPr>
+                </a:tc>
+                <a:tc>
+                  <a:txBody>
+                    <a:bodyPr/>
+                    <a:lstStyle/>
+                    <a:p>
+                      <a:pPr algn="l"/>
+                      <a:r>
+                        <a:rPr lang="id-ID" sz="1400" dirty="0">
+                          <a:solidFill>
+                            <a:srgbClr val="000000"/>
+                          </a:solidFill>
+                          <a:latin typeface="Calibri"/>
+                        </a:rPr>
+                        <a:t>                    },</a:t>
+                      </a:r>
+                      <a:endParaRPr lang="id-ID" sz="1400" dirty="0">
+                        <a:solidFill>
+                          <a:srgbClr val="365F91"/>
+                        </a:solidFill>
+                        <a:latin typeface="Calibri"/>
+                      </a:endParaRPr>
+                    </a:p>
+                  </a:txBody>
+                  <a:tcPr marL="61993" marR="61993" marT="0" marB="0">
+                    <a:lnL>
+                      <a:noFill/>
+                    </a:lnL>
+                    <a:lnR>
+                      <a:noFill/>
+                    </a:lnR>
+                    <a:lnT w="12700" cap="flat" cmpd="sng" algn="ctr">
+                      <a:solidFill>
+                        <a:srgbClr val="000000"/>
+                      </a:solidFill>
+                      <a:prstDash val="dash"/>
+                      <a:round/>
+                      <a:headEnd type="none" w="med" len="med"/>
+                      <a:tailEnd type="none" w="med" len="med"/>
+                    </a:lnT>
+                    <a:lnB w="12700" cap="flat" cmpd="sng" algn="ctr">
+                      <a:solidFill>
+                        <a:srgbClr val="000000"/>
+                      </a:solidFill>
+                      <a:prstDash val="dash"/>
+                      <a:round/>
+                      <a:headEnd type="none" w="med" len="med"/>
+                      <a:tailEnd type="none" w="med" len="med"/>
+                    </a:lnB>
+                    <a:solidFill>
+                      <a:srgbClr val="D3DFEE"/>
+                    </a:solidFill>
+                  </a:tcPr>
+                </a:tc>
+              </a:tr>
+              <a:tr h="303078">
+                <a:tc>
+                  <a:txBody>
+                    <a:bodyPr/>
+                    <a:lstStyle/>
+                    <a:p>
+                      <a:pPr algn="l">
+                        <a:lnSpc>
+                          <a:spcPct val="115000"/>
+                        </a:lnSpc>
+                        <a:spcAft>
+                          <a:spcPts val="0"/>
+                        </a:spcAft>
+                      </a:pPr>
+                      <a:r>
+                        <a:rPr lang="en-US" sz="900">
+                          <a:solidFill>
+                            <a:srgbClr val="365F91"/>
+                          </a:solidFill>
+                          <a:latin typeface="Calibri"/>
+                          <a:ea typeface="Times New Roman"/>
+                          <a:cs typeface="Times New Roman"/>
+                        </a:rPr>
+                        <a:t>17</a:t>
+                      </a:r>
+                      <a:endParaRPr lang="id-ID" sz="1000">
+                        <a:solidFill>
+                          <a:srgbClr val="365F91"/>
+                        </a:solidFill>
+                        <a:latin typeface="Calibri"/>
+                        <a:ea typeface="Calibri"/>
+                        <a:cs typeface="Times New Roman"/>
+                      </a:endParaRPr>
+                    </a:p>
+                  </a:txBody>
+                  <a:tcPr marL="61993" marR="61993" marT="0" marB="0">
+                    <a:lnL>
+                      <a:noFill/>
+                    </a:lnL>
+                    <a:lnR>
+                      <a:noFill/>
+                    </a:lnR>
+                    <a:lnT w="12700" cap="flat" cmpd="sng" algn="ctr">
+                      <a:solidFill>
+                        <a:srgbClr val="000000"/>
+                      </a:solidFill>
+                      <a:prstDash val="dash"/>
+                      <a:round/>
+                      <a:headEnd type="none" w="med" len="med"/>
+                      <a:tailEnd type="none" w="med" len="med"/>
+                    </a:lnT>
+                    <a:lnB w="12700" cap="flat" cmpd="sng" algn="ctr">
+                      <a:solidFill>
+                        <a:srgbClr val="000000"/>
+                      </a:solidFill>
+                      <a:prstDash val="dash"/>
+                      <a:round/>
+                      <a:headEnd type="none" w="med" len="med"/>
+                      <a:tailEnd type="none" w="med" len="med"/>
+                    </a:lnB>
+                  </a:tcPr>
+                </a:tc>
+                <a:tc>
+                  <a:txBody>
+                    <a:bodyPr/>
+                    <a:lstStyle/>
+                    <a:p>
+                      <a:pPr algn="l"/>
+                      <a:r>
+                        <a:rPr lang="id-ID" sz="1400" dirty="0">
+                          <a:solidFill>
+                            <a:srgbClr val="000000"/>
+                          </a:solidFill>
+                          <a:latin typeface="Calibri"/>
+                        </a:rPr>
+                        <a:t>	</a:t>
+                      </a:r>
+                      <a:r>
+                        <a:rPr lang="id-ID" sz="1400" dirty="0" smtClean="0">
+                          <a:solidFill>
+                            <a:srgbClr val="000000"/>
+                          </a:solidFill>
+                          <a:latin typeface="Calibri"/>
+                        </a:rPr>
+                        <a:t>"</a:t>
+                      </a:r>
+                      <a:r>
+                        <a:rPr lang="id-ID" sz="1400" dirty="0">
+                          <a:solidFill>
+                            <a:srgbClr val="000000"/>
+                          </a:solidFill>
+                          <a:latin typeface="Calibri"/>
+                        </a:rPr>
+                        <a:t>GlossSee": "markup"</a:t>
+                      </a:r>
+                      <a:endParaRPr lang="id-ID" sz="1400" dirty="0">
+                        <a:solidFill>
+                          <a:srgbClr val="365F91"/>
+                        </a:solidFill>
+                        <a:latin typeface="Calibri"/>
+                      </a:endParaRPr>
+                    </a:p>
+                  </a:txBody>
+                  <a:tcPr marL="61993" marR="61993" marT="0" marB="0">
+                    <a:lnL>
+                      <a:noFill/>
+                    </a:lnL>
+                    <a:lnR>
+                      <a:noFill/>
+                    </a:lnR>
+                    <a:lnT w="12700" cap="flat" cmpd="sng" algn="ctr">
+                      <a:solidFill>
+                        <a:srgbClr val="000000"/>
+                      </a:solidFill>
+                      <a:prstDash val="dash"/>
+                      <a:round/>
+                      <a:headEnd type="none" w="med" len="med"/>
+                      <a:tailEnd type="none" w="med" len="med"/>
+                    </a:lnT>
+                    <a:lnB w="12700" cap="flat" cmpd="sng" algn="ctr">
+                      <a:solidFill>
+                        <a:srgbClr val="000000"/>
+                      </a:solidFill>
+                      <a:prstDash val="dash"/>
+                      <a:round/>
+                      <a:headEnd type="none" w="med" len="med"/>
+                      <a:tailEnd type="none" w="med" len="med"/>
+                    </a:lnB>
+                  </a:tcPr>
+                </a:tc>
+              </a:tr>
+              <a:tr h="158427">
+                <a:tc>
+                  <a:txBody>
+                    <a:bodyPr/>
+                    <a:lstStyle/>
+                    <a:p>
+                      <a:pPr algn="l">
+                        <a:lnSpc>
+                          <a:spcPct val="115000"/>
+                        </a:lnSpc>
+                        <a:spcAft>
+                          <a:spcPts val="0"/>
+                        </a:spcAft>
+                      </a:pPr>
+                      <a:r>
+                        <a:rPr lang="en-US" sz="900">
+                          <a:solidFill>
+                            <a:srgbClr val="365F91"/>
+                          </a:solidFill>
+                          <a:latin typeface="Calibri"/>
+                          <a:ea typeface="Times New Roman"/>
+                          <a:cs typeface="Times New Roman"/>
+                        </a:rPr>
+                        <a:t>18</a:t>
+                      </a:r>
+                      <a:endParaRPr lang="id-ID" sz="1000">
+                        <a:solidFill>
+                          <a:srgbClr val="365F91"/>
+                        </a:solidFill>
+                        <a:latin typeface="Calibri"/>
+                        <a:ea typeface="Calibri"/>
+                        <a:cs typeface="Times New Roman"/>
+                      </a:endParaRPr>
+                    </a:p>
+                  </a:txBody>
+                  <a:tcPr marL="61993" marR="61993" marT="0" marB="0">
+                    <a:lnL>
+                      <a:noFill/>
+                    </a:lnL>
+                    <a:lnR>
+                      <a:noFill/>
+                    </a:lnR>
+                    <a:lnT w="12700" cap="flat" cmpd="sng" algn="ctr">
+                      <a:solidFill>
+                        <a:srgbClr val="000000"/>
+                      </a:solidFill>
+                      <a:prstDash val="dash"/>
+                      <a:round/>
+                      <a:headEnd type="none" w="med" len="med"/>
+                      <a:tailEnd type="none" w="med" len="med"/>
+                    </a:lnT>
+                    <a:lnB w="12700" cap="flat" cmpd="sng" algn="ctr">
+                      <a:solidFill>
+                        <a:srgbClr val="000000"/>
+                      </a:solidFill>
+                      <a:prstDash val="dash"/>
+                      <a:round/>
+                      <a:headEnd type="none" w="med" len="med"/>
+                      <a:tailEnd type="none" w="med" len="med"/>
+                    </a:lnB>
+                    <a:solidFill>
+                      <a:srgbClr val="D3DFEE"/>
+                    </a:solidFill>
+                  </a:tcPr>
+                </a:tc>
+                <a:tc>
+                  <a:txBody>
+                    <a:bodyPr/>
+                    <a:lstStyle/>
+                    <a:p>
+                      <a:pPr algn="l"/>
+                      <a:r>
+                        <a:rPr lang="id-ID" sz="1400">
+                          <a:solidFill>
+                            <a:srgbClr val="000000"/>
+                          </a:solidFill>
+                          <a:latin typeface="Calibri"/>
+                        </a:rPr>
+                        <a:t>                }</a:t>
+                      </a:r>
+                      <a:endParaRPr lang="id-ID" sz="1400">
+                        <a:solidFill>
+                          <a:srgbClr val="365F91"/>
+                        </a:solidFill>
+                        <a:latin typeface="Calibri"/>
+                      </a:endParaRPr>
+                    </a:p>
+                  </a:txBody>
+                  <a:tcPr marL="61993" marR="61993" marT="0" marB="0">
+                    <a:lnL>
+                      <a:noFill/>
+                    </a:lnL>
+                    <a:lnR>
+                      <a:noFill/>
+                    </a:lnR>
+                    <a:lnT w="12700" cap="flat" cmpd="sng" algn="ctr">
+                      <a:solidFill>
+                        <a:srgbClr val="000000"/>
+                      </a:solidFill>
+                      <a:prstDash val="dash"/>
+                      <a:round/>
+                      <a:headEnd type="none" w="med" len="med"/>
+                      <a:tailEnd type="none" w="med" len="med"/>
+                    </a:lnT>
+                    <a:lnB w="12700" cap="flat" cmpd="sng" algn="ctr">
+                      <a:solidFill>
+                        <a:srgbClr val="000000"/>
+                      </a:solidFill>
+                      <a:prstDash val="dash"/>
+                      <a:round/>
+                      <a:headEnd type="none" w="med" len="med"/>
+                      <a:tailEnd type="none" w="med" len="med"/>
+                    </a:lnB>
+                    <a:solidFill>
+                      <a:srgbClr val="D3DFEE"/>
+                    </a:solidFill>
+                  </a:tcPr>
+                </a:tc>
+              </a:tr>
+              <a:tr h="158427">
+                <a:tc>
+                  <a:txBody>
+                    <a:bodyPr/>
+                    <a:lstStyle/>
+                    <a:p>
+                      <a:pPr algn="l">
+                        <a:lnSpc>
+                          <a:spcPct val="115000"/>
+                        </a:lnSpc>
+                        <a:spcAft>
+                          <a:spcPts val="0"/>
+                        </a:spcAft>
+                      </a:pPr>
+                      <a:r>
+                        <a:rPr lang="en-US" sz="900">
+                          <a:solidFill>
+                            <a:srgbClr val="365F91"/>
+                          </a:solidFill>
+                          <a:latin typeface="Calibri"/>
+                          <a:ea typeface="Times New Roman"/>
+                          <a:cs typeface="Times New Roman"/>
+                        </a:rPr>
+                        <a:t>19</a:t>
+                      </a:r>
+                      <a:endParaRPr lang="id-ID" sz="1000">
+                        <a:solidFill>
+                          <a:srgbClr val="365F91"/>
+                        </a:solidFill>
+                        <a:latin typeface="Calibri"/>
+                        <a:ea typeface="Calibri"/>
+                        <a:cs typeface="Times New Roman"/>
+                      </a:endParaRPr>
+                    </a:p>
+                  </a:txBody>
+                  <a:tcPr marL="61993" marR="61993" marT="0" marB="0">
+                    <a:lnL>
+                      <a:noFill/>
+                    </a:lnL>
+                    <a:lnR>
+                      <a:noFill/>
+                    </a:lnR>
+                    <a:lnT w="12700" cap="flat" cmpd="sng" algn="ctr">
+                      <a:solidFill>
+                        <a:srgbClr val="000000"/>
+                      </a:solidFill>
+                      <a:prstDash val="dash"/>
+                      <a:round/>
+                      <a:headEnd type="none" w="med" len="med"/>
+                      <a:tailEnd type="none" w="med" len="med"/>
+                    </a:lnT>
+                    <a:lnB w="12700" cap="flat" cmpd="sng" algn="ctr">
+                      <a:solidFill>
+                        <a:srgbClr val="000000"/>
+                      </a:solidFill>
+                      <a:prstDash val="dash"/>
+                      <a:round/>
+                      <a:headEnd type="none" w="med" len="med"/>
+                      <a:tailEnd type="none" w="med" len="med"/>
+                    </a:lnB>
+                  </a:tcPr>
+                </a:tc>
+                <a:tc>
+                  <a:txBody>
+                    <a:bodyPr/>
+                    <a:lstStyle/>
+                    <a:p>
+                      <a:pPr algn="l"/>
+                      <a:r>
+                        <a:rPr lang="id-ID" sz="1400" dirty="0">
+                          <a:solidFill>
+                            <a:srgbClr val="000000"/>
+                          </a:solidFill>
+                          <a:latin typeface="Calibri"/>
+                        </a:rPr>
+                        <a:t>            }</a:t>
+                      </a:r>
+                      <a:endParaRPr lang="id-ID" sz="1400" dirty="0">
+                        <a:solidFill>
+                          <a:srgbClr val="365F91"/>
+                        </a:solidFill>
+                        <a:latin typeface="Calibri"/>
+                      </a:endParaRPr>
+                    </a:p>
+                  </a:txBody>
+                  <a:tcPr marL="61993" marR="61993" marT="0" marB="0">
+                    <a:lnL>
+                      <a:noFill/>
+                    </a:lnL>
+                    <a:lnR>
+                      <a:noFill/>
+                    </a:lnR>
+                    <a:lnT w="12700" cap="flat" cmpd="sng" algn="ctr">
+                      <a:solidFill>
+                        <a:srgbClr val="000000"/>
+                      </a:solidFill>
+                      <a:prstDash val="dash"/>
+                      <a:round/>
+                      <a:headEnd type="none" w="med" len="med"/>
+                      <a:tailEnd type="none" w="med" len="med"/>
+                    </a:lnT>
+                    <a:lnB w="12700" cap="flat" cmpd="sng" algn="ctr">
+                      <a:solidFill>
+                        <a:srgbClr val="000000"/>
+                      </a:solidFill>
+                      <a:prstDash val="dash"/>
+                      <a:round/>
+                      <a:headEnd type="none" w="med" len="med"/>
+                      <a:tailEnd type="none" w="med" len="med"/>
+                    </a:lnB>
+                  </a:tcPr>
+                </a:tc>
+              </a:tr>
+              <a:tr h="158427">
+                <a:tc>
+                  <a:txBody>
+                    <a:bodyPr/>
+                    <a:lstStyle/>
+                    <a:p>
+                      <a:pPr algn="l">
+                        <a:lnSpc>
+                          <a:spcPct val="115000"/>
+                        </a:lnSpc>
+                        <a:spcAft>
+                          <a:spcPts val="0"/>
+                        </a:spcAft>
+                      </a:pPr>
+                      <a:r>
+                        <a:rPr lang="en-US" sz="900">
+                          <a:solidFill>
+                            <a:srgbClr val="365F91"/>
+                          </a:solidFill>
+                          <a:latin typeface="Calibri"/>
+                          <a:ea typeface="Times New Roman"/>
+                          <a:cs typeface="Times New Roman"/>
+                        </a:rPr>
+                        <a:t>20</a:t>
+                      </a:r>
+                      <a:endParaRPr lang="id-ID" sz="1000">
+                        <a:solidFill>
+                          <a:srgbClr val="365F91"/>
+                        </a:solidFill>
+                        <a:latin typeface="Calibri"/>
+                        <a:ea typeface="Calibri"/>
+                        <a:cs typeface="Times New Roman"/>
+                      </a:endParaRPr>
+                    </a:p>
+                  </a:txBody>
+                  <a:tcPr marL="61993" marR="61993" marT="0" marB="0">
+                    <a:lnL>
+                      <a:noFill/>
+                    </a:lnL>
+                    <a:lnR>
+                      <a:noFill/>
+                    </a:lnR>
+                    <a:lnT w="12700" cap="flat" cmpd="sng" algn="ctr">
+                      <a:solidFill>
+                        <a:srgbClr val="000000"/>
+                      </a:solidFill>
+                      <a:prstDash val="dash"/>
+                      <a:round/>
+                      <a:headEnd type="none" w="med" len="med"/>
+                      <a:tailEnd type="none" w="med" len="med"/>
+                    </a:lnT>
+                    <a:lnB w="12700" cap="flat" cmpd="sng" algn="ctr">
+                      <a:solidFill>
+                        <a:srgbClr val="000000"/>
+                      </a:solidFill>
+                      <a:prstDash val="dash"/>
+                      <a:round/>
+                      <a:headEnd type="none" w="med" len="med"/>
+                      <a:tailEnd type="none" w="med" len="med"/>
+                    </a:lnB>
+                    <a:solidFill>
+                      <a:srgbClr val="D3DFEE"/>
+                    </a:solidFill>
+                  </a:tcPr>
+                </a:tc>
+                <a:tc>
+                  <a:txBody>
+                    <a:bodyPr/>
+                    <a:lstStyle/>
+                    <a:p>
+                      <a:pPr algn="l"/>
+                      <a:r>
+                        <a:rPr lang="id-ID" sz="1400" dirty="0">
+                          <a:solidFill>
+                            <a:srgbClr val="000000"/>
+                          </a:solidFill>
+                          <a:latin typeface="Calibri"/>
+                        </a:rPr>
+                        <a:t>        }</a:t>
+                      </a:r>
+                      <a:endParaRPr lang="id-ID" sz="1400" dirty="0">
+                        <a:solidFill>
+                          <a:srgbClr val="365F91"/>
+                        </a:solidFill>
+                        <a:latin typeface="Calibri"/>
+                      </a:endParaRPr>
+                    </a:p>
+                  </a:txBody>
+                  <a:tcPr marL="61993" marR="61993" marT="0" marB="0">
+                    <a:lnL>
+                      <a:noFill/>
+                    </a:lnL>
+                    <a:lnR>
+                      <a:noFill/>
+                    </a:lnR>
+                    <a:lnT w="12700" cap="flat" cmpd="sng" algn="ctr">
+                      <a:solidFill>
+                        <a:srgbClr val="000000"/>
+                      </a:solidFill>
+                      <a:prstDash val="dash"/>
+                      <a:round/>
+                      <a:headEnd type="none" w="med" len="med"/>
+                      <a:tailEnd type="none" w="med" len="med"/>
+                    </a:lnT>
+                    <a:lnB w="12700" cap="flat" cmpd="sng" algn="ctr">
+                      <a:solidFill>
+                        <a:srgbClr val="000000"/>
+                      </a:solidFill>
+                      <a:prstDash val="dash"/>
+                      <a:round/>
+                      <a:headEnd type="none" w="med" len="med"/>
+                      <a:tailEnd type="none" w="med" len="med"/>
+                    </a:lnB>
+                    <a:solidFill>
+                      <a:srgbClr val="D3DFEE"/>
+                    </a:solidFill>
+                  </a:tcPr>
+                </a:tc>
+              </a:tr>
+              <a:tr h="158427">
+                <a:tc>
+                  <a:txBody>
+                    <a:bodyPr/>
+                    <a:lstStyle/>
+                    <a:p>
+                      <a:pPr algn="l">
+                        <a:lnSpc>
+                          <a:spcPct val="115000"/>
+                        </a:lnSpc>
+                        <a:spcAft>
+                          <a:spcPts val="0"/>
+                        </a:spcAft>
+                      </a:pPr>
+                      <a:r>
+                        <a:rPr lang="en-US" sz="900">
+                          <a:solidFill>
+                            <a:srgbClr val="365F91"/>
+                          </a:solidFill>
+                          <a:latin typeface="Calibri"/>
+                          <a:ea typeface="Times New Roman"/>
+                          <a:cs typeface="Times New Roman"/>
+                        </a:rPr>
+                        <a:t>21</a:t>
+                      </a:r>
+                      <a:endParaRPr lang="id-ID" sz="1000">
+                        <a:solidFill>
+                          <a:srgbClr val="365F91"/>
+                        </a:solidFill>
+                        <a:latin typeface="Calibri"/>
+                        <a:ea typeface="Calibri"/>
+                        <a:cs typeface="Times New Roman"/>
+                      </a:endParaRPr>
+                    </a:p>
+                  </a:txBody>
+                  <a:tcPr marL="61993" marR="61993" marT="0" marB="0">
+                    <a:lnL>
+                      <a:noFill/>
+                    </a:lnL>
+                    <a:lnR>
+                      <a:noFill/>
+                    </a:lnR>
+                    <a:lnT w="12700" cap="flat" cmpd="sng" algn="ctr">
+                      <a:solidFill>
+                        <a:srgbClr val="000000"/>
+                      </a:solidFill>
+                      <a:prstDash val="dash"/>
+                      <a:round/>
+                      <a:headEnd type="none" w="med" len="med"/>
+                      <a:tailEnd type="none" w="med" len="med"/>
+                    </a:lnT>
+                    <a:lnB w="12700" cap="flat" cmpd="sng" algn="ctr">
+                      <a:solidFill>
+                        <a:srgbClr val="000000"/>
+                      </a:solidFill>
+                      <a:prstDash val="dash"/>
+                      <a:round/>
+                      <a:headEnd type="none" w="med" len="med"/>
+                      <a:tailEnd type="none" w="med" len="med"/>
+                    </a:lnB>
+                  </a:tcPr>
+                </a:tc>
+                <a:tc>
+                  <a:txBody>
+                    <a:bodyPr/>
+                    <a:lstStyle/>
+                    <a:p>
+                      <a:pPr algn="l"/>
+                      <a:r>
+                        <a:rPr lang="id-ID" sz="1400" dirty="0">
+                          <a:solidFill>
+                            <a:srgbClr val="000000"/>
+                          </a:solidFill>
+                          <a:latin typeface="Calibri"/>
+                        </a:rPr>
+                        <a:t>    }</a:t>
+                      </a:r>
+                      <a:endParaRPr lang="id-ID" sz="1400" dirty="0">
+                        <a:solidFill>
+                          <a:srgbClr val="365F91"/>
+                        </a:solidFill>
+                        <a:latin typeface="Calibri"/>
+                      </a:endParaRPr>
+                    </a:p>
+                  </a:txBody>
+                  <a:tcPr marL="61993" marR="61993" marT="0" marB="0">
+                    <a:lnL>
+                      <a:noFill/>
+                    </a:lnL>
+                    <a:lnR>
+                      <a:noFill/>
+                    </a:lnR>
+                    <a:lnT w="12700" cap="flat" cmpd="sng" algn="ctr">
+                      <a:solidFill>
+                        <a:srgbClr val="000000"/>
+                      </a:solidFill>
+                      <a:prstDash val="dash"/>
+                      <a:round/>
+                      <a:headEnd type="none" w="med" len="med"/>
+                      <a:tailEnd type="none" w="med" len="med"/>
+                    </a:lnT>
+                    <a:lnB w="12700" cap="flat" cmpd="sng" algn="ctr">
+                      <a:solidFill>
+                        <a:srgbClr val="000000"/>
+                      </a:solidFill>
+                      <a:prstDash val="dash"/>
+                      <a:round/>
+                      <a:headEnd type="none" w="med" len="med"/>
+                      <a:tailEnd type="none" w="med" len="med"/>
+                    </a:lnB>
+                  </a:tcPr>
+                </a:tc>
+              </a:tr>
+              <a:tr h="158427">
+                <a:tc>
+                  <a:txBody>
+                    <a:bodyPr/>
+                    <a:lstStyle/>
+                    <a:p>
+                      <a:pPr algn="l">
+                        <a:lnSpc>
+                          <a:spcPct val="115000"/>
+                        </a:lnSpc>
+                        <a:spcAft>
+                          <a:spcPts val="0"/>
+                        </a:spcAft>
+                      </a:pPr>
+                      <a:r>
+                        <a:rPr lang="en-US" sz="900">
+                          <a:solidFill>
+                            <a:srgbClr val="365F91"/>
+                          </a:solidFill>
+                          <a:latin typeface="Calibri"/>
+                          <a:ea typeface="Times New Roman"/>
+                          <a:cs typeface="Times New Roman"/>
+                        </a:rPr>
+                        <a:t>22</a:t>
+                      </a:r>
+                      <a:endParaRPr lang="id-ID" sz="1000">
+                        <a:solidFill>
+                          <a:srgbClr val="365F91"/>
+                        </a:solidFill>
+                        <a:latin typeface="Calibri"/>
+                        <a:ea typeface="Calibri"/>
+                        <a:cs typeface="Times New Roman"/>
+                      </a:endParaRPr>
+                    </a:p>
+                  </a:txBody>
+                  <a:tcPr marL="61993" marR="61993" marT="0" marB="0">
+                    <a:lnL>
+                      <a:noFill/>
+                    </a:lnL>
+                    <a:lnR>
+                      <a:noFill/>
+                    </a:lnR>
+                    <a:lnT w="12700" cap="flat" cmpd="sng" algn="ctr">
+                      <a:solidFill>
+                        <a:srgbClr val="000000"/>
+                      </a:solidFill>
+                      <a:prstDash val="dash"/>
+                      <a:round/>
+                      <a:headEnd type="none" w="med" len="med"/>
+                      <a:tailEnd type="none" w="med" len="med"/>
+                    </a:lnT>
+                    <a:lnB w="12700" cap="flat" cmpd="sng" algn="ctr">
+                      <a:solidFill>
+                        <a:srgbClr val="000000"/>
+                      </a:solidFill>
+                      <a:prstDash val="dash"/>
+                      <a:round/>
+                      <a:headEnd type="none" w="med" len="med"/>
+                      <a:tailEnd type="none" w="med" len="med"/>
+                    </a:lnB>
+                    <a:solidFill>
+                      <a:srgbClr val="D3DFEE"/>
+                    </a:solidFill>
+                  </a:tcPr>
+                </a:tc>
+                <a:tc>
+                  <a:txBody>
+                    <a:bodyPr/>
+                    <a:lstStyle/>
+                    <a:p>
+                      <a:pPr algn="l"/>
+                      <a:r>
+                        <a:rPr lang="id-ID" sz="1400" dirty="0">
+                          <a:solidFill>
+                            <a:srgbClr val="000000"/>
+                          </a:solidFill>
+                          <a:latin typeface="Calibri"/>
+                        </a:rPr>
+                        <a:t>}</a:t>
+                      </a:r>
+                      <a:endParaRPr lang="id-ID" sz="1400" dirty="0">
+                        <a:solidFill>
+                          <a:srgbClr val="365F91"/>
+                        </a:solidFill>
+                        <a:latin typeface="Calibri"/>
+                      </a:endParaRPr>
+                    </a:p>
+                  </a:txBody>
+                  <a:tcPr marL="61993" marR="61993" marT="0" marB="0">
+                    <a:lnL>
+                      <a:noFill/>
+                    </a:lnL>
+                    <a:lnR>
+                      <a:noFill/>
+                    </a:lnR>
+                    <a:lnT w="12700" cap="flat" cmpd="sng" algn="ctr">
+                      <a:solidFill>
+                        <a:srgbClr val="000000"/>
+                      </a:solidFill>
+                      <a:prstDash val="dash"/>
+                      <a:round/>
+                      <a:headEnd type="none" w="med" len="med"/>
+                      <a:tailEnd type="none" w="med" len="med"/>
+                    </a:lnT>
+                    <a:lnB w="12700" cap="flat" cmpd="sng" algn="ctr">
+                      <a:solidFill>
+                        <a:srgbClr val="000000"/>
+                      </a:solidFill>
+                      <a:prstDash val="dash"/>
+                      <a:round/>
+                      <a:headEnd type="none" w="med" len="med"/>
+                      <a:tailEnd type="none" w="med" len="med"/>
+                    </a:lnB>
+                    <a:solidFill>
+                      <a:srgbClr val="D3DFEE"/>
+                    </a:solidFill>
+                  </a:tcPr>
+                </a:tc>
+              </a:tr>
+            </a:tbl>
+          </a:graphicData>
+        </a:graphic>
+      </p:graphicFrame>
     </p:spTree>
   </p:cSld>
   <p:clrMapOvr>
